--- a/CrowdSourcingStudy/Results/chartsWithPvalues.pptx
+++ b/CrowdSourcingStudy/Results/chartsWithPvalues.pptx
@@ -8,7 +8,10 @@
     <p:sldId id="256" r:id="rId2"/>
     <p:sldId id="258" r:id="rId3"/>
     <p:sldId id="259" r:id="rId4"/>
-    <p:sldId id="257" r:id="rId5"/>
+    <p:sldId id="260" r:id="rId5"/>
+    <p:sldId id="261" r:id="rId6"/>
+    <p:sldId id="262" r:id="rId7"/>
+    <p:sldId id="257" r:id="rId8"/>
   </p:sldIdLst>
   <p:sldSz cx="9144000" cy="6858000" type="screen4x3"/>
   <p:notesSz cx="6858000" cy="9144000"/>
@@ -953,6 +956,865 @@
           <c:y val="0.5856537274685929"/>
           <c:w val="0.17216601049868765"/>
           <c:h val="0.20777962347729789"/>
+        </c:manualLayout>
+      </c:layout>
+      <c:overlay val="0"/>
+    </c:legend>
+    <c:plotVisOnly val="1"/>
+    <c:dispBlanksAs val="gap"/>
+    <c:showDLblsOverMax val="0"/>
+  </c:chart>
+  <c:spPr>
+    <a:ln>
+      <a:solidFill>
+        <a:schemeClr val="tx1"/>
+      </a:solidFill>
+    </a:ln>
+  </c:spPr>
+  <c:externalData r:id="rId1">
+    <c:autoUpdate val="0"/>
+  </c:externalData>
+</c:chartSpace>
+</file>
+
+<file path=ppt/charts/chart4.xml><?xml version="1.0" encoding="utf-8"?>
+<c:chartSpace xmlns:c="http://schemas.openxmlformats.org/drawingml/2006/chart" xmlns:a="http://schemas.openxmlformats.org/drawingml/2006/main" xmlns:r="http://schemas.openxmlformats.org/officeDocument/2006/relationships">
+  <c:date1904 val="0"/>
+  <c:lang val="fr-FR"/>
+  <c:roundedCorners val="0"/>
+  <mc:AlternateContent xmlns:mc="http://schemas.openxmlformats.org/markup-compatibility/2006">
+    <mc:Choice xmlns:c14="http://schemas.microsoft.com/office/drawing/2007/8/2/chart" Requires="c14">
+      <c14:style val="118"/>
+    </mc:Choice>
+    <mc:Fallback>
+      <c:style val="18"/>
+    </mc:Fallback>
+  </mc:AlternateContent>
+  <c:chart>
+    <c:title>
+      <c:tx>
+        <c:rich>
+          <a:bodyPr/>
+          <a:lstStyle/>
+          <a:p>
+            <a:pPr>
+              <a:defRPr/>
+            </a:pPr>
+            <a:r>
+              <a:rPr lang="fr-FR"/>
+              <a:t>Agent</a:t>
+            </a:r>
+            <a:r>
+              <a:rPr lang="fr-FR" baseline="0"/>
+              <a:t> </a:t>
+            </a:r>
+            <a:r>
+              <a:rPr lang="fr-FR"/>
+              <a:t>is</a:t>
+            </a:r>
+            <a:r>
+              <a:rPr lang="fr-FR" baseline="0"/>
+              <a:t> </a:t>
+            </a:r>
+            <a:r>
+              <a:rPr lang="fr-FR"/>
+              <a:t>flexible</a:t>
+            </a:r>
+          </a:p>
+        </c:rich>
+      </c:tx>
+      <c:layout>
+        <c:manualLayout>
+          <c:xMode val="edge"/>
+          <c:yMode val="edge"/>
+          <c:x val="0.32707633420822396"/>
+          <c:y val="3.4991734177491199E-2"/>
+        </c:manualLayout>
+      </c:layout>
+      <c:overlay val="0"/>
+      <c:spPr>
+        <a:ln>
+          <a:solidFill>
+            <a:schemeClr val="tx1"/>
+          </a:solidFill>
+        </a:ln>
+      </c:spPr>
+    </c:title>
+    <c:autoTitleDeleted val="0"/>
+    <c:plotArea>
+      <c:layout/>
+      <c:barChart>
+        <c:barDir val="col"/>
+        <c:grouping val="clustered"/>
+        <c:varyColors val="0"/>
+        <c:ser>
+          <c:idx val="0"/>
+          <c:order val="0"/>
+          <c:tx>
+            <c:v>Dominant</c:v>
+          </c:tx>
+          <c:invertIfNegative val="0"/>
+          <c:errBars>
+            <c:errBarType val="both"/>
+            <c:errValType val="cust"/>
+            <c:noEndCap val="0"/>
+            <c:plus>
+              <c:numRef>
+                <c:f>principe2!$C$19</c:f>
+                <c:numCache>
+                  <c:formatCode>General</c:formatCode>
+                  <c:ptCount val="1"/>
+                  <c:pt idx="0">
+                    <c:v>1.2692955176439846</c:v>
+                  </c:pt>
+                </c:numCache>
+              </c:numRef>
+            </c:plus>
+            <c:minus>
+              <c:numRef>
+                <c:f>principe2!$C$19</c:f>
+                <c:numCache>
+                  <c:formatCode>General</c:formatCode>
+                  <c:ptCount val="1"/>
+                  <c:pt idx="0">
+                    <c:v>1.2692955176439846</c:v>
+                  </c:pt>
+                </c:numCache>
+              </c:numRef>
+            </c:minus>
+          </c:errBars>
+          <c:val>
+            <c:numRef>
+              <c:f>principe2!$C$18</c:f>
+              <c:numCache>
+                <c:formatCode>0.000</c:formatCode>
+                <c:ptCount val="1"/>
+                <c:pt idx="0">
+                  <c:v>1.8888888888888888</c:v>
+                </c:pt>
+              </c:numCache>
+            </c:numRef>
+          </c:val>
+        </c:ser>
+        <c:ser>
+          <c:idx val="1"/>
+          <c:order val="1"/>
+          <c:tx>
+            <c:v>Peer</c:v>
+          </c:tx>
+          <c:invertIfNegative val="0"/>
+          <c:errBars>
+            <c:errBarType val="both"/>
+            <c:errValType val="cust"/>
+            <c:noEndCap val="0"/>
+            <c:plus>
+              <c:numRef>
+                <c:f>principe2!$I$19</c:f>
+                <c:numCache>
+                  <c:formatCode>General</c:formatCode>
+                  <c:ptCount val="1"/>
+                  <c:pt idx="0">
+                    <c:v>1.1507283885330304</c:v>
+                  </c:pt>
+                </c:numCache>
+              </c:numRef>
+            </c:plus>
+            <c:minus>
+              <c:numRef>
+                <c:f>principe2!$I$19</c:f>
+                <c:numCache>
+                  <c:formatCode>General</c:formatCode>
+                  <c:ptCount val="1"/>
+                  <c:pt idx="0">
+                    <c:v>1.1507283885330304</c:v>
+                  </c:pt>
+                </c:numCache>
+              </c:numRef>
+            </c:minus>
+          </c:errBars>
+          <c:val>
+            <c:numRef>
+              <c:f>principe2!$I$18</c:f>
+              <c:numCache>
+                <c:formatCode>0.000</c:formatCode>
+                <c:ptCount val="1"/>
+                <c:pt idx="0">
+                  <c:v>3.3571428571428572</c:v>
+                </c:pt>
+              </c:numCache>
+            </c:numRef>
+          </c:val>
+        </c:ser>
+        <c:ser>
+          <c:idx val="2"/>
+          <c:order val="2"/>
+          <c:tx>
+            <c:v>Submissive</c:v>
+          </c:tx>
+          <c:invertIfNegative val="0"/>
+          <c:errBars>
+            <c:errBarType val="both"/>
+            <c:errValType val="cust"/>
+            <c:noEndCap val="0"/>
+            <c:plus>
+              <c:numRef>
+                <c:f>principe2!$F$19</c:f>
+                <c:numCache>
+                  <c:formatCode>General</c:formatCode>
+                  <c:ptCount val="1"/>
+                  <c:pt idx="0">
+                    <c:v>1.0540925533894596</c:v>
+                  </c:pt>
+                </c:numCache>
+              </c:numRef>
+            </c:plus>
+            <c:minus>
+              <c:numRef>
+                <c:f>principe2!$F$19</c:f>
+                <c:numCache>
+                  <c:formatCode>General</c:formatCode>
+                  <c:ptCount val="1"/>
+                  <c:pt idx="0">
+                    <c:v>1.0540925533894596</c:v>
+                  </c:pt>
+                </c:numCache>
+              </c:numRef>
+            </c:minus>
+          </c:errBars>
+          <c:val>
+            <c:numRef>
+              <c:f>principe2!$F$18</c:f>
+              <c:numCache>
+                <c:formatCode>0.000</c:formatCode>
+                <c:ptCount val="1"/>
+                <c:pt idx="0">
+                  <c:v>3.8888888888888888</c:v>
+                </c:pt>
+              </c:numCache>
+            </c:numRef>
+          </c:val>
+        </c:ser>
+        <c:dLbls>
+          <c:showLegendKey val="0"/>
+          <c:showVal val="0"/>
+          <c:showCatName val="0"/>
+          <c:showSerName val="0"/>
+          <c:showPercent val="0"/>
+          <c:showBubbleSize val="0"/>
+        </c:dLbls>
+        <c:gapWidth val="150"/>
+        <c:axId val="551990272"/>
+        <c:axId val="554806656"/>
+      </c:barChart>
+      <c:catAx>
+        <c:axId val="551990272"/>
+        <c:scaling>
+          <c:orientation val="minMax"/>
+        </c:scaling>
+        <c:delete val="1"/>
+        <c:axPos val="b"/>
+        <c:majorTickMark val="out"/>
+        <c:minorTickMark val="none"/>
+        <c:tickLblPos val="nextTo"/>
+        <c:crossAx val="554806656"/>
+        <c:crosses val="autoZero"/>
+        <c:auto val="1"/>
+        <c:lblAlgn val="ctr"/>
+        <c:lblOffset val="100"/>
+        <c:noMultiLvlLbl val="0"/>
+      </c:catAx>
+      <c:valAx>
+        <c:axId val="554806656"/>
+        <c:scaling>
+          <c:orientation val="minMax"/>
+        </c:scaling>
+        <c:delete val="0"/>
+        <c:axPos val="l"/>
+        <c:majorGridlines>
+          <c:spPr>
+            <a:ln>
+              <a:noFill/>
+            </a:ln>
+          </c:spPr>
+        </c:majorGridlines>
+        <c:numFmt formatCode="0.000" sourceLinked="1"/>
+        <c:majorTickMark val="out"/>
+        <c:minorTickMark val="none"/>
+        <c:tickLblPos val="nextTo"/>
+        <c:crossAx val="551990272"/>
+        <c:crosses val="autoZero"/>
+        <c:crossBetween val="between"/>
+      </c:valAx>
+    </c:plotArea>
+    <c:legend>
+      <c:legendPos val="r"/>
+      <c:layout>
+        <c:manualLayout>
+          <c:xMode val="edge"/>
+          <c:yMode val="edge"/>
+          <c:x val="0.74172287839020123"/>
+          <c:y val="0.47911541823674347"/>
+          <c:w val="0.17216601049868765"/>
+          <c:h val="0.17070781804090096"/>
+        </c:manualLayout>
+      </c:layout>
+      <c:overlay val="0"/>
+    </c:legend>
+    <c:plotVisOnly val="1"/>
+    <c:dispBlanksAs val="gap"/>
+    <c:showDLblsOverMax val="0"/>
+  </c:chart>
+  <c:spPr>
+    <a:ln>
+      <a:solidFill>
+        <a:schemeClr val="tx1"/>
+      </a:solidFill>
+    </a:ln>
+  </c:spPr>
+  <c:externalData r:id="rId1">
+    <c:autoUpdate val="0"/>
+  </c:externalData>
+</c:chartSpace>
+</file>
+
+<file path=ppt/charts/chart5.xml><?xml version="1.0" encoding="utf-8"?>
+<c:chartSpace xmlns:c="http://schemas.openxmlformats.org/drawingml/2006/chart" xmlns:a="http://schemas.openxmlformats.org/drawingml/2006/main" xmlns:r="http://schemas.openxmlformats.org/officeDocument/2006/relationships">
+  <c:date1904 val="0"/>
+  <c:lang val="fr-FR"/>
+  <c:roundedCorners val="0"/>
+  <mc:AlternateContent xmlns:mc="http://schemas.openxmlformats.org/markup-compatibility/2006">
+    <mc:Choice xmlns:c14="http://schemas.microsoft.com/office/drawing/2007/8/2/chart" Requires="c14">
+      <c14:style val="118"/>
+    </mc:Choice>
+    <mc:Fallback>
+      <c:style val="18"/>
+    </mc:Fallback>
+  </mc:AlternateContent>
+  <c:chart>
+    <c:title>
+      <c:tx>
+        <c:rich>
+          <a:bodyPr/>
+          <a:lstStyle/>
+          <a:p>
+            <a:pPr>
+              <a:defRPr/>
+            </a:pPr>
+            <a:r>
+              <a:rPr lang="fr-FR"/>
+              <a:t>Agent leads the dialogue</a:t>
+            </a:r>
+          </a:p>
+        </c:rich>
+      </c:tx>
+      <c:layout/>
+      <c:overlay val="0"/>
+      <c:spPr>
+        <a:ln>
+          <a:solidFill>
+            <a:schemeClr val="tx1"/>
+          </a:solidFill>
+        </a:ln>
+      </c:spPr>
+    </c:title>
+    <c:autoTitleDeleted val="0"/>
+    <c:plotArea>
+      <c:layout>
+        <c:manualLayout>
+          <c:layoutTarget val="inner"/>
+          <c:xMode val="edge"/>
+          <c:yMode val="edge"/>
+          <c:x val="0.10708573928258967"/>
+          <c:y val="0.19889184558191353"/>
+          <c:w val="0.67352602799650041"/>
+          <c:h val="0.76553651364518871"/>
+        </c:manualLayout>
+      </c:layout>
+      <c:barChart>
+        <c:barDir val="col"/>
+        <c:grouping val="clustered"/>
+        <c:varyColors val="0"/>
+        <c:ser>
+          <c:idx val="0"/>
+          <c:order val="0"/>
+          <c:tx>
+            <c:v>Dominant</c:v>
+          </c:tx>
+          <c:invertIfNegative val="0"/>
+          <c:errBars>
+            <c:errBarType val="both"/>
+            <c:errValType val="cust"/>
+            <c:noEndCap val="0"/>
+            <c:plus>
+              <c:numRef>
+                <c:f>principe3!$B$19</c:f>
+                <c:numCache>
+                  <c:formatCode>General</c:formatCode>
+                  <c:ptCount val="1"/>
+                  <c:pt idx="0">
+                    <c:v>0.72648315725677948</c:v>
+                  </c:pt>
+                </c:numCache>
+              </c:numRef>
+            </c:plus>
+            <c:minus>
+              <c:numRef>
+                <c:f>principe3!$B$19</c:f>
+                <c:numCache>
+                  <c:formatCode>General</c:formatCode>
+                  <c:ptCount val="1"/>
+                  <c:pt idx="0">
+                    <c:v>0.72648315725677948</c:v>
+                  </c:pt>
+                </c:numCache>
+              </c:numRef>
+            </c:minus>
+          </c:errBars>
+          <c:val>
+            <c:numRef>
+              <c:f>principe3!$B$18</c:f>
+              <c:numCache>
+                <c:formatCode>0.000</c:formatCode>
+                <c:ptCount val="1"/>
+                <c:pt idx="0">
+                  <c:v>4.4444444444444446</c:v>
+                </c:pt>
+              </c:numCache>
+            </c:numRef>
+          </c:val>
+        </c:ser>
+        <c:ser>
+          <c:idx val="1"/>
+          <c:order val="1"/>
+          <c:tx>
+            <c:v>Peer</c:v>
+          </c:tx>
+          <c:invertIfNegative val="0"/>
+          <c:errBars>
+            <c:errBarType val="both"/>
+            <c:errValType val="cust"/>
+            <c:noEndCap val="0"/>
+            <c:plus>
+              <c:numRef>
+                <c:f>principe3!$H$19</c:f>
+                <c:numCache>
+                  <c:formatCode>General</c:formatCode>
+                  <c:ptCount val="1"/>
+                  <c:pt idx="0">
+                    <c:v>1.1578684470436784</c:v>
+                  </c:pt>
+                </c:numCache>
+              </c:numRef>
+            </c:plus>
+            <c:minus>
+              <c:numRef>
+                <c:f>principe3!$H$19</c:f>
+                <c:numCache>
+                  <c:formatCode>General</c:formatCode>
+                  <c:ptCount val="1"/>
+                  <c:pt idx="0">
+                    <c:v>1.1578684470436784</c:v>
+                  </c:pt>
+                </c:numCache>
+              </c:numRef>
+            </c:minus>
+          </c:errBars>
+          <c:val>
+            <c:numRef>
+              <c:f>principe3!$H$18</c:f>
+              <c:numCache>
+                <c:formatCode>0.000</c:formatCode>
+                <c:ptCount val="1"/>
+                <c:pt idx="0">
+                  <c:v>3.4285714285714284</c:v>
+                </c:pt>
+              </c:numCache>
+            </c:numRef>
+          </c:val>
+        </c:ser>
+        <c:ser>
+          <c:idx val="2"/>
+          <c:order val="2"/>
+          <c:tx>
+            <c:v>Submissive</c:v>
+          </c:tx>
+          <c:invertIfNegative val="0"/>
+          <c:errBars>
+            <c:errBarType val="both"/>
+            <c:errValType val="cust"/>
+            <c:noEndCap val="0"/>
+            <c:plus>
+              <c:numRef>
+                <c:f>principe3!$E$19</c:f>
+                <c:numCache>
+                  <c:formatCode>General</c:formatCode>
+                  <c:ptCount val="1"/>
+                  <c:pt idx="0">
+                    <c:v>0.66666666666666685</c:v>
+                  </c:pt>
+                </c:numCache>
+              </c:numRef>
+            </c:plus>
+            <c:minus>
+              <c:numRef>
+                <c:f>principe3!$E$19</c:f>
+                <c:numCache>
+                  <c:formatCode>General</c:formatCode>
+                  <c:ptCount val="1"/>
+                  <c:pt idx="0">
+                    <c:v>0.66666666666666685</c:v>
+                  </c:pt>
+                </c:numCache>
+              </c:numRef>
+            </c:minus>
+          </c:errBars>
+          <c:val>
+            <c:numRef>
+              <c:f>principe3!$E$18</c:f>
+              <c:numCache>
+                <c:formatCode>0.000</c:formatCode>
+                <c:ptCount val="1"/>
+                <c:pt idx="0">
+                  <c:v>1.7777777777777777</c:v>
+                </c:pt>
+              </c:numCache>
+            </c:numRef>
+          </c:val>
+        </c:ser>
+        <c:dLbls>
+          <c:showLegendKey val="0"/>
+          <c:showVal val="0"/>
+          <c:showCatName val="0"/>
+          <c:showSerName val="0"/>
+          <c:showPercent val="0"/>
+          <c:showBubbleSize val="0"/>
+        </c:dLbls>
+        <c:gapWidth val="150"/>
+        <c:axId val="600019968"/>
+        <c:axId val="554786112"/>
+      </c:barChart>
+      <c:catAx>
+        <c:axId val="600019968"/>
+        <c:scaling>
+          <c:orientation val="minMax"/>
+        </c:scaling>
+        <c:delete val="1"/>
+        <c:axPos val="b"/>
+        <c:majorTickMark val="out"/>
+        <c:minorTickMark val="none"/>
+        <c:tickLblPos val="nextTo"/>
+        <c:crossAx val="554786112"/>
+        <c:crosses val="autoZero"/>
+        <c:auto val="1"/>
+        <c:lblAlgn val="ctr"/>
+        <c:lblOffset val="100"/>
+        <c:noMultiLvlLbl val="0"/>
+      </c:catAx>
+      <c:valAx>
+        <c:axId val="554786112"/>
+        <c:scaling>
+          <c:orientation val="minMax"/>
+        </c:scaling>
+        <c:delete val="0"/>
+        <c:axPos val="l"/>
+        <c:majorGridlines>
+          <c:spPr>
+            <a:ln>
+              <a:noFill/>
+            </a:ln>
+          </c:spPr>
+        </c:majorGridlines>
+        <c:numFmt formatCode="0.000" sourceLinked="1"/>
+        <c:majorTickMark val="out"/>
+        <c:minorTickMark val="none"/>
+        <c:tickLblPos val="nextTo"/>
+        <c:crossAx val="600019968"/>
+        <c:crosses val="autoZero"/>
+        <c:crossBetween val="between"/>
+      </c:valAx>
+    </c:plotArea>
+    <c:legend>
+      <c:legendPos val="r"/>
+      <c:layout/>
+      <c:overlay val="0"/>
+    </c:legend>
+    <c:plotVisOnly val="1"/>
+    <c:dispBlanksAs val="gap"/>
+    <c:showDLblsOverMax val="0"/>
+  </c:chart>
+  <c:spPr>
+    <a:noFill/>
+    <a:ln>
+      <a:solidFill>
+        <a:schemeClr val="tx1"/>
+      </a:solidFill>
+    </a:ln>
+  </c:spPr>
+  <c:externalData r:id="rId1">
+    <c:autoUpdate val="0"/>
+  </c:externalData>
+</c:chartSpace>
+</file>
+
+<file path=ppt/charts/chart6.xml><?xml version="1.0" encoding="utf-8"?>
+<c:chartSpace xmlns:c="http://schemas.openxmlformats.org/drawingml/2006/chart" xmlns:a="http://schemas.openxmlformats.org/drawingml/2006/main" xmlns:r="http://schemas.openxmlformats.org/officeDocument/2006/relationships">
+  <c:date1904 val="0"/>
+  <c:lang val="fr-FR"/>
+  <c:roundedCorners val="0"/>
+  <mc:AlternateContent xmlns:mc="http://schemas.openxmlformats.org/markup-compatibility/2006">
+    <mc:Choice xmlns:c14="http://schemas.microsoft.com/office/drawing/2007/8/2/chart" Requires="c14">
+      <c14:style val="118"/>
+    </mc:Choice>
+    <mc:Fallback>
+      <c:style val="18"/>
+    </mc:Fallback>
+  </mc:AlternateContent>
+  <c:chart>
+    <c:title>
+      <c:tx>
+        <c:rich>
+          <a:bodyPr/>
+          <a:lstStyle/>
+          <a:p>
+            <a:pPr>
+              <a:defRPr/>
+            </a:pPr>
+            <a:r>
+              <a:rPr lang="fr-FR"/>
+              <a:t>Agent is being leaded in the dialogue</a:t>
+            </a:r>
+          </a:p>
+        </c:rich>
+      </c:tx>
+      <c:layout/>
+      <c:overlay val="0"/>
+      <c:spPr>
+        <a:ln>
+          <a:solidFill>
+            <a:schemeClr val="tx1"/>
+          </a:solidFill>
+        </a:ln>
+      </c:spPr>
+    </c:title>
+    <c:autoTitleDeleted val="0"/>
+    <c:plotArea>
+      <c:layout>
+        <c:manualLayout>
+          <c:layoutTarget val="inner"/>
+          <c:xMode val="edge"/>
+          <c:yMode val="edge"/>
+          <c:x val="0.10708573928258967"/>
+          <c:y val="0.31223953214969463"/>
+          <c:w val="0.67352602799650041"/>
+          <c:h val="0.65568493262868244"/>
+        </c:manualLayout>
+      </c:layout>
+      <c:barChart>
+        <c:barDir val="col"/>
+        <c:grouping val="clustered"/>
+        <c:varyColors val="0"/>
+        <c:ser>
+          <c:idx val="0"/>
+          <c:order val="0"/>
+          <c:tx>
+            <c:v>Dominant</c:v>
+          </c:tx>
+          <c:invertIfNegative val="0"/>
+          <c:errBars>
+            <c:errBarType val="both"/>
+            <c:errValType val="cust"/>
+            <c:noEndCap val="0"/>
+            <c:plus>
+              <c:numRef>
+                <c:f>principe3!$C$19</c:f>
+                <c:numCache>
+                  <c:formatCode>General</c:formatCode>
+                  <c:ptCount val="1"/>
+                  <c:pt idx="0">
+                    <c:v>0.66666666666666685</c:v>
+                  </c:pt>
+                </c:numCache>
+              </c:numRef>
+            </c:plus>
+            <c:minus>
+              <c:numRef>
+                <c:f>principe3!$C$19</c:f>
+                <c:numCache>
+                  <c:formatCode>General</c:formatCode>
+                  <c:ptCount val="1"/>
+                  <c:pt idx="0">
+                    <c:v>0.66666666666666685</c:v>
+                  </c:pt>
+                </c:numCache>
+              </c:numRef>
+            </c:minus>
+          </c:errBars>
+          <c:val>
+            <c:numRef>
+              <c:f>principe3!$C$18</c:f>
+              <c:numCache>
+                <c:formatCode>0.000</c:formatCode>
+                <c:ptCount val="1"/>
+                <c:pt idx="0">
+                  <c:v>1.7777777777777777</c:v>
+                </c:pt>
+              </c:numCache>
+            </c:numRef>
+          </c:val>
+        </c:ser>
+        <c:ser>
+          <c:idx val="1"/>
+          <c:order val="1"/>
+          <c:tx>
+            <c:v>Peer</c:v>
+          </c:tx>
+          <c:invertIfNegative val="0"/>
+          <c:errBars>
+            <c:errBarType val="both"/>
+            <c:errValType val="cust"/>
+            <c:noEndCap val="0"/>
+            <c:plus>
+              <c:numRef>
+                <c:f>principe3!$I$19</c:f>
+                <c:numCache>
+                  <c:formatCode>General</c:formatCode>
+                  <c:ptCount val="1"/>
+                  <c:pt idx="0">
+                    <c:v>1.3259870882635918</c:v>
+                  </c:pt>
+                </c:numCache>
+              </c:numRef>
+            </c:plus>
+            <c:minus>
+              <c:numRef>
+                <c:f>principe3!$I$19</c:f>
+                <c:numCache>
+                  <c:formatCode>General</c:formatCode>
+                  <c:ptCount val="1"/>
+                  <c:pt idx="0">
+                    <c:v>1.3259870882635918</c:v>
+                  </c:pt>
+                </c:numCache>
+              </c:numRef>
+            </c:minus>
+          </c:errBars>
+          <c:val>
+            <c:numRef>
+              <c:f>principe3!$I$18</c:f>
+              <c:numCache>
+                <c:formatCode>0.000</c:formatCode>
+                <c:ptCount val="1"/>
+                <c:pt idx="0">
+                  <c:v>3.2857142857142856</c:v>
+                </c:pt>
+              </c:numCache>
+            </c:numRef>
+          </c:val>
+        </c:ser>
+        <c:ser>
+          <c:idx val="2"/>
+          <c:order val="2"/>
+          <c:tx>
+            <c:v>Submissive</c:v>
+          </c:tx>
+          <c:invertIfNegative val="0"/>
+          <c:errBars>
+            <c:errBarType val="both"/>
+            <c:errValType val="cust"/>
+            <c:noEndCap val="0"/>
+            <c:plus>
+              <c:numRef>
+                <c:f>principe3!$F$19</c:f>
+                <c:numCache>
+                  <c:formatCode>General</c:formatCode>
+                  <c:ptCount val="1"/>
+                  <c:pt idx="0">
+                    <c:v>0.8660254037844386</c:v>
+                  </c:pt>
+                </c:numCache>
+              </c:numRef>
+            </c:plus>
+            <c:minus>
+              <c:numRef>
+                <c:f>principe3!$F$19</c:f>
+                <c:numCache>
+                  <c:formatCode>General</c:formatCode>
+                  <c:ptCount val="1"/>
+                  <c:pt idx="0">
+                    <c:v>0.8660254037844386</c:v>
+                  </c:pt>
+                </c:numCache>
+              </c:numRef>
+            </c:minus>
+          </c:errBars>
+          <c:val>
+            <c:numRef>
+              <c:f>principe3!$F$18</c:f>
+              <c:numCache>
+                <c:formatCode>0.000</c:formatCode>
+                <c:ptCount val="1"/>
+                <c:pt idx="0">
+                  <c:v>4</c:v>
+                </c:pt>
+              </c:numCache>
+            </c:numRef>
+          </c:val>
+        </c:ser>
+        <c:dLbls>
+          <c:showLegendKey val="0"/>
+          <c:showVal val="0"/>
+          <c:showCatName val="0"/>
+          <c:showSerName val="0"/>
+          <c:showPercent val="0"/>
+          <c:showBubbleSize val="0"/>
+        </c:dLbls>
+        <c:gapWidth val="150"/>
+        <c:axId val="551588352"/>
+        <c:axId val="556503552"/>
+      </c:barChart>
+      <c:catAx>
+        <c:axId val="551588352"/>
+        <c:scaling>
+          <c:orientation val="minMax"/>
+        </c:scaling>
+        <c:delete val="1"/>
+        <c:axPos val="b"/>
+        <c:majorTickMark val="out"/>
+        <c:minorTickMark val="none"/>
+        <c:tickLblPos val="nextTo"/>
+        <c:crossAx val="556503552"/>
+        <c:crosses val="autoZero"/>
+        <c:auto val="1"/>
+        <c:lblAlgn val="ctr"/>
+        <c:lblOffset val="100"/>
+        <c:noMultiLvlLbl val="0"/>
+      </c:catAx>
+      <c:valAx>
+        <c:axId val="556503552"/>
+        <c:scaling>
+          <c:orientation val="minMax"/>
+        </c:scaling>
+        <c:delete val="0"/>
+        <c:axPos val="l"/>
+        <c:numFmt formatCode="0.000" sourceLinked="1"/>
+        <c:majorTickMark val="out"/>
+        <c:minorTickMark val="none"/>
+        <c:tickLblPos val="nextTo"/>
+        <c:crossAx val="551588352"/>
+        <c:crosses val="autoZero"/>
+        <c:crossBetween val="between"/>
+      </c:valAx>
+    </c:plotArea>
+    <c:legend>
+      <c:legendPos val="r"/>
+      <c:layout>
+        <c:manualLayout>
+          <c:xMode val="edge"/>
+          <c:yMode val="edge"/>
+          <c:x val="0.75838954505686784"/>
+          <c:y val="0.60505430470325317"/>
+          <c:w val="0.17216601049868765"/>
+          <c:h val="0.15672634906422658"/>
         </c:manualLayout>
       </c:layout>
       <c:overlay val="0"/>
@@ -5125,6 +5987,540 @@
           <a:chExt cx="0" cy="0"/>
         </a:xfrm>
       </p:grpSpPr>
+      <p:grpSp>
+        <p:nvGrpSpPr>
+          <p:cNvPr id="27" name="Groupe 26"/>
+          <p:cNvGrpSpPr/>
+          <p:nvPr/>
+        </p:nvGrpSpPr>
+        <p:grpSpPr>
+          <a:xfrm>
+            <a:off x="2267744" y="2060848"/>
+            <a:ext cx="4392488" cy="3456384"/>
+            <a:chOff x="2267744" y="2060848"/>
+            <a:chExt cx="4392488" cy="3456384"/>
+          </a:xfrm>
+        </p:grpSpPr>
+        <p:graphicFrame>
+          <p:nvGraphicFramePr>
+            <p:cNvPr id="4" name="Graphique 3"/>
+            <p:cNvGraphicFramePr>
+              <a:graphicFrameLocks/>
+            </p:cNvGraphicFramePr>
+            <p:nvPr>
+              <p:extLst>
+                <p:ext uri="{D42A27DB-BD31-4B8C-83A1-F6EECF244321}">
+                  <p14:modId xmlns:p14="http://schemas.microsoft.com/office/powerpoint/2010/main" val="786090963"/>
+                </p:ext>
+              </p:extLst>
+            </p:nvPr>
+          </p:nvGraphicFramePr>
+          <p:xfrm>
+            <a:off x="2267744" y="2060848"/>
+            <a:ext cx="4392488" cy="3456384"/>
+          </p:xfrm>
+          <a:graphic>
+            <a:graphicData uri="http://schemas.openxmlformats.org/drawingml/2006/chart">
+              <c:chart xmlns:c="http://schemas.openxmlformats.org/drawingml/2006/chart" xmlns:r="http://schemas.openxmlformats.org/officeDocument/2006/relationships" r:id="rId2"/>
+            </a:graphicData>
+          </a:graphic>
+        </p:graphicFrame>
+        <p:grpSp>
+          <p:nvGrpSpPr>
+            <p:cNvPr id="5" name="Groupe 4"/>
+            <p:cNvGrpSpPr/>
+            <p:nvPr/>
+          </p:nvGrpSpPr>
+          <p:grpSpPr>
+            <a:xfrm>
+              <a:off x="3347864" y="2769895"/>
+              <a:ext cx="1800200" cy="612068"/>
+              <a:chOff x="3491880" y="3140968"/>
+              <a:chExt cx="1800200" cy="612068"/>
+            </a:xfrm>
+          </p:grpSpPr>
+          <p:grpSp>
+            <p:nvGrpSpPr>
+              <p:cNvPr id="6" name="Groupe 5"/>
+              <p:cNvGrpSpPr/>
+              <p:nvPr/>
+            </p:nvGrpSpPr>
+            <p:grpSpPr>
+              <a:xfrm>
+                <a:off x="3491880" y="3501008"/>
+                <a:ext cx="864096" cy="252028"/>
+                <a:chOff x="1259632" y="1124744"/>
+                <a:chExt cx="864096" cy="252028"/>
+              </a:xfrm>
+            </p:grpSpPr>
+            <p:cxnSp>
+              <p:nvCxnSpPr>
+                <p:cNvPr id="15" name="Connecteur droit 14"/>
+                <p:cNvCxnSpPr/>
+                <p:nvPr/>
+              </p:nvCxnSpPr>
+              <p:spPr>
+                <a:xfrm flipV="1">
+                  <a:off x="1259632" y="1124744"/>
+                  <a:ext cx="0" cy="126014"/>
+                </a:xfrm>
+                <a:prstGeom prst="line">
+                  <a:avLst/>
+                </a:prstGeom>
+                <a:ln w="12700">
+                  <a:solidFill>
+                    <a:schemeClr val="tx1"/>
+                  </a:solidFill>
+                </a:ln>
+              </p:spPr>
+              <p:style>
+                <a:lnRef idx="1">
+                  <a:schemeClr val="accent1"/>
+                </a:lnRef>
+                <a:fillRef idx="0">
+                  <a:schemeClr val="accent1"/>
+                </a:fillRef>
+                <a:effectRef idx="0">
+                  <a:schemeClr val="accent1"/>
+                </a:effectRef>
+                <a:fontRef idx="minor">
+                  <a:schemeClr val="tx1"/>
+                </a:fontRef>
+              </p:style>
+            </p:cxnSp>
+            <p:cxnSp>
+              <p:nvCxnSpPr>
+                <p:cNvPr id="16" name="Connecteur droit 15"/>
+                <p:cNvCxnSpPr/>
+                <p:nvPr/>
+              </p:nvCxnSpPr>
+              <p:spPr>
+                <a:xfrm flipV="1">
+                  <a:off x="2123728" y="1124744"/>
+                  <a:ext cx="0" cy="252028"/>
+                </a:xfrm>
+                <a:prstGeom prst="line">
+                  <a:avLst/>
+                </a:prstGeom>
+                <a:ln w="12700">
+                  <a:solidFill>
+                    <a:schemeClr val="tx1"/>
+                  </a:solidFill>
+                </a:ln>
+              </p:spPr>
+              <p:style>
+                <a:lnRef idx="1">
+                  <a:schemeClr val="accent1"/>
+                </a:lnRef>
+                <a:fillRef idx="0">
+                  <a:schemeClr val="accent1"/>
+                </a:fillRef>
+                <a:effectRef idx="0">
+                  <a:schemeClr val="accent1"/>
+                </a:effectRef>
+                <a:fontRef idx="minor">
+                  <a:schemeClr val="tx1"/>
+                </a:fontRef>
+              </p:style>
+            </p:cxnSp>
+            <p:cxnSp>
+              <p:nvCxnSpPr>
+                <p:cNvPr id="17" name="Connecteur droit 16"/>
+                <p:cNvCxnSpPr/>
+                <p:nvPr/>
+              </p:nvCxnSpPr>
+              <p:spPr>
+                <a:xfrm>
+                  <a:off x="1259632" y="1124744"/>
+                  <a:ext cx="864096" cy="0"/>
+                </a:xfrm>
+                <a:prstGeom prst="line">
+                  <a:avLst/>
+                </a:prstGeom>
+                <a:ln w="12700">
+                  <a:solidFill>
+                    <a:schemeClr val="tx1"/>
+                  </a:solidFill>
+                </a:ln>
+              </p:spPr>
+              <p:style>
+                <a:lnRef idx="1">
+                  <a:schemeClr val="accent1"/>
+                </a:lnRef>
+                <a:fillRef idx="0">
+                  <a:schemeClr val="accent1"/>
+                </a:fillRef>
+                <a:effectRef idx="0">
+                  <a:schemeClr val="accent1"/>
+                </a:effectRef>
+                <a:fontRef idx="minor">
+                  <a:schemeClr val="tx1"/>
+                </a:fontRef>
+              </p:style>
+            </p:cxnSp>
+          </p:grpSp>
+          <p:grpSp>
+            <p:nvGrpSpPr>
+              <p:cNvPr id="7" name="Groupe 6"/>
+              <p:cNvGrpSpPr/>
+              <p:nvPr/>
+            </p:nvGrpSpPr>
+            <p:grpSpPr>
+              <a:xfrm>
+                <a:off x="4427984" y="3501008"/>
+                <a:ext cx="864096" cy="252028"/>
+                <a:chOff x="1259632" y="1124744"/>
+                <a:chExt cx="864096" cy="252028"/>
+              </a:xfrm>
+            </p:grpSpPr>
+            <p:cxnSp>
+              <p:nvCxnSpPr>
+                <p:cNvPr id="12" name="Connecteur droit 11"/>
+                <p:cNvCxnSpPr/>
+                <p:nvPr/>
+              </p:nvCxnSpPr>
+              <p:spPr>
+                <a:xfrm flipV="1">
+                  <a:off x="1259632" y="1124744"/>
+                  <a:ext cx="0" cy="252028"/>
+                </a:xfrm>
+                <a:prstGeom prst="line">
+                  <a:avLst/>
+                </a:prstGeom>
+                <a:ln w="12700">
+                  <a:solidFill>
+                    <a:schemeClr val="tx1"/>
+                  </a:solidFill>
+                </a:ln>
+              </p:spPr>
+              <p:style>
+                <a:lnRef idx="1">
+                  <a:schemeClr val="accent1"/>
+                </a:lnRef>
+                <a:fillRef idx="0">
+                  <a:schemeClr val="accent1"/>
+                </a:fillRef>
+                <a:effectRef idx="0">
+                  <a:schemeClr val="accent1"/>
+                </a:effectRef>
+                <a:fontRef idx="minor">
+                  <a:schemeClr val="tx1"/>
+                </a:fontRef>
+              </p:style>
+            </p:cxnSp>
+            <p:cxnSp>
+              <p:nvCxnSpPr>
+                <p:cNvPr id="13" name="Connecteur droit 12"/>
+                <p:cNvCxnSpPr/>
+                <p:nvPr/>
+              </p:nvCxnSpPr>
+              <p:spPr>
+                <a:xfrm flipV="1">
+                  <a:off x="2123728" y="1124744"/>
+                  <a:ext cx="0" cy="252028"/>
+                </a:xfrm>
+                <a:prstGeom prst="line">
+                  <a:avLst/>
+                </a:prstGeom>
+                <a:ln w="12700">
+                  <a:solidFill>
+                    <a:schemeClr val="tx1"/>
+                  </a:solidFill>
+                </a:ln>
+              </p:spPr>
+              <p:style>
+                <a:lnRef idx="1">
+                  <a:schemeClr val="accent1"/>
+                </a:lnRef>
+                <a:fillRef idx="0">
+                  <a:schemeClr val="accent1"/>
+                </a:fillRef>
+                <a:effectRef idx="0">
+                  <a:schemeClr val="accent1"/>
+                </a:effectRef>
+                <a:fontRef idx="minor">
+                  <a:schemeClr val="tx1"/>
+                </a:fontRef>
+              </p:style>
+            </p:cxnSp>
+            <p:cxnSp>
+              <p:nvCxnSpPr>
+                <p:cNvPr id="14" name="Connecteur droit 13"/>
+                <p:cNvCxnSpPr/>
+                <p:nvPr/>
+              </p:nvCxnSpPr>
+              <p:spPr>
+                <a:xfrm>
+                  <a:off x="1259632" y="1124744"/>
+                  <a:ext cx="864096" cy="0"/>
+                </a:xfrm>
+                <a:prstGeom prst="line">
+                  <a:avLst/>
+                </a:prstGeom>
+                <a:ln w="12700">
+                  <a:solidFill>
+                    <a:schemeClr val="tx1"/>
+                  </a:solidFill>
+                </a:ln>
+              </p:spPr>
+              <p:style>
+                <a:lnRef idx="1">
+                  <a:schemeClr val="accent1"/>
+                </a:lnRef>
+                <a:fillRef idx="0">
+                  <a:schemeClr val="accent1"/>
+                </a:fillRef>
+                <a:effectRef idx="0">
+                  <a:schemeClr val="accent1"/>
+                </a:effectRef>
+                <a:fontRef idx="minor">
+                  <a:schemeClr val="tx1"/>
+                </a:fontRef>
+              </p:style>
+            </p:cxnSp>
+          </p:grpSp>
+          <p:grpSp>
+            <p:nvGrpSpPr>
+              <p:cNvPr id="8" name="Groupe 7"/>
+              <p:cNvGrpSpPr/>
+              <p:nvPr/>
+            </p:nvGrpSpPr>
+            <p:grpSpPr>
+              <a:xfrm>
+                <a:off x="3599892" y="3140968"/>
+                <a:ext cx="1656184" cy="108012"/>
+                <a:chOff x="1259632" y="1124744"/>
+                <a:chExt cx="1656184" cy="108012"/>
+              </a:xfrm>
+            </p:grpSpPr>
+            <p:cxnSp>
+              <p:nvCxnSpPr>
+                <p:cNvPr id="9" name="Connecteur droit 8"/>
+                <p:cNvCxnSpPr/>
+                <p:nvPr/>
+              </p:nvCxnSpPr>
+              <p:spPr>
+                <a:xfrm flipV="1">
+                  <a:off x="1259632" y="1124744"/>
+                  <a:ext cx="0" cy="108012"/>
+                </a:xfrm>
+                <a:prstGeom prst="line">
+                  <a:avLst/>
+                </a:prstGeom>
+                <a:ln w="12700">
+                  <a:solidFill>
+                    <a:schemeClr val="tx1"/>
+                  </a:solidFill>
+                </a:ln>
+              </p:spPr>
+              <p:style>
+                <a:lnRef idx="1">
+                  <a:schemeClr val="accent1"/>
+                </a:lnRef>
+                <a:fillRef idx="0">
+                  <a:schemeClr val="accent1"/>
+                </a:fillRef>
+                <a:effectRef idx="0">
+                  <a:schemeClr val="accent1"/>
+                </a:effectRef>
+                <a:fontRef idx="minor">
+                  <a:schemeClr val="tx1"/>
+                </a:fontRef>
+              </p:style>
+            </p:cxnSp>
+            <p:cxnSp>
+              <p:nvCxnSpPr>
+                <p:cNvPr id="10" name="Connecteur droit 9"/>
+                <p:cNvCxnSpPr/>
+                <p:nvPr/>
+              </p:nvCxnSpPr>
+              <p:spPr>
+                <a:xfrm flipV="1">
+                  <a:off x="2915816" y="1124744"/>
+                  <a:ext cx="0" cy="108012"/>
+                </a:xfrm>
+                <a:prstGeom prst="line">
+                  <a:avLst/>
+                </a:prstGeom>
+                <a:ln w="12700">
+                  <a:solidFill>
+                    <a:schemeClr val="tx1"/>
+                  </a:solidFill>
+                </a:ln>
+              </p:spPr>
+              <p:style>
+                <a:lnRef idx="1">
+                  <a:schemeClr val="accent1"/>
+                </a:lnRef>
+                <a:fillRef idx="0">
+                  <a:schemeClr val="accent1"/>
+                </a:fillRef>
+                <a:effectRef idx="0">
+                  <a:schemeClr val="accent1"/>
+                </a:effectRef>
+                <a:fontRef idx="minor">
+                  <a:schemeClr val="tx1"/>
+                </a:fontRef>
+              </p:style>
+            </p:cxnSp>
+            <p:cxnSp>
+              <p:nvCxnSpPr>
+                <p:cNvPr id="11" name="Connecteur droit 10"/>
+                <p:cNvCxnSpPr/>
+                <p:nvPr/>
+              </p:nvCxnSpPr>
+              <p:spPr>
+                <a:xfrm>
+                  <a:off x="1259632" y="1124744"/>
+                  <a:ext cx="1656184" cy="0"/>
+                </a:xfrm>
+                <a:prstGeom prst="line">
+                  <a:avLst/>
+                </a:prstGeom>
+                <a:ln w="12700">
+                  <a:solidFill>
+                    <a:schemeClr val="tx1"/>
+                  </a:solidFill>
+                </a:ln>
+              </p:spPr>
+              <p:style>
+                <a:lnRef idx="1">
+                  <a:schemeClr val="accent1"/>
+                </a:lnRef>
+                <a:fillRef idx="0">
+                  <a:schemeClr val="accent1"/>
+                </a:fillRef>
+                <a:effectRef idx="0">
+                  <a:schemeClr val="accent1"/>
+                </a:effectRef>
+                <a:fontRef idx="minor">
+                  <a:schemeClr val="tx1"/>
+                </a:fontRef>
+              </p:style>
+            </p:cxnSp>
+          </p:grpSp>
+        </p:grpSp>
+        <p:sp>
+          <p:nvSpPr>
+            <p:cNvPr id="24" name="ZoneTexte 23"/>
+            <p:cNvSpPr txBox="1"/>
+            <p:nvPr/>
+          </p:nvSpPr>
+          <p:spPr>
+            <a:xfrm>
+              <a:off x="4375081" y="2924944"/>
+              <a:ext cx="615874" cy="276999"/>
+            </a:xfrm>
+            <a:prstGeom prst="rect">
+              <a:avLst/>
+            </a:prstGeom>
+            <a:noFill/>
+          </p:spPr>
+          <p:txBody>
+            <a:bodyPr wrap="none" rtlCol="0">
+              <a:spAutoFit/>
+            </a:bodyPr>
+            <a:lstStyle/>
+            <a:p>
+              <a:r>
+                <a:rPr lang="fr-FR" sz="1200" dirty="0" smtClean="0"/>
+                <a:t>P&gt;0,05</a:t>
+              </a:r>
+              <a:endParaRPr lang="fr-FR" sz="1600" dirty="0"/>
+            </a:p>
+          </p:txBody>
+        </p:sp>
+        <p:sp>
+          <p:nvSpPr>
+            <p:cNvPr id="25" name="ZoneTexte 24"/>
+            <p:cNvSpPr txBox="1"/>
+            <p:nvPr/>
+          </p:nvSpPr>
+          <p:spPr>
+            <a:xfrm>
+              <a:off x="3471975" y="2924943"/>
+              <a:ext cx="615874" cy="276999"/>
+            </a:xfrm>
+            <a:prstGeom prst="rect">
+              <a:avLst/>
+            </a:prstGeom>
+            <a:noFill/>
+          </p:spPr>
+          <p:txBody>
+            <a:bodyPr wrap="none" rtlCol="0">
+              <a:spAutoFit/>
+            </a:bodyPr>
+            <a:lstStyle/>
+            <a:p>
+              <a:r>
+                <a:rPr lang="fr-FR" sz="1200" dirty="0" smtClean="0"/>
+                <a:t>P&gt;0,05</a:t>
+              </a:r>
+              <a:endParaRPr lang="fr-FR" sz="1600" dirty="0"/>
+            </a:p>
+          </p:txBody>
+        </p:sp>
+        <p:sp>
+          <p:nvSpPr>
+            <p:cNvPr id="26" name="ZoneTexte 25"/>
+            <p:cNvSpPr txBox="1"/>
+            <p:nvPr/>
+          </p:nvSpPr>
+          <p:spPr>
+            <a:xfrm>
+              <a:off x="3986329" y="2564904"/>
+              <a:ext cx="615874" cy="276999"/>
+            </a:xfrm>
+            <a:prstGeom prst="rect">
+              <a:avLst/>
+            </a:prstGeom>
+            <a:noFill/>
+          </p:spPr>
+          <p:txBody>
+            <a:bodyPr wrap="none" rtlCol="0">
+              <a:spAutoFit/>
+            </a:bodyPr>
+            <a:lstStyle/>
+            <a:p>
+              <a:r>
+                <a:rPr lang="fr-FR" sz="1200" dirty="0" smtClean="0"/>
+                <a:t>P&gt;0,05</a:t>
+              </a:r>
+              <a:endParaRPr lang="fr-FR" sz="1600" dirty="0"/>
+            </a:p>
+          </p:txBody>
+        </p:sp>
+      </p:grpSp>
+    </p:spTree>
+    <p:extLst>
+      <p:ext uri="{BB962C8B-B14F-4D97-AF65-F5344CB8AC3E}">
+        <p14:creationId xmlns:p14="http://schemas.microsoft.com/office/powerpoint/2010/main" val="2213432507"/>
+      </p:ext>
+    </p:extLst>
+  </p:cSld>
+  <p:clrMapOvr>
+    <a:masterClrMapping/>
+  </p:clrMapOvr>
+</p:sld>
+</file>
+
+<file path=ppt/slides/slide4.xml><?xml version="1.0" encoding="utf-8"?>
+<p:sld xmlns:a="http://schemas.openxmlformats.org/drawingml/2006/main" xmlns:r="http://schemas.openxmlformats.org/officeDocument/2006/relationships" xmlns:p="http://schemas.openxmlformats.org/presentationml/2006/main">
+  <p:cSld>
+    <p:spTree>
+      <p:nvGrpSpPr>
+        <p:cNvPr id="1" name=""/>
+        <p:cNvGrpSpPr/>
+        <p:nvPr/>
+      </p:nvGrpSpPr>
+      <p:grpSpPr>
+        <a:xfrm>
+          <a:off x="0" y="0"/>
+          <a:ext cx="0" cy="0"/>
+          <a:chOff x="0" y="0"/>
+          <a:chExt cx="0" cy="0"/>
+        </a:xfrm>
+      </p:grpSpPr>
       <p:graphicFrame>
         <p:nvGraphicFramePr>
           <p:cNvPr id="4" name="Graphique 3"/>
@@ -5134,14 +6530,14 @@
           <p:nvPr>
             <p:extLst>
               <p:ext uri="{D42A27DB-BD31-4B8C-83A1-F6EECF244321}">
-                <p14:modId xmlns:p14="http://schemas.microsoft.com/office/powerpoint/2010/main" val="2553849725"/>
+                <p14:modId xmlns:p14="http://schemas.microsoft.com/office/powerpoint/2010/main" val="3889531518"/>
               </p:ext>
             </p:extLst>
           </p:nvPr>
         </p:nvGraphicFramePr>
         <p:xfrm>
-          <a:off x="2267744" y="2060848"/>
-          <a:ext cx="4392488" cy="3456384"/>
+          <a:off x="2267744" y="1988840"/>
+          <a:ext cx="4392488" cy="4320480"/>
         </p:xfrm>
         <a:graphic>
           <a:graphicData uri="http://schemas.openxmlformats.org/drawingml/2006/chart">
@@ -5157,10 +6553,10 @@
         </p:nvGrpSpPr>
         <p:grpSpPr>
           <a:xfrm>
-            <a:off x="3347864" y="2769895"/>
-            <a:ext cx="1800200" cy="612068"/>
+            <a:off x="3275856" y="2708920"/>
+            <a:ext cx="1800200" cy="1440160"/>
             <a:chOff x="3491880" y="3140968"/>
-            <a:chExt cx="1800200" cy="612068"/>
+            <a:chExt cx="1800200" cy="1440160"/>
           </a:xfrm>
         </p:grpSpPr>
         <p:grpSp>
@@ -5172,9 +6568,9 @@
           <p:grpSpPr>
             <a:xfrm>
               <a:off x="3491880" y="3501008"/>
-              <a:ext cx="864096" cy="252028"/>
+              <a:ext cx="864096" cy="1080120"/>
               <a:chOff x="1259632" y="1124744"/>
-              <a:chExt cx="864096" cy="252028"/>
+              <a:chExt cx="864096" cy="1080120"/>
             </a:xfrm>
           </p:grpSpPr>
           <p:cxnSp>
@@ -5186,7 +6582,7 @@
             <p:spPr>
               <a:xfrm flipV="1">
                 <a:off x="1259632" y="1124744"/>
-                <a:ext cx="0" cy="126014"/>
+                <a:ext cx="0" cy="1080120"/>
               </a:xfrm>
               <a:prstGeom prst="line">
                 <a:avLst/>
@@ -5221,7 +6617,7 @@
             <p:spPr>
               <a:xfrm flipV="1">
                 <a:off x="2123728" y="1124744"/>
-                <a:ext cx="0" cy="252028"/>
+                <a:ext cx="0" cy="108012"/>
               </a:xfrm>
               <a:prstGeom prst="line">
                 <a:avLst/>
@@ -5306,7 +6702,7 @@
             <p:spPr>
               <a:xfrm flipV="1">
                 <a:off x="1259632" y="1124744"/>
-                <a:ext cx="0" cy="252028"/>
+                <a:ext cx="0" cy="108012"/>
               </a:xfrm>
               <a:prstGeom prst="line">
                 <a:avLst/>
@@ -5526,13 +6922,13 @@
       </p:grpSp>
       <p:sp>
         <p:nvSpPr>
-          <p:cNvPr id="24" name="ZoneTexte 23"/>
+          <p:cNvPr id="19" name="ZoneTexte 18"/>
           <p:cNvSpPr txBox="1"/>
           <p:nvPr/>
         </p:nvSpPr>
         <p:spPr>
           <a:xfrm>
-            <a:off x="4375081" y="2924944"/>
+            <a:off x="4375081" y="2852936"/>
             <a:ext cx="615874" cy="276999"/>
           </a:xfrm>
           <a:prstGeom prst="rect">
@@ -5556,13 +6952,13 @@
       </p:sp>
       <p:sp>
         <p:nvSpPr>
-          <p:cNvPr id="25" name="ZoneTexte 24"/>
+          <p:cNvPr id="20" name="ZoneTexte 19"/>
           <p:cNvSpPr txBox="1"/>
           <p:nvPr/>
         </p:nvSpPr>
         <p:spPr>
           <a:xfrm>
-            <a:off x="3471975" y="2924943"/>
+            <a:off x="3471975" y="2852935"/>
             <a:ext cx="615874" cy="276999"/>
           </a:xfrm>
           <a:prstGeom prst="rect">
@@ -5578,7 +6974,7 @@
           <a:p>
             <a:r>
               <a:rPr lang="fr-FR" sz="1200" dirty="0" smtClean="0"/>
-              <a:t>P&gt;0,05</a:t>
+              <a:t>P=0,01</a:t>
             </a:r>
             <a:endParaRPr lang="fr-FR" sz="1600" dirty="0"/>
           </a:p>
@@ -5586,13 +6982,13 @@
       </p:sp>
       <p:sp>
         <p:nvSpPr>
-          <p:cNvPr id="26" name="ZoneTexte 25"/>
+          <p:cNvPr id="21" name="ZoneTexte 20"/>
           <p:cNvSpPr txBox="1"/>
           <p:nvPr/>
         </p:nvSpPr>
         <p:spPr>
           <a:xfrm>
-            <a:off x="3986329" y="2564904"/>
+            <a:off x="3986329" y="2492896"/>
             <a:ext cx="615874" cy="276999"/>
           </a:xfrm>
           <a:prstGeom prst="rect">
@@ -5608,7 +7004,7 @@
           <a:p>
             <a:r>
               <a:rPr lang="fr-FR" sz="1200" dirty="0" smtClean="0"/>
-              <a:t>P&gt;0,05</a:t>
+              <a:t>P=0,01</a:t>
             </a:r>
             <a:endParaRPr lang="fr-FR" sz="1600" dirty="0"/>
           </a:p>
@@ -5617,7 +7013,7 @@
     </p:spTree>
     <p:extLst>
       <p:ext uri="{BB962C8B-B14F-4D97-AF65-F5344CB8AC3E}">
-        <p14:creationId xmlns:p14="http://schemas.microsoft.com/office/powerpoint/2010/main" val="2213432507"/>
+        <p14:creationId xmlns:p14="http://schemas.microsoft.com/office/powerpoint/2010/main" val="1868262093"/>
       </p:ext>
     </p:extLst>
   </p:cSld>
@@ -5627,7 +7023,1045 @@
 </p:sld>
 </file>
 
-<file path=ppt/slides/slide4.xml><?xml version="1.0" encoding="utf-8"?>
+<file path=ppt/slides/slide5.xml><?xml version="1.0" encoding="utf-8"?>
+<p:sld xmlns:a="http://schemas.openxmlformats.org/drawingml/2006/main" xmlns:r="http://schemas.openxmlformats.org/officeDocument/2006/relationships" xmlns:p="http://schemas.openxmlformats.org/presentationml/2006/main">
+  <p:cSld>
+    <p:spTree>
+      <p:nvGrpSpPr>
+        <p:cNvPr id="1" name=""/>
+        <p:cNvGrpSpPr/>
+        <p:nvPr/>
+      </p:nvGrpSpPr>
+      <p:grpSpPr>
+        <a:xfrm>
+          <a:off x="0" y="0"/>
+          <a:ext cx="0" cy="0"/>
+          <a:chOff x="0" y="0"/>
+          <a:chExt cx="0" cy="0"/>
+        </a:xfrm>
+      </p:grpSpPr>
+      <p:graphicFrame>
+        <p:nvGraphicFramePr>
+          <p:cNvPr id="4" name="Graphique 3"/>
+          <p:cNvGraphicFramePr>
+            <a:graphicFrameLocks/>
+          </p:cNvGraphicFramePr>
+          <p:nvPr>
+            <p:extLst>
+              <p:ext uri="{D42A27DB-BD31-4B8C-83A1-F6EECF244321}">
+                <p14:modId xmlns:p14="http://schemas.microsoft.com/office/powerpoint/2010/main" val="1197364265"/>
+              </p:ext>
+            </p:extLst>
+          </p:nvPr>
+        </p:nvGraphicFramePr>
+        <p:xfrm>
+          <a:off x="2286000" y="2057400"/>
+          <a:ext cx="4572000" cy="3963888"/>
+        </p:xfrm>
+        <a:graphic>
+          <a:graphicData uri="http://schemas.openxmlformats.org/drawingml/2006/chart">
+            <c:chart xmlns:c="http://schemas.openxmlformats.org/drawingml/2006/chart" xmlns:r="http://schemas.openxmlformats.org/officeDocument/2006/relationships" r:id="rId2"/>
+          </a:graphicData>
+        </a:graphic>
+      </p:graphicFrame>
+      <p:grpSp>
+        <p:nvGrpSpPr>
+          <p:cNvPr id="5" name="Groupe 4"/>
+          <p:cNvGrpSpPr/>
+          <p:nvPr/>
+        </p:nvGrpSpPr>
+        <p:grpSpPr>
+          <a:xfrm>
+            <a:off x="3491880" y="2708920"/>
+            <a:ext cx="1800200" cy="1152128"/>
+            <a:chOff x="3491880" y="3140968"/>
+            <a:chExt cx="1800200" cy="1152128"/>
+          </a:xfrm>
+        </p:grpSpPr>
+        <p:grpSp>
+          <p:nvGrpSpPr>
+            <p:cNvPr id="6" name="Groupe 5"/>
+            <p:cNvGrpSpPr/>
+            <p:nvPr/>
+          </p:nvGrpSpPr>
+          <p:grpSpPr>
+            <a:xfrm>
+              <a:off x="3491880" y="3501008"/>
+              <a:ext cx="864096" cy="396044"/>
+              <a:chOff x="1259632" y="1124744"/>
+              <a:chExt cx="864096" cy="396044"/>
+            </a:xfrm>
+          </p:grpSpPr>
+          <p:cxnSp>
+            <p:nvCxnSpPr>
+              <p:cNvPr id="15" name="Connecteur droit 14"/>
+              <p:cNvCxnSpPr/>
+              <p:nvPr/>
+            </p:nvCxnSpPr>
+            <p:spPr>
+              <a:xfrm flipV="1">
+                <a:off x="1259632" y="1124744"/>
+                <a:ext cx="0" cy="396044"/>
+              </a:xfrm>
+              <a:prstGeom prst="line">
+                <a:avLst/>
+              </a:prstGeom>
+              <a:ln w="12700">
+                <a:solidFill>
+                  <a:schemeClr val="tx1"/>
+                </a:solidFill>
+              </a:ln>
+            </p:spPr>
+            <p:style>
+              <a:lnRef idx="1">
+                <a:schemeClr val="accent1"/>
+              </a:lnRef>
+              <a:fillRef idx="0">
+                <a:schemeClr val="accent1"/>
+              </a:fillRef>
+              <a:effectRef idx="0">
+                <a:schemeClr val="accent1"/>
+              </a:effectRef>
+              <a:fontRef idx="minor">
+                <a:schemeClr val="tx1"/>
+              </a:fontRef>
+            </p:style>
+          </p:cxnSp>
+          <p:cxnSp>
+            <p:nvCxnSpPr>
+              <p:cNvPr id="16" name="Connecteur droit 15"/>
+              <p:cNvCxnSpPr/>
+              <p:nvPr/>
+            </p:nvCxnSpPr>
+            <p:spPr>
+              <a:xfrm flipV="1">
+                <a:off x="2123728" y="1124744"/>
+                <a:ext cx="0" cy="108012"/>
+              </a:xfrm>
+              <a:prstGeom prst="line">
+                <a:avLst/>
+              </a:prstGeom>
+              <a:ln w="12700">
+                <a:solidFill>
+                  <a:schemeClr val="tx1"/>
+                </a:solidFill>
+              </a:ln>
+            </p:spPr>
+            <p:style>
+              <a:lnRef idx="1">
+                <a:schemeClr val="accent1"/>
+              </a:lnRef>
+              <a:fillRef idx="0">
+                <a:schemeClr val="accent1"/>
+              </a:fillRef>
+              <a:effectRef idx="0">
+                <a:schemeClr val="accent1"/>
+              </a:effectRef>
+              <a:fontRef idx="minor">
+                <a:schemeClr val="tx1"/>
+              </a:fontRef>
+            </p:style>
+          </p:cxnSp>
+          <p:cxnSp>
+            <p:nvCxnSpPr>
+              <p:cNvPr id="17" name="Connecteur droit 16"/>
+              <p:cNvCxnSpPr/>
+              <p:nvPr/>
+            </p:nvCxnSpPr>
+            <p:spPr>
+              <a:xfrm>
+                <a:off x="1259632" y="1124744"/>
+                <a:ext cx="864096" cy="0"/>
+              </a:xfrm>
+              <a:prstGeom prst="line">
+                <a:avLst/>
+              </a:prstGeom>
+              <a:ln w="12700">
+                <a:solidFill>
+                  <a:schemeClr val="tx1"/>
+                </a:solidFill>
+              </a:ln>
+            </p:spPr>
+            <p:style>
+              <a:lnRef idx="1">
+                <a:schemeClr val="accent1"/>
+              </a:lnRef>
+              <a:fillRef idx="0">
+                <a:schemeClr val="accent1"/>
+              </a:fillRef>
+              <a:effectRef idx="0">
+                <a:schemeClr val="accent1"/>
+              </a:effectRef>
+              <a:fontRef idx="minor">
+                <a:schemeClr val="tx1"/>
+              </a:fontRef>
+            </p:style>
+          </p:cxnSp>
+        </p:grpSp>
+        <p:grpSp>
+          <p:nvGrpSpPr>
+            <p:cNvPr id="7" name="Groupe 6"/>
+            <p:cNvGrpSpPr/>
+            <p:nvPr/>
+          </p:nvGrpSpPr>
+          <p:grpSpPr>
+            <a:xfrm>
+              <a:off x="4427984" y="3501008"/>
+              <a:ext cx="864096" cy="792088"/>
+              <a:chOff x="1259632" y="1124744"/>
+              <a:chExt cx="864096" cy="792088"/>
+            </a:xfrm>
+          </p:grpSpPr>
+          <p:cxnSp>
+            <p:nvCxnSpPr>
+              <p:cNvPr id="12" name="Connecteur droit 11"/>
+              <p:cNvCxnSpPr/>
+              <p:nvPr/>
+            </p:nvCxnSpPr>
+            <p:spPr>
+              <a:xfrm flipV="1">
+                <a:off x="1259632" y="1124744"/>
+                <a:ext cx="0" cy="108012"/>
+              </a:xfrm>
+              <a:prstGeom prst="line">
+                <a:avLst/>
+              </a:prstGeom>
+              <a:ln w="12700">
+                <a:solidFill>
+                  <a:schemeClr val="tx1"/>
+                </a:solidFill>
+              </a:ln>
+            </p:spPr>
+            <p:style>
+              <a:lnRef idx="1">
+                <a:schemeClr val="accent1"/>
+              </a:lnRef>
+              <a:fillRef idx="0">
+                <a:schemeClr val="accent1"/>
+              </a:fillRef>
+              <a:effectRef idx="0">
+                <a:schemeClr val="accent1"/>
+              </a:effectRef>
+              <a:fontRef idx="minor">
+                <a:schemeClr val="tx1"/>
+              </a:fontRef>
+            </p:style>
+          </p:cxnSp>
+          <p:cxnSp>
+            <p:nvCxnSpPr>
+              <p:cNvPr id="13" name="Connecteur droit 12"/>
+              <p:cNvCxnSpPr/>
+              <p:nvPr/>
+            </p:nvCxnSpPr>
+            <p:spPr>
+              <a:xfrm flipV="1">
+                <a:off x="2123728" y="1124744"/>
+                <a:ext cx="0" cy="792088"/>
+              </a:xfrm>
+              <a:prstGeom prst="line">
+                <a:avLst/>
+              </a:prstGeom>
+              <a:ln w="12700">
+                <a:solidFill>
+                  <a:schemeClr val="tx1"/>
+                </a:solidFill>
+              </a:ln>
+            </p:spPr>
+            <p:style>
+              <a:lnRef idx="1">
+                <a:schemeClr val="accent1"/>
+              </a:lnRef>
+              <a:fillRef idx="0">
+                <a:schemeClr val="accent1"/>
+              </a:fillRef>
+              <a:effectRef idx="0">
+                <a:schemeClr val="accent1"/>
+              </a:effectRef>
+              <a:fontRef idx="minor">
+                <a:schemeClr val="tx1"/>
+              </a:fontRef>
+            </p:style>
+          </p:cxnSp>
+          <p:cxnSp>
+            <p:nvCxnSpPr>
+              <p:cNvPr id="14" name="Connecteur droit 13"/>
+              <p:cNvCxnSpPr/>
+              <p:nvPr/>
+            </p:nvCxnSpPr>
+            <p:spPr>
+              <a:xfrm>
+                <a:off x="1259632" y="1124744"/>
+                <a:ext cx="864096" cy="0"/>
+              </a:xfrm>
+              <a:prstGeom prst="line">
+                <a:avLst/>
+              </a:prstGeom>
+              <a:ln w="12700">
+                <a:solidFill>
+                  <a:schemeClr val="tx1"/>
+                </a:solidFill>
+              </a:ln>
+            </p:spPr>
+            <p:style>
+              <a:lnRef idx="1">
+                <a:schemeClr val="accent1"/>
+              </a:lnRef>
+              <a:fillRef idx="0">
+                <a:schemeClr val="accent1"/>
+              </a:fillRef>
+              <a:effectRef idx="0">
+                <a:schemeClr val="accent1"/>
+              </a:effectRef>
+              <a:fontRef idx="minor">
+                <a:schemeClr val="tx1"/>
+              </a:fontRef>
+            </p:style>
+          </p:cxnSp>
+        </p:grpSp>
+        <p:grpSp>
+          <p:nvGrpSpPr>
+            <p:cNvPr id="8" name="Groupe 7"/>
+            <p:cNvGrpSpPr/>
+            <p:nvPr/>
+          </p:nvGrpSpPr>
+          <p:grpSpPr>
+            <a:xfrm>
+              <a:off x="3599892" y="3140968"/>
+              <a:ext cx="1656184" cy="108012"/>
+              <a:chOff x="1259632" y="1124744"/>
+              <a:chExt cx="1656184" cy="108012"/>
+            </a:xfrm>
+          </p:grpSpPr>
+          <p:cxnSp>
+            <p:nvCxnSpPr>
+              <p:cNvPr id="9" name="Connecteur droit 8"/>
+              <p:cNvCxnSpPr/>
+              <p:nvPr/>
+            </p:nvCxnSpPr>
+            <p:spPr>
+              <a:xfrm flipV="1">
+                <a:off x="1259632" y="1124744"/>
+                <a:ext cx="0" cy="108012"/>
+              </a:xfrm>
+              <a:prstGeom prst="line">
+                <a:avLst/>
+              </a:prstGeom>
+              <a:ln w="12700">
+                <a:solidFill>
+                  <a:schemeClr val="tx1"/>
+                </a:solidFill>
+              </a:ln>
+            </p:spPr>
+            <p:style>
+              <a:lnRef idx="1">
+                <a:schemeClr val="accent1"/>
+              </a:lnRef>
+              <a:fillRef idx="0">
+                <a:schemeClr val="accent1"/>
+              </a:fillRef>
+              <a:effectRef idx="0">
+                <a:schemeClr val="accent1"/>
+              </a:effectRef>
+              <a:fontRef idx="minor">
+                <a:schemeClr val="tx1"/>
+              </a:fontRef>
+            </p:style>
+          </p:cxnSp>
+          <p:cxnSp>
+            <p:nvCxnSpPr>
+              <p:cNvPr id="10" name="Connecteur droit 9"/>
+              <p:cNvCxnSpPr/>
+              <p:nvPr/>
+            </p:nvCxnSpPr>
+            <p:spPr>
+              <a:xfrm flipV="1">
+                <a:off x="2915816" y="1124744"/>
+                <a:ext cx="0" cy="108012"/>
+              </a:xfrm>
+              <a:prstGeom prst="line">
+                <a:avLst/>
+              </a:prstGeom>
+              <a:ln w="12700">
+                <a:solidFill>
+                  <a:schemeClr val="tx1"/>
+                </a:solidFill>
+              </a:ln>
+            </p:spPr>
+            <p:style>
+              <a:lnRef idx="1">
+                <a:schemeClr val="accent1"/>
+              </a:lnRef>
+              <a:fillRef idx="0">
+                <a:schemeClr val="accent1"/>
+              </a:fillRef>
+              <a:effectRef idx="0">
+                <a:schemeClr val="accent1"/>
+              </a:effectRef>
+              <a:fontRef idx="minor">
+                <a:schemeClr val="tx1"/>
+              </a:fontRef>
+            </p:style>
+          </p:cxnSp>
+          <p:cxnSp>
+            <p:nvCxnSpPr>
+              <p:cNvPr id="11" name="Connecteur droit 10"/>
+              <p:cNvCxnSpPr/>
+              <p:nvPr/>
+            </p:nvCxnSpPr>
+            <p:spPr>
+              <a:xfrm>
+                <a:off x="1259632" y="1124744"/>
+                <a:ext cx="1656184" cy="0"/>
+              </a:xfrm>
+              <a:prstGeom prst="line">
+                <a:avLst/>
+              </a:prstGeom>
+              <a:ln w="12700">
+                <a:solidFill>
+                  <a:schemeClr val="tx1"/>
+                </a:solidFill>
+              </a:ln>
+            </p:spPr>
+            <p:style>
+              <a:lnRef idx="1">
+                <a:schemeClr val="accent1"/>
+              </a:lnRef>
+              <a:fillRef idx="0">
+                <a:schemeClr val="accent1"/>
+              </a:fillRef>
+              <a:effectRef idx="0">
+                <a:schemeClr val="accent1"/>
+              </a:effectRef>
+              <a:fontRef idx="minor">
+                <a:schemeClr val="tx1"/>
+              </a:fontRef>
+            </p:style>
+          </p:cxnSp>
+        </p:grpSp>
+      </p:grpSp>
+      <p:sp>
+        <p:nvSpPr>
+          <p:cNvPr id="18" name="ZoneTexte 17"/>
+          <p:cNvSpPr txBox="1"/>
+          <p:nvPr/>
+        </p:nvSpPr>
+        <p:spPr>
+          <a:xfrm>
+            <a:off x="4591105" y="2863969"/>
+            <a:ext cx="615874" cy="276999"/>
+          </a:xfrm>
+          <a:prstGeom prst="rect">
+            <a:avLst/>
+          </a:prstGeom>
+          <a:noFill/>
+        </p:spPr>
+        <p:txBody>
+          <a:bodyPr wrap="none" rtlCol="0">
+            <a:spAutoFit/>
+          </a:bodyPr>
+          <a:lstStyle/>
+          <a:p>
+            <a:r>
+              <a:rPr lang="fr-FR" sz="1200" dirty="0" smtClean="0"/>
+              <a:t>P&lt;0,01</a:t>
+            </a:r>
+            <a:endParaRPr lang="fr-FR" sz="1600" dirty="0"/>
+          </a:p>
+        </p:txBody>
+      </p:sp>
+      <p:sp>
+        <p:nvSpPr>
+          <p:cNvPr id="19" name="ZoneTexte 18"/>
+          <p:cNvSpPr txBox="1"/>
+          <p:nvPr/>
+        </p:nvSpPr>
+        <p:spPr>
+          <a:xfrm>
+            <a:off x="3687999" y="2863968"/>
+            <a:ext cx="615874" cy="276999"/>
+          </a:xfrm>
+          <a:prstGeom prst="rect">
+            <a:avLst/>
+          </a:prstGeom>
+          <a:noFill/>
+        </p:spPr>
+        <p:txBody>
+          <a:bodyPr wrap="none" rtlCol="0">
+            <a:spAutoFit/>
+          </a:bodyPr>
+          <a:lstStyle/>
+          <a:p>
+            <a:r>
+              <a:rPr lang="fr-FR" sz="1200" dirty="0" smtClean="0"/>
+              <a:t>P&lt;0,01</a:t>
+            </a:r>
+            <a:endParaRPr lang="fr-FR" sz="1600" dirty="0"/>
+          </a:p>
+        </p:txBody>
+      </p:sp>
+      <p:sp>
+        <p:nvSpPr>
+          <p:cNvPr id="20" name="ZoneTexte 19"/>
+          <p:cNvSpPr txBox="1"/>
+          <p:nvPr/>
+        </p:nvSpPr>
+        <p:spPr>
+          <a:xfrm>
+            <a:off x="4139952" y="2503929"/>
+            <a:ext cx="615874" cy="276999"/>
+          </a:xfrm>
+          <a:prstGeom prst="rect">
+            <a:avLst/>
+          </a:prstGeom>
+          <a:noFill/>
+        </p:spPr>
+        <p:txBody>
+          <a:bodyPr wrap="none" rtlCol="0">
+            <a:spAutoFit/>
+          </a:bodyPr>
+          <a:lstStyle/>
+          <a:p>
+            <a:r>
+              <a:rPr lang="fr-FR" sz="1200" dirty="0" smtClean="0"/>
+              <a:t>P=0,01</a:t>
+            </a:r>
+            <a:endParaRPr lang="fr-FR" sz="1600" dirty="0"/>
+          </a:p>
+        </p:txBody>
+      </p:sp>
+    </p:spTree>
+    <p:extLst>
+      <p:ext uri="{BB962C8B-B14F-4D97-AF65-F5344CB8AC3E}">
+        <p14:creationId xmlns:p14="http://schemas.microsoft.com/office/powerpoint/2010/main" val="1851249573"/>
+      </p:ext>
+    </p:extLst>
+  </p:cSld>
+  <p:clrMapOvr>
+    <a:masterClrMapping/>
+  </p:clrMapOvr>
+</p:sld>
+</file>
+
+<file path=ppt/slides/slide6.xml><?xml version="1.0" encoding="utf-8"?>
+<p:sld xmlns:a="http://schemas.openxmlformats.org/drawingml/2006/main" xmlns:r="http://schemas.openxmlformats.org/officeDocument/2006/relationships" xmlns:p="http://schemas.openxmlformats.org/presentationml/2006/main">
+  <p:cSld>
+    <p:spTree>
+      <p:nvGrpSpPr>
+        <p:cNvPr id="1" name=""/>
+        <p:cNvGrpSpPr/>
+        <p:nvPr/>
+      </p:nvGrpSpPr>
+      <p:grpSpPr>
+        <a:xfrm>
+          <a:off x="0" y="0"/>
+          <a:ext cx="0" cy="0"/>
+          <a:chOff x="0" y="0"/>
+          <a:chExt cx="0" cy="0"/>
+        </a:xfrm>
+      </p:grpSpPr>
+      <p:graphicFrame>
+        <p:nvGraphicFramePr>
+          <p:cNvPr id="4" name="Graphique 3"/>
+          <p:cNvGraphicFramePr>
+            <a:graphicFrameLocks/>
+          </p:cNvGraphicFramePr>
+          <p:nvPr>
+            <p:extLst>
+              <p:ext uri="{D42A27DB-BD31-4B8C-83A1-F6EECF244321}">
+                <p14:modId xmlns:p14="http://schemas.microsoft.com/office/powerpoint/2010/main" val="2029096457"/>
+              </p:ext>
+            </p:extLst>
+          </p:nvPr>
+        </p:nvGraphicFramePr>
+        <p:xfrm>
+          <a:off x="2339752" y="2492896"/>
+          <a:ext cx="4392488" cy="3528392"/>
+        </p:xfrm>
+        <a:graphic>
+          <a:graphicData uri="http://schemas.openxmlformats.org/drawingml/2006/chart">
+            <c:chart xmlns:c="http://schemas.openxmlformats.org/drawingml/2006/chart" xmlns:r="http://schemas.openxmlformats.org/officeDocument/2006/relationships" r:id="rId2"/>
+          </a:graphicData>
+        </a:graphic>
+      </p:graphicFrame>
+      <p:grpSp>
+        <p:nvGrpSpPr>
+          <p:cNvPr id="5" name="Groupe 4"/>
+          <p:cNvGrpSpPr/>
+          <p:nvPr/>
+        </p:nvGrpSpPr>
+        <p:grpSpPr>
+          <a:xfrm>
+            <a:off x="3347864" y="3429000"/>
+            <a:ext cx="1800200" cy="1440160"/>
+            <a:chOff x="3491880" y="3140968"/>
+            <a:chExt cx="1800200" cy="1440160"/>
+          </a:xfrm>
+        </p:grpSpPr>
+        <p:grpSp>
+          <p:nvGrpSpPr>
+            <p:cNvPr id="6" name="Groupe 5"/>
+            <p:cNvGrpSpPr/>
+            <p:nvPr/>
+          </p:nvGrpSpPr>
+          <p:grpSpPr>
+            <a:xfrm>
+              <a:off x="3491880" y="3501008"/>
+              <a:ext cx="864096" cy="1080120"/>
+              <a:chOff x="1259632" y="1124744"/>
+              <a:chExt cx="864096" cy="1080120"/>
+            </a:xfrm>
+          </p:grpSpPr>
+          <p:cxnSp>
+            <p:nvCxnSpPr>
+              <p:cNvPr id="15" name="Connecteur droit 14"/>
+              <p:cNvCxnSpPr/>
+              <p:nvPr/>
+            </p:nvCxnSpPr>
+            <p:spPr>
+              <a:xfrm flipV="1">
+                <a:off x="1259632" y="1124744"/>
+                <a:ext cx="0" cy="1080120"/>
+              </a:xfrm>
+              <a:prstGeom prst="line">
+                <a:avLst/>
+              </a:prstGeom>
+              <a:ln w="12700">
+                <a:solidFill>
+                  <a:schemeClr val="tx1"/>
+                </a:solidFill>
+              </a:ln>
+            </p:spPr>
+            <p:style>
+              <a:lnRef idx="1">
+                <a:schemeClr val="accent1"/>
+              </a:lnRef>
+              <a:fillRef idx="0">
+                <a:schemeClr val="accent1"/>
+              </a:fillRef>
+              <a:effectRef idx="0">
+                <a:schemeClr val="accent1"/>
+              </a:effectRef>
+              <a:fontRef idx="minor">
+                <a:schemeClr val="tx1"/>
+              </a:fontRef>
+            </p:style>
+          </p:cxnSp>
+          <p:cxnSp>
+            <p:nvCxnSpPr>
+              <p:cNvPr id="16" name="Connecteur droit 15"/>
+              <p:cNvCxnSpPr/>
+              <p:nvPr/>
+            </p:nvCxnSpPr>
+            <p:spPr>
+              <a:xfrm flipV="1">
+                <a:off x="2123728" y="1124744"/>
+                <a:ext cx="0" cy="108012"/>
+              </a:xfrm>
+              <a:prstGeom prst="line">
+                <a:avLst/>
+              </a:prstGeom>
+              <a:ln w="12700">
+                <a:solidFill>
+                  <a:schemeClr val="tx1"/>
+                </a:solidFill>
+              </a:ln>
+            </p:spPr>
+            <p:style>
+              <a:lnRef idx="1">
+                <a:schemeClr val="accent1"/>
+              </a:lnRef>
+              <a:fillRef idx="0">
+                <a:schemeClr val="accent1"/>
+              </a:fillRef>
+              <a:effectRef idx="0">
+                <a:schemeClr val="accent1"/>
+              </a:effectRef>
+              <a:fontRef idx="minor">
+                <a:schemeClr val="tx1"/>
+              </a:fontRef>
+            </p:style>
+          </p:cxnSp>
+          <p:cxnSp>
+            <p:nvCxnSpPr>
+              <p:cNvPr id="17" name="Connecteur droit 16"/>
+              <p:cNvCxnSpPr/>
+              <p:nvPr/>
+            </p:nvCxnSpPr>
+            <p:spPr>
+              <a:xfrm>
+                <a:off x="1259632" y="1124744"/>
+                <a:ext cx="864096" cy="0"/>
+              </a:xfrm>
+              <a:prstGeom prst="line">
+                <a:avLst/>
+              </a:prstGeom>
+              <a:ln w="12700">
+                <a:solidFill>
+                  <a:schemeClr val="tx1"/>
+                </a:solidFill>
+              </a:ln>
+            </p:spPr>
+            <p:style>
+              <a:lnRef idx="1">
+                <a:schemeClr val="accent1"/>
+              </a:lnRef>
+              <a:fillRef idx="0">
+                <a:schemeClr val="accent1"/>
+              </a:fillRef>
+              <a:effectRef idx="0">
+                <a:schemeClr val="accent1"/>
+              </a:effectRef>
+              <a:fontRef idx="minor">
+                <a:schemeClr val="tx1"/>
+              </a:fontRef>
+            </p:style>
+          </p:cxnSp>
+        </p:grpSp>
+        <p:grpSp>
+          <p:nvGrpSpPr>
+            <p:cNvPr id="7" name="Groupe 6"/>
+            <p:cNvGrpSpPr/>
+            <p:nvPr/>
+          </p:nvGrpSpPr>
+          <p:grpSpPr>
+            <a:xfrm>
+              <a:off x="4427984" y="3501008"/>
+              <a:ext cx="864096" cy="252028"/>
+              <a:chOff x="1259632" y="1124744"/>
+              <a:chExt cx="864096" cy="252028"/>
+            </a:xfrm>
+          </p:grpSpPr>
+          <p:cxnSp>
+            <p:nvCxnSpPr>
+              <p:cNvPr id="12" name="Connecteur droit 11"/>
+              <p:cNvCxnSpPr/>
+              <p:nvPr/>
+            </p:nvCxnSpPr>
+            <p:spPr>
+              <a:xfrm flipV="1">
+                <a:off x="1259632" y="1124744"/>
+                <a:ext cx="0" cy="108012"/>
+              </a:xfrm>
+              <a:prstGeom prst="line">
+                <a:avLst/>
+              </a:prstGeom>
+              <a:ln w="12700">
+                <a:solidFill>
+                  <a:schemeClr val="tx1"/>
+                </a:solidFill>
+              </a:ln>
+            </p:spPr>
+            <p:style>
+              <a:lnRef idx="1">
+                <a:schemeClr val="accent1"/>
+              </a:lnRef>
+              <a:fillRef idx="0">
+                <a:schemeClr val="accent1"/>
+              </a:fillRef>
+              <a:effectRef idx="0">
+                <a:schemeClr val="accent1"/>
+              </a:effectRef>
+              <a:fontRef idx="minor">
+                <a:schemeClr val="tx1"/>
+              </a:fontRef>
+            </p:style>
+          </p:cxnSp>
+          <p:cxnSp>
+            <p:nvCxnSpPr>
+              <p:cNvPr id="13" name="Connecteur droit 12"/>
+              <p:cNvCxnSpPr/>
+              <p:nvPr/>
+            </p:nvCxnSpPr>
+            <p:spPr>
+              <a:xfrm flipV="1">
+                <a:off x="2123728" y="1124744"/>
+                <a:ext cx="0" cy="252028"/>
+              </a:xfrm>
+              <a:prstGeom prst="line">
+                <a:avLst/>
+              </a:prstGeom>
+              <a:ln w="12700">
+                <a:solidFill>
+                  <a:schemeClr val="tx1"/>
+                </a:solidFill>
+              </a:ln>
+            </p:spPr>
+            <p:style>
+              <a:lnRef idx="1">
+                <a:schemeClr val="accent1"/>
+              </a:lnRef>
+              <a:fillRef idx="0">
+                <a:schemeClr val="accent1"/>
+              </a:fillRef>
+              <a:effectRef idx="0">
+                <a:schemeClr val="accent1"/>
+              </a:effectRef>
+              <a:fontRef idx="minor">
+                <a:schemeClr val="tx1"/>
+              </a:fontRef>
+            </p:style>
+          </p:cxnSp>
+          <p:cxnSp>
+            <p:nvCxnSpPr>
+              <p:cNvPr id="14" name="Connecteur droit 13"/>
+              <p:cNvCxnSpPr/>
+              <p:nvPr/>
+            </p:nvCxnSpPr>
+            <p:spPr>
+              <a:xfrm>
+                <a:off x="1259632" y="1124744"/>
+                <a:ext cx="864096" cy="0"/>
+              </a:xfrm>
+              <a:prstGeom prst="line">
+                <a:avLst/>
+              </a:prstGeom>
+              <a:ln w="12700">
+                <a:solidFill>
+                  <a:schemeClr val="tx1"/>
+                </a:solidFill>
+              </a:ln>
+            </p:spPr>
+            <p:style>
+              <a:lnRef idx="1">
+                <a:schemeClr val="accent1"/>
+              </a:lnRef>
+              <a:fillRef idx="0">
+                <a:schemeClr val="accent1"/>
+              </a:fillRef>
+              <a:effectRef idx="0">
+                <a:schemeClr val="accent1"/>
+              </a:effectRef>
+              <a:fontRef idx="minor">
+                <a:schemeClr val="tx1"/>
+              </a:fontRef>
+            </p:style>
+          </p:cxnSp>
+        </p:grpSp>
+        <p:grpSp>
+          <p:nvGrpSpPr>
+            <p:cNvPr id="8" name="Groupe 7"/>
+            <p:cNvGrpSpPr/>
+            <p:nvPr/>
+          </p:nvGrpSpPr>
+          <p:grpSpPr>
+            <a:xfrm>
+              <a:off x="3599892" y="3140968"/>
+              <a:ext cx="1656184" cy="108012"/>
+              <a:chOff x="1259632" y="1124744"/>
+              <a:chExt cx="1656184" cy="108012"/>
+            </a:xfrm>
+          </p:grpSpPr>
+          <p:cxnSp>
+            <p:nvCxnSpPr>
+              <p:cNvPr id="9" name="Connecteur droit 8"/>
+              <p:cNvCxnSpPr/>
+              <p:nvPr/>
+            </p:nvCxnSpPr>
+            <p:spPr>
+              <a:xfrm flipV="1">
+                <a:off x="1259632" y="1124744"/>
+                <a:ext cx="0" cy="108012"/>
+              </a:xfrm>
+              <a:prstGeom prst="line">
+                <a:avLst/>
+              </a:prstGeom>
+              <a:ln w="12700">
+                <a:solidFill>
+                  <a:schemeClr val="tx1"/>
+                </a:solidFill>
+              </a:ln>
+            </p:spPr>
+            <p:style>
+              <a:lnRef idx="1">
+                <a:schemeClr val="accent1"/>
+              </a:lnRef>
+              <a:fillRef idx="0">
+                <a:schemeClr val="accent1"/>
+              </a:fillRef>
+              <a:effectRef idx="0">
+                <a:schemeClr val="accent1"/>
+              </a:effectRef>
+              <a:fontRef idx="minor">
+                <a:schemeClr val="tx1"/>
+              </a:fontRef>
+            </p:style>
+          </p:cxnSp>
+          <p:cxnSp>
+            <p:nvCxnSpPr>
+              <p:cNvPr id="10" name="Connecteur droit 9"/>
+              <p:cNvCxnSpPr/>
+              <p:nvPr/>
+            </p:nvCxnSpPr>
+            <p:spPr>
+              <a:xfrm flipV="1">
+                <a:off x="2915816" y="1124744"/>
+                <a:ext cx="0" cy="108012"/>
+              </a:xfrm>
+              <a:prstGeom prst="line">
+                <a:avLst/>
+              </a:prstGeom>
+              <a:ln w="12700">
+                <a:solidFill>
+                  <a:schemeClr val="tx1"/>
+                </a:solidFill>
+              </a:ln>
+            </p:spPr>
+            <p:style>
+              <a:lnRef idx="1">
+                <a:schemeClr val="accent1"/>
+              </a:lnRef>
+              <a:fillRef idx="0">
+                <a:schemeClr val="accent1"/>
+              </a:fillRef>
+              <a:effectRef idx="0">
+                <a:schemeClr val="accent1"/>
+              </a:effectRef>
+              <a:fontRef idx="minor">
+                <a:schemeClr val="tx1"/>
+              </a:fontRef>
+            </p:style>
+          </p:cxnSp>
+          <p:cxnSp>
+            <p:nvCxnSpPr>
+              <p:cNvPr id="11" name="Connecteur droit 10"/>
+              <p:cNvCxnSpPr/>
+              <p:nvPr/>
+            </p:nvCxnSpPr>
+            <p:spPr>
+              <a:xfrm>
+                <a:off x="1259632" y="1124744"/>
+                <a:ext cx="1656184" cy="0"/>
+              </a:xfrm>
+              <a:prstGeom prst="line">
+                <a:avLst/>
+              </a:prstGeom>
+              <a:ln w="12700">
+                <a:solidFill>
+                  <a:schemeClr val="tx1"/>
+                </a:solidFill>
+              </a:ln>
+            </p:spPr>
+            <p:style>
+              <a:lnRef idx="1">
+                <a:schemeClr val="accent1"/>
+              </a:lnRef>
+              <a:fillRef idx="0">
+                <a:schemeClr val="accent1"/>
+              </a:fillRef>
+              <a:effectRef idx="0">
+                <a:schemeClr val="accent1"/>
+              </a:effectRef>
+              <a:fontRef idx="minor">
+                <a:schemeClr val="tx1"/>
+              </a:fontRef>
+            </p:style>
+          </p:cxnSp>
+        </p:grpSp>
+      </p:grpSp>
+      <p:sp>
+        <p:nvSpPr>
+          <p:cNvPr id="18" name="ZoneTexte 17"/>
+          <p:cNvSpPr txBox="1"/>
+          <p:nvPr/>
+        </p:nvSpPr>
+        <p:spPr>
+          <a:xfrm>
+            <a:off x="4447089" y="3573016"/>
+            <a:ext cx="615874" cy="276999"/>
+          </a:xfrm>
+          <a:prstGeom prst="rect">
+            <a:avLst/>
+          </a:prstGeom>
+          <a:noFill/>
+        </p:spPr>
+        <p:txBody>
+          <a:bodyPr wrap="none" rtlCol="0">
+            <a:spAutoFit/>
+          </a:bodyPr>
+          <a:lstStyle/>
+          <a:p>
+            <a:r>
+              <a:rPr lang="fr-FR" sz="1200" dirty="0" smtClean="0"/>
+              <a:t>P&gt;0,05</a:t>
+            </a:r>
+            <a:endParaRPr lang="fr-FR" sz="1600" dirty="0"/>
+          </a:p>
+        </p:txBody>
+      </p:sp>
+      <p:sp>
+        <p:nvSpPr>
+          <p:cNvPr id="19" name="ZoneTexte 18"/>
+          <p:cNvSpPr txBox="1"/>
+          <p:nvPr/>
+        </p:nvSpPr>
+        <p:spPr>
+          <a:xfrm>
+            <a:off x="3543983" y="3573015"/>
+            <a:ext cx="615874" cy="276999"/>
+          </a:xfrm>
+          <a:prstGeom prst="rect">
+            <a:avLst/>
+          </a:prstGeom>
+          <a:noFill/>
+        </p:spPr>
+        <p:txBody>
+          <a:bodyPr wrap="none" rtlCol="0">
+            <a:spAutoFit/>
+          </a:bodyPr>
+          <a:lstStyle/>
+          <a:p>
+            <a:r>
+              <a:rPr lang="fr-FR" sz="1200" dirty="0" smtClean="0"/>
+              <a:t>P&lt;0,01</a:t>
+            </a:r>
+            <a:endParaRPr lang="fr-FR" sz="1600" dirty="0"/>
+          </a:p>
+        </p:txBody>
+      </p:sp>
+      <p:sp>
+        <p:nvSpPr>
+          <p:cNvPr id="20" name="ZoneTexte 19"/>
+          <p:cNvSpPr txBox="1"/>
+          <p:nvPr/>
+        </p:nvSpPr>
+        <p:spPr>
+          <a:xfrm>
+            <a:off x="4058337" y="3212976"/>
+            <a:ext cx="615874" cy="276999"/>
+          </a:xfrm>
+          <a:prstGeom prst="rect">
+            <a:avLst/>
+          </a:prstGeom>
+          <a:noFill/>
+        </p:spPr>
+        <p:txBody>
+          <a:bodyPr wrap="none" rtlCol="0">
+            <a:spAutoFit/>
+          </a:bodyPr>
+          <a:lstStyle/>
+          <a:p>
+            <a:r>
+              <a:rPr lang="fr-FR" sz="1200" dirty="0" smtClean="0"/>
+              <a:t>P&lt;0,01</a:t>
+            </a:r>
+            <a:endParaRPr lang="fr-FR" sz="1600" dirty="0"/>
+          </a:p>
+        </p:txBody>
+      </p:sp>
+    </p:spTree>
+    <p:extLst>
+      <p:ext uri="{BB962C8B-B14F-4D97-AF65-F5344CB8AC3E}">
+        <p14:creationId xmlns:p14="http://schemas.microsoft.com/office/powerpoint/2010/main" val="2491423701"/>
+      </p:ext>
+    </p:extLst>
+  </p:cSld>
+  <p:clrMapOvr>
+    <a:masterClrMapping/>
+  </p:clrMapOvr>
+</p:sld>
+</file>
+
+<file path=ppt/slides/slide7.xml><?xml version="1.0" encoding="utf-8"?>
 <p:sld xmlns:a="http://schemas.openxmlformats.org/drawingml/2006/main" xmlns:r="http://schemas.openxmlformats.org/officeDocument/2006/relationships" xmlns:p="http://schemas.openxmlformats.org/presentationml/2006/main">
   <p:cSld>
     <p:spTree>

--- a/CrowdSourcingStudy/Results/chartsWithPvalues.pptx
+++ b/CrowdSourcingStudy/Results/chartsWithPvalues.pptx
@@ -143,14 +143,7 @@
           </a:p>
         </c:rich>
       </c:tx>
-      <c:layout>
-        <c:manualLayout>
-          <c:xMode val="edge"/>
-          <c:yMode val="edge"/>
-          <c:x val="0.11246522309711286"/>
-          <c:y val="4.0537228397216969E-2"/>
-        </c:manualLayout>
-      </c:layout>
+      <c:layout/>
       <c:overlay val="0"/>
       <c:spPr>
         <a:ln>
@@ -162,17 +155,7 @@
     </c:title>
     <c:autoTitleDeleted val="0"/>
     <c:plotArea>
-      <c:layout>
-        <c:manualLayout>
-          <c:layoutTarget val="inner"/>
-          <c:xMode val="edge"/>
-          <c:yMode val="edge"/>
-          <c:x val="0.10708573928258967"/>
-          <c:y val="0.37460402701634066"/>
-          <c:w val="0.67352602799650041"/>
-          <c:h val="0.58464197105524207"/>
-        </c:manualLayout>
-      </c:layout>
+      <c:layout/>
       <c:barChart>
         <c:barDir val="col"/>
         <c:grouping val="clustered"/>
@@ -184,35 +167,21 @@
             <c:v>Dominant</c:v>
           </c:tx>
           <c:invertIfNegative val="0"/>
-          <c:errBars>
-            <c:errBarType val="both"/>
-            <c:errValType val="cust"/>
-            <c:noEndCap val="0"/>
-            <c:plus>
-              <c:numRef>
-                <c:f>principe1!$B$19</c:f>
-                <c:numCache>
-                  <c:formatCode>General</c:formatCode>
-                  <c:ptCount val="1"/>
-                  <c:pt idx="0">
-                    <c:v>1.1303883305208784</c:v>
-                  </c:pt>
-                </c:numCache>
-              </c:numRef>
-            </c:plus>
-            <c:minus>
-              <c:numRef>
-                <c:f>principe1!$B$19</c:f>
-                <c:numCache>
-                  <c:formatCode>General</c:formatCode>
-                  <c:ptCount val="1"/>
-                  <c:pt idx="0">
-                    <c:v>1.1303883305208784</c:v>
-                  </c:pt>
-                </c:numCache>
-              </c:numRef>
-            </c:minus>
-          </c:errBars>
+          <c:dPt>
+            <c:idx val="0"/>
+            <c:invertIfNegative val="0"/>
+            <c:bubble3D val="0"/>
+            <c:spPr>
+              <a:pattFill prst="dkVert">
+                <a:fgClr>
+                  <a:schemeClr val="accent1"/>
+                </a:fgClr>
+                <a:bgClr>
+                  <a:schemeClr val="bg1"/>
+                </a:bgClr>
+              </a:pattFill>
+            </c:spPr>
+          </c:dPt>
           <c:val>
             <c:numRef>
               <c:f>principe1!$B$18</c:f>
@@ -233,35 +202,21 @@
             <c:v>Peer</c:v>
           </c:tx>
           <c:invertIfNegative val="0"/>
-          <c:errBars>
-            <c:errBarType val="both"/>
-            <c:errValType val="cust"/>
-            <c:noEndCap val="0"/>
-            <c:plus>
-              <c:numRef>
-                <c:f>principe1!$H$19</c:f>
-                <c:numCache>
-                  <c:formatCode>General</c:formatCode>
-                  <c:ptCount val="1"/>
-                  <c:pt idx="0">
-                    <c:v>1.0509022810878301</c:v>
-                  </c:pt>
-                </c:numCache>
-              </c:numRef>
-            </c:plus>
-            <c:minus>
-              <c:numRef>
-                <c:f>principe1!$H$19</c:f>
-                <c:numCache>
-                  <c:formatCode>General</c:formatCode>
-                  <c:ptCount val="1"/>
-                  <c:pt idx="0">
-                    <c:v>1.0509022810878301</c:v>
-                  </c:pt>
-                </c:numCache>
-              </c:numRef>
-            </c:minus>
-          </c:errBars>
+          <c:dPt>
+            <c:idx val="0"/>
+            <c:invertIfNegative val="0"/>
+            <c:bubble3D val="0"/>
+            <c:spPr>
+              <a:pattFill prst="lgCheck">
+                <a:fgClr>
+                  <a:schemeClr val="accent2"/>
+                </a:fgClr>
+                <a:bgClr>
+                  <a:schemeClr val="bg1"/>
+                </a:bgClr>
+              </a:pattFill>
+            </c:spPr>
+          </c:dPt>
           <c:val>
             <c:numRef>
               <c:f>principe1!$H$18</c:f>
@@ -282,35 +237,6 @@
             <c:v>Submissive</c:v>
           </c:tx>
           <c:invertIfNegative val="0"/>
-          <c:errBars>
-            <c:errBarType val="both"/>
-            <c:errValType val="cust"/>
-            <c:noEndCap val="0"/>
-            <c:plus>
-              <c:numRef>
-                <c:f>principe1!$E$19</c:f>
-                <c:numCache>
-                  <c:formatCode>General</c:formatCode>
-                  <c:ptCount val="1"/>
-                  <c:pt idx="0">
-                    <c:v>1.1303883305208784</c:v>
-                  </c:pt>
-                </c:numCache>
-              </c:numRef>
-            </c:plus>
-            <c:minus>
-              <c:numRef>
-                <c:f>principe1!$E$19</c:f>
-                <c:numCache>
-                  <c:formatCode>General</c:formatCode>
-                  <c:ptCount val="1"/>
-                  <c:pt idx="0">
-                    <c:v>1.1303883305208784</c:v>
-                  </c:pt>
-                </c:numCache>
-              </c:numRef>
-            </c:minus>
-          </c:errBars>
           <c:val>
             <c:numRef>
               <c:f>principe1!$E$18</c:f>
@@ -333,20 +259,20 @@
           <c:showBubbleSize val="0"/>
         </c:dLbls>
         <c:gapWidth val="150"/>
-        <c:axId val="32369152"/>
-        <c:axId val="78726848"/>
+        <c:axId val="46087680"/>
+        <c:axId val="30625152"/>
       </c:barChart>
       <c:catAx>
-        <c:axId val="32369152"/>
+        <c:axId val="46087680"/>
         <c:scaling>
           <c:orientation val="minMax"/>
         </c:scaling>
-        <c:delete val="1"/>
+        <c:delete val="0"/>
         <c:axPos val="b"/>
         <c:majorTickMark val="none"/>
         <c:minorTickMark val="none"/>
         <c:tickLblPos val="nextTo"/>
-        <c:crossAx val="78726848"/>
+        <c:crossAx val="30625152"/>
         <c:crossesAt val="0"/>
         <c:auto val="1"/>
         <c:lblAlgn val="ctr"/>
@@ -354,7 +280,7 @@
         <c:noMultiLvlLbl val="0"/>
       </c:catAx>
       <c:valAx>
-        <c:axId val="78726848"/>
+        <c:axId val="30625152"/>
         <c:scaling>
           <c:orientation val="minMax"/>
           <c:max val="5"/>
@@ -369,11 +295,15 @@
             </a:ln>
           </c:spPr>
         </c:majorGridlines>
+        <c:title>
+          <c:layout/>
+          <c:overlay val="0"/>
+        </c:title>
         <c:numFmt formatCode="0.000" sourceLinked="1"/>
         <c:majorTickMark val="out"/>
         <c:minorTickMark val="none"/>
         <c:tickLblPos val="nextTo"/>
-        <c:crossAx val="32369152"/>
+        <c:crossAx val="46087680"/>
         <c:crosses val="autoZero"/>
         <c:crossBetween val="between"/>
         <c:majorUnit val="0.5"/>
@@ -390,16 +320,7 @@
     </c:plotArea>
     <c:legend>
       <c:legendPos val="r"/>
-      <c:layout>
-        <c:manualLayout>
-          <c:xMode val="edge"/>
-          <c:yMode val="edge"/>
-          <c:x val="0.72505621172353452"/>
-          <c:y val="0.56368893056079028"/>
-          <c:w val="0.17216601049868765"/>
-          <c:h val="0.19913076704302404"/>
-        </c:manualLayout>
-      </c:layout>
+      <c:layout/>
       <c:overlay val="0"/>
     </c:legend>
     <c:plotVisOnly val="1"/>
@@ -456,7 +377,7 @@
           <c:xMode val="edge"/>
           <c:yMode val="edge"/>
           <c:x val="0.20454487430429089"/>
-          <c:y val="0"/>
+          <c:y val="9.6201432164102971E-3"/>
         </c:manualLayout>
       </c:layout>
       <c:overlay val="0"/>
@@ -481,6 +402,16 @@
           <c:tx>
             <c:v>Dominant</c:v>
           </c:tx>
+          <c:spPr>
+            <a:pattFill prst="dkVert">
+              <a:fgClr>
+                <a:schemeClr val="accent1"/>
+              </a:fgClr>
+              <a:bgClr>
+                <a:schemeClr val="bg1"/>
+              </a:bgClr>
+            </a:pattFill>
+          </c:spPr>
           <c:invertIfNegative val="0"/>
           <c:errBars>
             <c:errBarType val="both"/>
@@ -531,6 +462,21 @@
             <c:v>Peer</c:v>
           </c:tx>
           <c:invertIfNegative val="0"/>
+          <c:dPt>
+            <c:idx val="0"/>
+            <c:invertIfNegative val="0"/>
+            <c:bubble3D val="0"/>
+            <c:spPr>
+              <a:pattFill prst="lgCheck">
+                <a:fgClr>
+                  <a:schemeClr val="accent2"/>
+                </a:fgClr>
+                <a:bgClr>
+                  <a:schemeClr val="bg1"/>
+                </a:bgClr>
+              </a:pattFill>
+            </c:spPr>
+          </c:dPt>
           <c:errBars>
             <c:errBarType val="both"/>
             <c:errValType val="cust"/>
@@ -631,11 +577,11 @@
           <c:showBubbleSize val="0"/>
         </c:dLbls>
         <c:gapWidth val="150"/>
-        <c:axId val="543174144"/>
-        <c:axId val="36154752"/>
+        <c:axId val="528778752"/>
+        <c:axId val="517249792"/>
       </c:barChart>
       <c:catAx>
-        <c:axId val="543174144"/>
+        <c:axId val="528778752"/>
         <c:scaling>
           <c:orientation val="minMax"/>
         </c:scaling>
@@ -644,7 +590,7 @@
         <c:majorTickMark val="none"/>
         <c:minorTickMark val="none"/>
         <c:tickLblPos val="nextTo"/>
-        <c:crossAx val="36154752"/>
+        <c:crossAx val="517249792"/>
         <c:crosses val="autoZero"/>
         <c:auto val="1"/>
         <c:lblAlgn val="ctr"/>
@@ -652,7 +598,7 @@
         <c:noMultiLvlLbl val="0"/>
       </c:catAx>
       <c:valAx>
-        <c:axId val="36154752"/>
+        <c:axId val="517249792"/>
         <c:scaling>
           <c:orientation val="minMax"/>
         </c:scaling>
@@ -662,7 +608,7 @@
         <c:majorTickMark val="none"/>
         <c:minorTickMark val="none"/>
         <c:tickLblPos val="nextTo"/>
-        <c:crossAx val="543174144"/>
+        <c:crossAx val="528778752"/>
         <c:crosses val="autoZero"/>
         <c:crossBetween val="between"/>
       </c:valAx>
@@ -685,6 +631,13 @@
     <c:dispBlanksAs val="gap"/>
     <c:showDLblsOverMax val="0"/>
   </c:chart>
+  <c:spPr>
+    <a:ln>
+      <a:solidFill>
+        <a:schemeClr val="tx1"/>
+      </a:solidFill>
+    </a:ln>
+  </c:spPr>
   <c:externalData r:id="rId1">
     <c:autoUpdate val="0"/>
   </c:externalData>
@@ -760,6 +713,16 @@
           <c:tx>
             <c:v>Dominant</c:v>
           </c:tx>
+          <c:spPr>
+            <a:pattFill prst="dkVert">
+              <a:fgClr>
+                <a:schemeClr val="accent1"/>
+              </a:fgClr>
+              <a:bgClr>
+                <a:schemeClr val="bg1"/>
+              </a:bgClr>
+            </a:pattFill>
+          </c:spPr>
           <c:invertIfNegative val="0"/>
           <c:errBars>
             <c:errBarType val="both"/>
@@ -810,6 +773,21 @@
             <c:v>Peer</c:v>
           </c:tx>
           <c:invertIfNegative val="0"/>
+          <c:dPt>
+            <c:idx val="0"/>
+            <c:invertIfNegative val="0"/>
+            <c:bubble3D val="0"/>
+            <c:spPr>
+              <a:pattFill prst="lgCheck">
+                <a:fgClr>
+                  <a:schemeClr val="accent2"/>
+                </a:fgClr>
+                <a:bgClr>
+                  <a:schemeClr val="bg1"/>
+                </a:bgClr>
+              </a:pattFill>
+            </c:spPr>
+          </c:dPt>
           <c:errBars>
             <c:errBarType val="both"/>
             <c:errValType val="cust"/>
@@ -910,11 +888,11 @@
           <c:showBubbleSize val="0"/>
         </c:dLbls>
         <c:gapWidth val="150"/>
-        <c:axId val="551617536"/>
-        <c:axId val="78758464"/>
+        <c:axId val="529942016"/>
+        <c:axId val="528540800"/>
       </c:barChart>
       <c:catAx>
-        <c:axId val="551617536"/>
+        <c:axId val="529942016"/>
         <c:scaling>
           <c:orientation val="minMax"/>
         </c:scaling>
@@ -923,7 +901,7 @@
         <c:majorTickMark val="out"/>
         <c:minorTickMark val="none"/>
         <c:tickLblPos val="nextTo"/>
-        <c:crossAx val="78758464"/>
+        <c:crossAx val="528540800"/>
         <c:crosses val="autoZero"/>
         <c:auto val="1"/>
         <c:lblAlgn val="ctr"/>
@@ -931,7 +909,7 @@
         <c:noMultiLvlLbl val="0"/>
       </c:catAx>
       <c:valAx>
-        <c:axId val="78758464"/>
+        <c:axId val="528540800"/>
         <c:scaling>
           <c:orientation val="minMax"/>
         </c:scaling>
@@ -941,7 +919,7 @@
         <c:majorTickMark val="out"/>
         <c:minorTickMark val="none"/>
         <c:tickLblPos val="nextTo"/>
-        <c:crossAx val="551617536"/>
+        <c:crossAx val="529942016"/>
         <c:crosses val="autoZero"/>
         <c:crossBetween val="between"/>
       </c:valAx>
@@ -1001,23 +979,23 @@
               <a:defRPr/>
             </a:pPr>
             <a:r>
-              <a:rPr lang="fr-FR"/>
+              <a:rPr lang="fr-FR" dirty="0"/>
               <a:t>Agent</a:t>
             </a:r>
             <a:r>
-              <a:rPr lang="fr-FR" baseline="0"/>
+              <a:rPr lang="fr-FR" baseline="0" dirty="0"/>
               <a:t> </a:t>
             </a:r>
             <a:r>
-              <a:rPr lang="fr-FR"/>
+              <a:rPr lang="fr-FR" dirty="0" err="1"/>
               <a:t>is</a:t>
             </a:r>
             <a:r>
-              <a:rPr lang="fr-FR" baseline="0"/>
+              <a:rPr lang="fr-FR" baseline="0" dirty="0"/>
               <a:t> </a:t>
             </a:r>
             <a:r>
-              <a:rPr lang="fr-FR"/>
+              <a:rPr lang="fr-FR" dirty="0"/>
               <a:t>flexible</a:t>
             </a:r>
           </a:p>
@@ -1027,8 +1005,8 @@
         <c:manualLayout>
           <c:xMode val="edge"/>
           <c:yMode val="edge"/>
-          <c:x val="0.32707633420822396"/>
-          <c:y val="3.4991734177491199E-2"/>
+          <c:x val="0.30105466423584992"/>
+          <c:y val="1.4242426222794419E-2"/>
         </c:manualLayout>
       </c:layout>
       <c:overlay val="0"/>
@@ -1054,6 +1032,21 @@
             <c:v>Dominant</c:v>
           </c:tx>
           <c:invertIfNegative val="0"/>
+          <c:dPt>
+            <c:idx val="0"/>
+            <c:invertIfNegative val="0"/>
+            <c:bubble3D val="0"/>
+            <c:spPr>
+              <a:pattFill prst="dkVert">
+                <a:fgClr>
+                  <a:schemeClr val="accent1"/>
+                </a:fgClr>
+                <a:bgClr>
+                  <a:schemeClr val="bg1"/>
+                </a:bgClr>
+              </a:pattFill>
+            </c:spPr>
+          </c:dPt>
           <c:errBars>
             <c:errBarType val="both"/>
             <c:errValType val="cust"/>
@@ -1102,6 +1095,16 @@
           <c:tx>
             <c:v>Peer</c:v>
           </c:tx>
+          <c:spPr>
+            <a:pattFill prst="lgCheck">
+              <a:fgClr>
+                <a:schemeClr val="accent2"/>
+              </a:fgClr>
+              <a:bgClr>
+                <a:schemeClr val="bg1"/>
+              </a:bgClr>
+            </a:pattFill>
+          </c:spPr>
           <c:invertIfNegative val="0"/>
           <c:errBars>
             <c:errBarType val="both"/>
@@ -1203,11 +1206,11 @@
           <c:showBubbleSize val="0"/>
         </c:dLbls>
         <c:gapWidth val="150"/>
-        <c:axId val="551990272"/>
-        <c:axId val="554806656"/>
+        <c:axId val="530028032"/>
+        <c:axId val="528543104"/>
       </c:barChart>
       <c:catAx>
-        <c:axId val="551990272"/>
+        <c:axId val="530028032"/>
         <c:scaling>
           <c:orientation val="minMax"/>
         </c:scaling>
@@ -1216,7 +1219,7 @@
         <c:majorTickMark val="out"/>
         <c:minorTickMark val="none"/>
         <c:tickLblPos val="nextTo"/>
-        <c:crossAx val="554806656"/>
+        <c:crossAx val="528543104"/>
         <c:crosses val="autoZero"/>
         <c:auto val="1"/>
         <c:lblAlgn val="ctr"/>
@@ -1224,7 +1227,7 @@
         <c:noMultiLvlLbl val="0"/>
       </c:catAx>
       <c:valAx>
-        <c:axId val="554806656"/>
+        <c:axId val="528543104"/>
         <c:scaling>
           <c:orientation val="minMax"/>
         </c:scaling>
@@ -1241,7 +1244,7 @@
         <c:majorTickMark val="out"/>
         <c:minorTickMark val="none"/>
         <c:tickLblPos val="nextTo"/>
-        <c:crossAx val="551990272"/>
+        <c:crossAx val="530028032"/>
         <c:crosses val="autoZero"/>
         <c:crossBetween val="between"/>
       </c:valAx>
@@ -1340,6 +1343,16 @@
           <c:tx>
             <c:v>Dominant</c:v>
           </c:tx>
+          <c:spPr>
+            <a:pattFill prst="dkVert">
+              <a:fgClr>
+                <a:schemeClr val="accent1"/>
+              </a:fgClr>
+              <a:bgClr>
+                <a:schemeClr val="bg1"/>
+              </a:bgClr>
+            </a:pattFill>
+          </c:spPr>
           <c:invertIfNegative val="0"/>
           <c:errBars>
             <c:errBarType val="both"/>
@@ -1389,6 +1402,16 @@
           <c:tx>
             <c:v>Peer</c:v>
           </c:tx>
+          <c:spPr>
+            <a:pattFill prst="lgCheck">
+              <a:fgClr>
+                <a:schemeClr val="accent2"/>
+              </a:fgClr>
+              <a:bgClr>
+                <a:schemeClr val="bg1"/>
+              </a:bgClr>
+            </a:pattFill>
+          </c:spPr>
           <c:invertIfNegative val="0"/>
           <c:errBars>
             <c:errBarType val="both"/>
@@ -1490,11 +1513,11 @@
           <c:showBubbleSize val="0"/>
         </c:dLbls>
         <c:gapWidth val="150"/>
-        <c:axId val="600019968"/>
-        <c:axId val="554786112"/>
+        <c:axId val="530106368"/>
+        <c:axId val="528545408"/>
       </c:barChart>
       <c:catAx>
-        <c:axId val="600019968"/>
+        <c:axId val="530106368"/>
         <c:scaling>
           <c:orientation val="minMax"/>
         </c:scaling>
@@ -1503,7 +1526,7 @@
         <c:majorTickMark val="out"/>
         <c:minorTickMark val="none"/>
         <c:tickLblPos val="nextTo"/>
-        <c:crossAx val="554786112"/>
+        <c:crossAx val="528545408"/>
         <c:crosses val="autoZero"/>
         <c:auto val="1"/>
         <c:lblAlgn val="ctr"/>
@@ -1511,7 +1534,7 @@
         <c:noMultiLvlLbl val="0"/>
       </c:catAx>
       <c:valAx>
-        <c:axId val="554786112"/>
+        <c:axId val="528545408"/>
         <c:scaling>
           <c:orientation val="minMax"/>
         </c:scaling>
@@ -1528,7 +1551,7 @@
         <c:majorTickMark val="out"/>
         <c:minorTickMark val="none"/>
         <c:tickLblPos val="nextTo"/>
-        <c:crossAx val="600019968"/>
+        <c:crossAx val="530106368"/>
         <c:crosses val="autoZero"/>
         <c:crossBetween val="between"/>
       </c:valAx>
@@ -1619,6 +1642,16 @@
           <c:tx>
             <c:v>Dominant</c:v>
           </c:tx>
+          <c:spPr>
+            <a:pattFill prst="dkVert">
+              <a:fgClr>
+                <a:schemeClr val="accent1"/>
+              </a:fgClr>
+              <a:bgClr>
+                <a:schemeClr val="bg1"/>
+              </a:bgClr>
+            </a:pattFill>
+          </c:spPr>
           <c:invertIfNegative val="0"/>
           <c:errBars>
             <c:errBarType val="both"/>
@@ -1668,6 +1701,16 @@
           <c:tx>
             <c:v>Peer</c:v>
           </c:tx>
+          <c:spPr>
+            <a:pattFill prst="lgCheck">
+              <a:fgClr>
+                <a:schemeClr val="accent2"/>
+              </a:fgClr>
+              <a:bgClr>
+                <a:schemeClr val="bg1"/>
+              </a:bgClr>
+            </a:pattFill>
+          </c:spPr>
           <c:invertIfNegative val="0"/>
           <c:errBars>
             <c:errBarType val="both"/>
@@ -1769,11 +1812,11 @@
           <c:showBubbleSize val="0"/>
         </c:dLbls>
         <c:gapWidth val="150"/>
-        <c:axId val="551588352"/>
-        <c:axId val="556503552"/>
+        <c:axId val="530654720"/>
+        <c:axId val="529801216"/>
       </c:barChart>
       <c:catAx>
-        <c:axId val="551588352"/>
+        <c:axId val="530654720"/>
         <c:scaling>
           <c:orientation val="minMax"/>
         </c:scaling>
@@ -1782,7 +1825,7 @@
         <c:majorTickMark val="out"/>
         <c:minorTickMark val="none"/>
         <c:tickLblPos val="nextTo"/>
-        <c:crossAx val="556503552"/>
+        <c:crossAx val="529801216"/>
         <c:crosses val="autoZero"/>
         <c:auto val="1"/>
         <c:lblAlgn val="ctr"/>
@@ -1790,7 +1833,7 @@
         <c:noMultiLvlLbl val="0"/>
       </c:catAx>
       <c:valAx>
-        <c:axId val="556503552"/>
+        <c:axId val="529801216"/>
         <c:scaling>
           <c:orientation val="minMax"/>
         </c:scaling>
@@ -1800,7 +1843,7 @@
         <c:majorTickMark val="out"/>
         <c:minorTickMark val="none"/>
         <c:tickLblPos val="nextTo"/>
-        <c:crossAx val="551588352"/>
+        <c:crossAx val="530654720"/>
         <c:crosses val="autoZero"/>
         <c:crossBetween val="between"/>
       </c:valAx>
@@ -2202,7 +2245,7 @@
           <a:p>
             <a:fld id="{1F17CBEA-936F-4F05-85AA-285EEFFF4B60}" type="datetimeFigureOut">
               <a:rPr lang="fr-FR" smtClean="0"/>
-              <a:t>29/09/2016</a:t>
+              <a:t>10/10/2016</a:t>
             </a:fld>
             <a:endParaRPr lang="fr-FR"/>
           </a:p>
@@ -2372,7 +2415,7 @@
           <a:p>
             <a:fld id="{1F17CBEA-936F-4F05-85AA-285EEFFF4B60}" type="datetimeFigureOut">
               <a:rPr lang="fr-FR" smtClean="0"/>
-              <a:t>29/09/2016</a:t>
+              <a:t>10/10/2016</a:t>
             </a:fld>
             <a:endParaRPr lang="fr-FR"/>
           </a:p>
@@ -2552,7 +2595,7 @@
           <a:p>
             <a:fld id="{1F17CBEA-936F-4F05-85AA-285EEFFF4B60}" type="datetimeFigureOut">
               <a:rPr lang="fr-FR" smtClean="0"/>
-              <a:t>29/09/2016</a:t>
+              <a:t>10/10/2016</a:t>
             </a:fld>
             <a:endParaRPr lang="fr-FR"/>
           </a:p>
@@ -2722,7 +2765,7 @@
           <a:p>
             <a:fld id="{1F17CBEA-936F-4F05-85AA-285EEFFF4B60}" type="datetimeFigureOut">
               <a:rPr lang="fr-FR" smtClean="0"/>
-              <a:t>29/09/2016</a:t>
+              <a:t>10/10/2016</a:t>
             </a:fld>
             <a:endParaRPr lang="fr-FR"/>
           </a:p>
@@ -2968,7 +3011,7 @@
           <a:p>
             <a:fld id="{1F17CBEA-936F-4F05-85AA-285EEFFF4B60}" type="datetimeFigureOut">
               <a:rPr lang="fr-FR" smtClean="0"/>
-              <a:t>29/09/2016</a:t>
+              <a:t>10/10/2016</a:t>
             </a:fld>
             <a:endParaRPr lang="fr-FR"/>
           </a:p>
@@ -3256,7 +3299,7 @@
           <a:p>
             <a:fld id="{1F17CBEA-936F-4F05-85AA-285EEFFF4B60}" type="datetimeFigureOut">
               <a:rPr lang="fr-FR" smtClean="0"/>
-              <a:t>29/09/2016</a:t>
+              <a:t>10/10/2016</a:t>
             </a:fld>
             <a:endParaRPr lang="fr-FR"/>
           </a:p>
@@ -3678,7 +3721,7 @@
           <a:p>
             <a:fld id="{1F17CBEA-936F-4F05-85AA-285EEFFF4B60}" type="datetimeFigureOut">
               <a:rPr lang="fr-FR" smtClean="0"/>
-              <a:t>29/09/2016</a:t>
+              <a:t>10/10/2016</a:t>
             </a:fld>
             <a:endParaRPr lang="fr-FR"/>
           </a:p>
@@ -3796,7 +3839,7 @@
           <a:p>
             <a:fld id="{1F17CBEA-936F-4F05-85AA-285EEFFF4B60}" type="datetimeFigureOut">
               <a:rPr lang="fr-FR" smtClean="0"/>
-              <a:t>29/09/2016</a:t>
+              <a:t>10/10/2016</a:t>
             </a:fld>
             <a:endParaRPr lang="fr-FR"/>
           </a:p>
@@ -3891,7 +3934,7 @@
           <a:p>
             <a:fld id="{1F17CBEA-936F-4F05-85AA-285EEFFF4B60}" type="datetimeFigureOut">
               <a:rPr lang="fr-FR" smtClean="0"/>
-              <a:t>29/09/2016</a:t>
+              <a:t>10/10/2016</a:t>
             </a:fld>
             <a:endParaRPr lang="fr-FR"/>
           </a:p>
@@ -4168,7 +4211,7 @@
           <a:p>
             <a:fld id="{1F17CBEA-936F-4F05-85AA-285EEFFF4B60}" type="datetimeFigureOut">
               <a:rPr lang="fr-FR" smtClean="0"/>
-              <a:t>29/09/2016</a:t>
+              <a:t>10/10/2016</a:t>
             </a:fld>
             <a:endParaRPr lang="fr-FR"/>
           </a:p>
@@ -4421,7 +4464,7 @@
           <a:p>
             <a:fld id="{1F17CBEA-936F-4F05-85AA-285EEFFF4B60}" type="datetimeFigureOut">
               <a:rPr lang="fr-FR" smtClean="0"/>
-              <a:t>29/09/2016</a:t>
+              <a:t>10/10/2016</a:t>
             </a:fld>
             <a:endParaRPr lang="fr-FR"/>
           </a:p>
@@ -4634,7 +4677,7 @@
           <a:p>
             <a:fld id="{1F17CBEA-936F-4F05-85AA-285EEFFF4B60}" type="datetimeFigureOut">
               <a:rPr lang="fr-FR" smtClean="0"/>
-              <a:t>29/09/2016</a:t>
+              <a:t>10/10/2016</a:t>
             </a:fld>
             <a:endParaRPr lang="fr-FR"/>
           </a:p>
@@ -5032,7 +5075,7 @@
             <p:nvPr>
               <p:extLst>
                 <p:ext uri="{D42A27DB-BD31-4B8C-83A1-F6EECF244321}">
-                  <p14:modId xmlns:p14="http://schemas.microsoft.com/office/powerpoint/2010/main" val="496246859"/>
+                  <p14:modId xmlns:p14="http://schemas.microsoft.com/office/powerpoint/2010/main" val="1205804040"/>
                 </p:ext>
               </p:extLst>
             </p:nvPr>
@@ -5440,14 +5483,14 @@
       </p:grpSpPr>
       <p:grpSp>
         <p:nvGrpSpPr>
-          <p:cNvPr id="38" name="Groupe 37"/>
+          <p:cNvPr id="2" name="Groupe 1"/>
           <p:cNvGrpSpPr/>
           <p:nvPr/>
         </p:nvGrpSpPr>
         <p:grpSpPr>
           <a:xfrm>
-            <a:off x="2286000" y="2057400"/>
-            <a:ext cx="4230216" cy="3675856"/>
+            <a:off x="2286000" y="1772816"/>
+            <a:ext cx="4230216" cy="3960440"/>
             <a:chOff x="2286000" y="2057400"/>
             <a:chExt cx="4230216" cy="3675856"/>
           </a:xfrm>
@@ -5461,7 +5504,7 @@
             <p:nvPr>
               <p:extLst>
                 <p:ext uri="{D42A27DB-BD31-4B8C-83A1-F6EECF244321}">
-                  <p14:modId xmlns:p14="http://schemas.microsoft.com/office/powerpoint/2010/main" val="3397650868"/>
+                  <p14:modId xmlns:p14="http://schemas.microsoft.com/office/powerpoint/2010/main" val="3553200002"/>
                 </p:ext>
               </p:extLst>
             </p:nvPr>
@@ -5880,6 +5923,9 @@
                 <a:avLst/>
               </a:prstGeom>
               <a:noFill/>
+              <a:ln>
+                <a:noFill/>
+              </a:ln>
             </p:spPr>
             <p:txBody>
               <a:bodyPr wrap="none" rtlCol="0">
@@ -5910,6 +5956,9 @@
                 <a:avLst/>
               </a:prstGeom>
               <a:noFill/>
+              <a:ln>
+                <a:noFill/>
+              </a:ln>
             </p:spPr>
             <p:txBody>
               <a:bodyPr wrap="none" rtlCol="0">
@@ -5941,6 +5990,9 @@
               <a:avLst/>
             </a:prstGeom>
             <a:noFill/>
+            <a:ln>
+              <a:noFill/>
+            </a:ln>
           </p:spPr>
           <p:txBody>
             <a:bodyPr wrap="none" rtlCol="0">
@@ -6010,7 +6062,7 @@
             <p:nvPr>
               <p:extLst>
                 <p:ext uri="{D42A27DB-BD31-4B8C-83A1-F6EECF244321}">
-                  <p14:modId xmlns:p14="http://schemas.microsoft.com/office/powerpoint/2010/main" val="786090963"/>
+                  <p14:modId xmlns:p14="http://schemas.microsoft.com/office/powerpoint/2010/main" val="1563795826"/>
                 </p:ext>
               </p:extLst>
             </p:nvPr>
@@ -6530,14 +6582,14 @@
           <p:nvPr>
             <p:extLst>
               <p:ext uri="{D42A27DB-BD31-4B8C-83A1-F6EECF244321}">
-                <p14:modId xmlns:p14="http://schemas.microsoft.com/office/powerpoint/2010/main" val="3889531518"/>
+                <p14:modId xmlns:p14="http://schemas.microsoft.com/office/powerpoint/2010/main" val="1589832846"/>
               </p:ext>
             </p:extLst>
           </p:nvPr>
         </p:nvGraphicFramePr>
         <p:xfrm>
           <a:off x="2267744" y="1988840"/>
-          <a:ext cx="4392488" cy="4320480"/>
+          <a:ext cx="4392488" cy="3672408"/>
         </p:xfrm>
         <a:graphic>
           <a:graphicData uri="http://schemas.openxmlformats.org/drawingml/2006/chart">
@@ -6553,7 +6605,7 @@
         </p:nvGrpSpPr>
         <p:grpSpPr>
           <a:xfrm>
-            <a:off x="3275856" y="2708920"/>
+            <a:off x="3275856" y="2564904"/>
             <a:ext cx="1800200" cy="1440160"/>
             <a:chOff x="3491880" y="3140968"/>
             <a:chExt cx="1800200" cy="1440160"/>
@@ -6928,7 +6980,7 @@
         </p:nvSpPr>
         <p:spPr>
           <a:xfrm>
-            <a:off x="4375081" y="2852936"/>
+            <a:off x="4375081" y="2708920"/>
             <a:ext cx="615874" cy="276999"/>
           </a:xfrm>
           <a:prstGeom prst="rect">
@@ -6958,7 +7010,7 @@
         </p:nvSpPr>
         <p:spPr>
           <a:xfrm>
-            <a:off x="3471975" y="2852935"/>
+            <a:off x="3471975" y="2708919"/>
             <a:ext cx="615874" cy="276999"/>
           </a:xfrm>
           <a:prstGeom prst="rect">
@@ -6988,7 +7040,7 @@
         </p:nvSpPr>
         <p:spPr>
           <a:xfrm>
-            <a:off x="3986329" y="2492896"/>
+            <a:off x="3986329" y="2348880"/>
             <a:ext cx="615874" cy="276999"/>
           </a:xfrm>
           <a:prstGeom prst="rect">
@@ -7049,7 +7101,7 @@
           <p:nvPr>
             <p:extLst>
               <p:ext uri="{D42A27DB-BD31-4B8C-83A1-F6EECF244321}">
-                <p14:modId xmlns:p14="http://schemas.microsoft.com/office/powerpoint/2010/main" val="1197364265"/>
+                <p14:modId xmlns:p14="http://schemas.microsoft.com/office/powerpoint/2010/main" val="2012742508"/>
               </p:ext>
             </p:extLst>
           </p:nvPr>
@@ -7568,7 +7620,7 @@
           <p:nvPr>
             <p:extLst>
               <p:ext uri="{D42A27DB-BD31-4B8C-83A1-F6EECF244321}">
-                <p14:modId xmlns:p14="http://schemas.microsoft.com/office/powerpoint/2010/main" val="2029096457"/>
+                <p14:modId xmlns:p14="http://schemas.microsoft.com/office/powerpoint/2010/main" val="43051934"/>
               </p:ext>
             </p:extLst>
           </p:nvPr>

--- a/CrowdSourcingStudy/Results/chartsWithPvalues.pptx
+++ b/CrowdSourcingStudy/Results/chartsWithPvalues.pptx
@@ -6,12 +6,13 @@
   </p:sldMasterIdLst>
   <p:sldIdLst>
     <p:sldId id="256" r:id="rId2"/>
-    <p:sldId id="258" r:id="rId3"/>
-    <p:sldId id="259" r:id="rId4"/>
-    <p:sldId id="260" r:id="rId5"/>
-    <p:sldId id="261" r:id="rId6"/>
-    <p:sldId id="262" r:id="rId7"/>
-    <p:sldId id="257" r:id="rId8"/>
+    <p:sldId id="263" r:id="rId3"/>
+    <p:sldId id="258" r:id="rId4"/>
+    <p:sldId id="259" r:id="rId5"/>
+    <p:sldId id="260" r:id="rId6"/>
+    <p:sldId id="261" r:id="rId7"/>
+    <p:sldId id="262" r:id="rId8"/>
+    <p:sldId id="257" r:id="rId9"/>
   </p:sldIdLst>
   <p:sldSz cx="9144000" cy="6858000" type="screen4x3"/>
   <p:notesSz cx="6858000" cy="9144000"/>
@@ -259,11 +260,11 @@
           <c:showBubbleSize val="0"/>
         </c:dLbls>
         <c:gapWidth val="150"/>
-        <c:axId val="46087680"/>
-        <c:axId val="30625152"/>
+        <c:axId val="520422912"/>
+        <c:axId val="67531264"/>
       </c:barChart>
       <c:catAx>
-        <c:axId val="46087680"/>
+        <c:axId val="520422912"/>
         <c:scaling>
           <c:orientation val="minMax"/>
         </c:scaling>
@@ -272,7 +273,7 @@
         <c:majorTickMark val="none"/>
         <c:minorTickMark val="none"/>
         <c:tickLblPos val="nextTo"/>
-        <c:crossAx val="30625152"/>
+        <c:crossAx val="67531264"/>
         <c:crossesAt val="0"/>
         <c:auto val="1"/>
         <c:lblAlgn val="ctr"/>
@@ -280,7 +281,7 @@
         <c:noMultiLvlLbl val="0"/>
       </c:catAx>
       <c:valAx>
-        <c:axId val="30625152"/>
+        <c:axId val="67531264"/>
         <c:scaling>
           <c:orientation val="minMax"/>
           <c:max val="5"/>
@@ -295,24 +296,17 @@
             </a:ln>
           </c:spPr>
         </c:majorGridlines>
-        <c:title>
-          <c:layout/>
-          <c:overlay val="0"/>
-        </c:title>
         <c:numFmt formatCode="0.000" sourceLinked="1"/>
         <c:majorTickMark val="out"/>
         <c:minorTickMark val="none"/>
         <c:tickLblPos val="nextTo"/>
-        <c:crossAx val="46087680"/>
+        <c:crossAx val="520422912"/>
         <c:crosses val="autoZero"/>
         <c:crossBetween val="between"/>
         <c:majorUnit val="0.5"/>
-        <c:minorUnit val="0.1"/>
       </c:valAx>
       <c:spPr>
-        <a:solidFill>
-          <a:schemeClr val="bg1"/>
-        </a:solidFill>
+        <a:noFill/>
         <a:ln w="25400">
           <a:noFill/>
         </a:ln>
@@ -391,7 +385,17 @@
     </c:title>
     <c:autoTitleDeleted val="0"/>
     <c:plotArea>
-      <c:layout/>
+      <c:layout>
+        <c:manualLayout>
+          <c:layoutTarget val="inner"/>
+          <c:xMode val="edge"/>
+          <c:yMode val="edge"/>
+          <c:x val="0.11573782520797993"/>
+          <c:y val="0.32404657058306652"/>
+          <c:w val="0.64714827800755326"/>
+          <c:h val="0.64035081960590234"/>
+        </c:manualLayout>
+      </c:layout>
       <c:barChart>
         <c:barDir val="col"/>
         <c:grouping val="clustered"/>
@@ -577,11 +581,11 @@
           <c:showBubbleSize val="0"/>
         </c:dLbls>
         <c:gapWidth val="150"/>
-        <c:axId val="528778752"/>
-        <c:axId val="517249792"/>
+        <c:axId val="533054976"/>
+        <c:axId val="520493248"/>
       </c:barChart>
       <c:catAx>
-        <c:axId val="528778752"/>
+        <c:axId val="533054976"/>
         <c:scaling>
           <c:orientation val="minMax"/>
         </c:scaling>
@@ -590,7 +594,7 @@
         <c:majorTickMark val="none"/>
         <c:minorTickMark val="none"/>
         <c:tickLblPos val="nextTo"/>
-        <c:crossAx val="517249792"/>
+        <c:crossAx val="520493248"/>
         <c:crosses val="autoZero"/>
         <c:auto val="1"/>
         <c:lblAlgn val="ctr"/>
@@ -598,9 +602,10 @@
         <c:noMultiLvlLbl val="0"/>
       </c:catAx>
       <c:valAx>
-        <c:axId val="517249792"/>
+        <c:axId val="520493248"/>
         <c:scaling>
           <c:orientation val="minMax"/>
+          <c:max val="5"/>
         </c:scaling>
         <c:delete val="0"/>
         <c:axPos val="l"/>
@@ -608,9 +613,10 @@
         <c:majorTickMark val="none"/>
         <c:minorTickMark val="none"/>
         <c:tickLblPos val="nextTo"/>
-        <c:crossAx val="528778752"/>
+        <c:crossAx val="533054976"/>
         <c:crosses val="autoZero"/>
         <c:crossBetween val="between"/>
+        <c:majorUnit val="1"/>
       </c:valAx>
     </c:plotArea>
     <c:legend>
@@ -888,11 +894,11 @@
           <c:showBubbleSize val="0"/>
         </c:dLbls>
         <c:gapWidth val="150"/>
-        <c:axId val="529942016"/>
-        <c:axId val="528540800"/>
+        <c:axId val="536696320"/>
+        <c:axId val="522379840"/>
       </c:barChart>
       <c:catAx>
-        <c:axId val="529942016"/>
+        <c:axId val="536696320"/>
         <c:scaling>
           <c:orientation val="minMax"/>
         </c:scaling>
@@ -901,7 +907,7 @@
         <c:majorTickMark val="out"/>
         <c:minorTickMark val="none"/>
         <c:tickLblPos val="nextTo"/>
-        <c:crossAx val="528540800"/>
+        <c:crossAx val="522379840"/>
         <c:crosses val="autoZero"/>
         <c:auto val="1"/>
         <c:lblAlgn val="ctr"/>
@@ -909,9 +915,10 @@
         <c:noMultiLvlLbl val="0"/>
       </c:catAx>
       <c:valAx>
-        <c:axId val="528540800"/>
+        <c:axId val="522379840"/>
         <c:scaling>
           <c:orientation val="minMax"/>
+          <c:max val="5"/>
         </c:scaling>
         <c:delete val="0"/>
         <c:axPos val="l"/>
@@ -919,9 +926,10 @@
         <c:majorTickMark val="out"/>
         <c:minorTickMark val="none"/>
         <c:tickLblPos val="nextTo"/>
-        <c:crossAx val="529942016"/>
+        <c:crossAx val="536696320"/>
         <c:crosses val="autoZero"/>
         <c:crossBetween val="between"/>
+        <c:majorUnit val="1"/>
       </c:valAx>
     </c:plotArea>
     <c:legend>
@@ -1020,7 +1028,17 @@
     </c:title>
     <c:autoTitleDeleted val="0"/>
     <c:plotArea>
-      <c:layout/>
+      <c:layout>
+        <c:manualLayout>
+          <c:layoutTarget val="inner"/>
+          <c:xMode val="edge"/>
+          <c:yMode val="edge"/>
+          <c:x val="0.11146211440987432"/>
+          <c:y val="0.29075881546930515"/>
+          <c:w val="0.66018370454284681"/>
+          <c:h val="0.67084621316585724"/>
+        </c:manualLayout>
+      </c:layout>
       <c:barChart>
         <c:barDir val="col"/>
         <c:grouping val="clustered"/>
@@ -1206,11 +1224,11 @@
           <c:showBubbleSize val="0"/>
         </c:dLbls>
         <c:gapWidth val="150"/>
-        <c:axId val="530028032"/>
-        <c:axId val="528543104"/>
+        <c:axId val="536860160"/>
+        <c:axId val="522382144"/>
       </c:barChart>
       <c:catAx>
-        <c:axId val="530028032"/>
+        <c:axId val="536860160"/>
         <c:scaling>
           <c:orientation val="minMax"/>
         </c:scaling>
@@ -1219,7 +1237,7 @@
         <c:majorTickMark val="out"/>
         <c:minorTickMark val="none"/>
         <c:tickLblPos val="nextTo"/>
-        <c:crossAx val="528543104"/>
+        <c:crossAx val="522382144"/>
         <c:crosses val="autoZero"/>
         <c:auto val="1"/>
         <c:lblAlgn val="ctr"/>
@@ -1227,9 +1245,10 @@
         <c:noMultiLvlLbl val="0"/>
       </c:catAx>
       <c:valAx>
-        <c:axId val="528543104"/>
+        <c:axId val="522382144"/>
         <c:scaling>
           <c:orientation val="minMax"/>
+          <c:max val="5"/>
         </c:scaling>
         <c:delete val="0"/>
         <c:axPos val="l"/>
@@ -1244,7 +1263,7 @@
         <c:majorTickMark val="out"/>
         <c:minorTickMark val="none"/>
         <c:tickLblPos val="nextTo"/>
-        <c:crossAx val="530028032"/>
+        <c:crossAx val="536860160"/>
         <c:crosses val="autoZero"/>
         <c:crossBetween val="between"/>
       </c:valAx>
@@ -1513,11 +1532,11 @@
           <c:showBubbleSize val="0"/>
         </c:dLbls>
         <c:gapWidth val="150"/>
-        <c:axId val="530106368"/>
-        <c:axId val="528545408"/>
+        <c:axId val="536872960"/>
+        <c:axId val="522384448"/>
       </c:barChart>
       <c:catAx>
-        <c:axId val="530106368"/>
+        <c:axId val="536872960"/>
         <c:scaling>
           <c:orientation val="minMax"/>
         </c:scaling>
@@ -1526,7 +1545,7 @@
         <c:majorTickMark val="out"/>
         <c:minorTickMark val="none"/>
         <c:tickLblPos val="nextTo"/>
-        <c:crossAx val="528545408"/>
+        <c:crossAx val="522384448"/>
         <c:crosses val="autoZero"/>
         <c:auto val="1"/>
         <c:lblAlgn val="ctr"/>
@@ -1534,7 +1553,7 @@
         <c:noMultiLvlLbl val="0"/>
       </c:catAx>
       <c:valAx>
-        <c:axId val="528545408"/>
+        <c:axId val="522384448"/>
         <c:scaling>
           <c:orientation val="minMax"/>
         </c:scaling>
@@ -1551,7 +1570,7 @@
         <c:majorTickMark val="out"/>
         <c:minorTickMark val="none"/>
         <c:tickLblPos val="nextTo"/>
-        <c:crossAx val="530106368"/>
+        <c:crossAx val="536872960"/>
         <c:crosses val="autoZero"/>
         <c:crossBetween val="between"/>
       </c:valAx>
@@ -1812,11 +1831,11 @@
           <c:showBubbleSize val="0"/>
         </c:dLbls>
         <c:gapWidth val="150"/>
-        <c:axId val="530654720"/>
-        <c:axId val="529801216"/>
+        <c:axId val="537032192"/>
+        <c:axId val="522386752"/>
       </c:barChart>
       <c:catAx>
-        <c:axId val="530654720"/>
+        <c:axId val="537032192"/>
         <c:scaling>
           <c:orientation val="minMax"/>
         </c:scaling>
@@ -1825,7 +1844,7 @@
         <c:majorTickMark val="out"/>
         <c:minorTickMark val="none"/>
         <c:tickLblPos val="nextTo"/>
-        <c:crossAx val="529801216"/>
+        <c:crossAx val="522386752"/>
         <c:crosses val="autoZero"/>
         <c:auto val="1"/>
         <c:lblAlgn val="ctr"/>
@@ -1833,7 +1852,7 @@
         <c:noMultiLvlLbl val="0"/>
       </c:catAx>
       <c:valAx>
-        <c:axId val="529801216"/>
+        <c:axId val="522386752"/>
         <c:scaling>
           <c:orientation val="minMax"/>
         </c:scaling>
@@ -1843,7 +1862,7 @@
         <c:majorTickMark val="out"/>
         <c:minorTickMark val="none"/>
         <c:tickLblPos val="nextTo"/>
-        <c:crossAx val="530654720"/>
+        <c:crossAx val="537032192"/>
         <c:crosses val="autoZero"/>
         <c:crossBetween val="between"/>
       </c:valAx>
@@ -5052,404 +5071,389 @@
           <a:chExt cx="0" cy="0"/>
         </a:xfrm>
       </p:grpSpPr>
+      <p:graphicFrame>
+        <p:nvGraphicFramePr>
+          <p:cNvPr id="4" name="Graphique 3"/>
+          <p:cNvGraphicFramePr>
+            <a:graphicFrameLocks/>
+          </p:cNvGraphicFramePr>
+          <p:nvPr>
+            <p:extLst>
+              <p:ext uri="{D42A27DB-BD31-4B8C-83A1-F6EECF244321}">
+                <p14:modId xmlns:p14="http://schemas.microsoft.com/office/powerpoint/2010/main" val="3129192520"/>
+              </p:ext>
+            </p:extLst>
+          </p:nvPr>
+        </p:nvGraphicFramePr>
+        <p:xfrm>
+          <a:off x="2339752" y="2060848"/>
+          <a:ext cx="4248472" cy="3816424"/>
+        </p:xfrm>
+        <a:graphic>
+          <a:graphicData uri="http://schemas.openxmlformats.org/drawingml/2006/chart">
+            <c:chart xmlns:c="http://schemas.openxmlformats.org/drawingml/2006/chart" xmlns:r="http://schemas.openxmlformats.org/officeDocument/2006/relationships" r:id="rId2"/>
+          </a:graphicData>
+        </a:graphic>
+      </p:graphicFrame>
       <p:grpSp>
         <p:nvGrpSpPr>
-          <p:cNvPr id="41" name="Groupe 40"/>
+          <p:cNvPr id="16" name="Groupe 15"/>
           <p:cNvGrpSpPr/>
           <p:nvPr/>
         </p:nvGrpSpPr>
         <p:grpSpPr>
           <a:xfrm>
-            <a:off x="2339752" y="2060848"/>
-            <a:ext cx="4248472" cy="3459832"/>
-            <a:chOff x="2339752" y="2060848"/>
-            <a:chExt cx="4248472" cy="3459832"/>
+            <a:off x="3491880" y="3649439"/>
+            <a:ext cx="864096" cy="556007"/>
+            <a:chOff x="1259632" y="1124744"/>
+            <a:chExt cx="864096" cy="504056"/>
           </a:xfrm>
         </p:grpSpPr>
-        <p:graphicFrame>
-          <p:nvGraphicFramePr>
-            <p:cNvPr id="4" name="Graphique 3"/>
-            <p:cNvGraphicFramePr>
-              <a:graphicFrameLocks/>
-            </p:cNvGraphicFramePr>
-            <p:nvPr>
-              <p:extLst>
-                <p:ext uri="{D42A27DB-BD31-4B8C-83A1-F6EECF244321}">
-                  <p14:modId xmlns:p14="http://schemas.microsoft.com/office/powerpoint/2010/main" val="1205804040"/>
-                </p:ext>
-              </p:extLst>
-            </p:nvPr>
-          </p:nvGraphicFramePr>
-          <p:xfrm>
-            <a:off x="2339752" y="2060848"/>
-            <a:ext cx="4248472" cy="3459832"/>
-          </p:xfrm>
-          <a:graphic>
-            <a:graphicData uri="http://schemas.openxmlformats.org/drawingml/2006/chart">
-              <c:chart xmlns:c="http://schemas.openxmlformats.org/drawingml/2006/chart" xmlns:r="http://schemas.openxmlformats.org/officeDocument/2006/relationships" r:id="rId2"/>
-            </a:graphicData>
-          </a:graphic>
-        </p:graphicFrame>
-        <p:grpSp>
-          <p:nvGrpSpPr>
-            <p:cNvPr id="16" name="Groupe 15"/>
-            <p:cNvGrpSpPr/>
+        <p:cxnSp>
+          <p:nvCxnSpPr>
+            <p:cNvPr id="17" name="Connecteur droit 16"/>
+            <p:cNvCxnSpPr/>
             <p:nvPr/>
-          </p:nvGrpSpPr>
-          <p:grpSpPr>
+          </p:nvCxnSpPr>
+          <p:spPr>
+            <a:xfrm flipV="1">
+              <a:off x="1259632" y="1124744"/>
+              <a:ext cx="0" cy="504056"/>
+            </a:xfrm>
+            <a:prstGeom prst="line">
+              <a:avLst/>
+            </a:prstGeom>
+            <a:ln w="12700">
+              <a:solidFill>
+                <a:schemeClr val="tx1"/>
+              </a:solidFill>
+            </a:ln>
+          </p:spPr>
+          <p:style>
+            <a:lnRef idx="1">
+              <a:schemeClr val="accent1"/>
+            </a:lnRef>
+            <a:fillRef idx="0">
+              <a:schemeClr val="accent1"/>
+            </a:fillRef>
+            <a:effectRef idx="0">
+              <a:schemeClr val="accent1"/>
+            </a:effectRef>
+            <a:fontRef idx="minor">
+              <a:schemeClr val="tx1"/>
+            </a:fontRef>
+          </p:style>
+        </p:cxnSp>
+        <p:cxnSp>
+          <p:nvCxnSpPr>
+            <p:cNvPr id="18" name="Connecteur droit 17"/>
+            <p:cNvCxnSpPr/>
+            <p:nvPr/>
+          </p:nvCxnSpPr>
+          <p:spPr>
+            <a:xfrm flipV="1">
+              <a:off x="2123728" y="1124744"/>
+              <a:ext cx="0" cy="108012"/>
+            </a:xfrm>
+            <a:prstGeom prst="line">
+              <a:avLst/>
+            </a:prstGeom>
+            <a:ln w="12700">
+              <a:solidFill>
+                <a:schemeClr val="tx1"/>
+              </a:solidFill>
+            </a:ln>
+          </p:spPr>
+          <p:style>
+            <a:lnRef idx="1">
+              <a:schemeClr val="accent1"/>
+            </a:lnRef>
+            <a:fillRef idx="0">
+              <a:schemeClr val="accent1"/>
+            </a:fillRef>
+            <a:effectRef idx="0">
+              <a:schemeClr val="accent1"/>
+            </a:effectRef>
+            <a:fontRef idx="minor">
+              <a:schemeClr val="tx1"/>
+            </a:fontRef>
+          </p:style>
+        </p:cxnSp>
+        <p:cxnSp>
+          <p:nvCxnSpPr>
+            <p:cNvPr id="19" name="Connecteur droit 18"/>
+            <p:cNvCxnSpPr/>
+            <p:nvPr/>
+          </p:nvCxnSpPr>
+          <p:spPr>
             <a:xfrm>
-              <a:off x="3491880" y="3501008"/>
-              <a:ext cx="864096" cy="504056"/>
-              <a:chOff x="1259632" y="1124744"/>
-              <a:chExt cx="864096" cy="504056"/>
+              <a:off x="1259632" y="1124744"/>
+              <a:ext cx="864096" cy="0"/>
             </a:xfrm>
-          </p:grpSpPr>
-          <p:cxnSp>
-            <p:nvCxnSpPr>
-              <p:cNvPr id="17" name="Connecteur droit 16"/>
-              <p:cNvCxnSpPr/>
-              <p:nvPr/>
-            </p:nvCxnSpPr>
-            <p:spPr>
-              <a:xfrm flipV="1">
-                <a:off x="1259632" y="1124744"/>
-                <a:ext cx="0" cy="504056"/>
-              </a:xfrm>
-              <a:prstGeom prst="line">
-                <a:avLst/>
-              </a:prstGeom>
-              <a:ln w="12700">
-                <a:solidFill>
-                  <a:schemeClr val="tx1"/>
-                </a:solidFill>
-              </a:ln>
-            </p:spPr>
-            <p:style>
-              <a:lnRef idx="1">
-                <a:schemeClr val="accent1"/>
-              </a:lnRef>
-              <a:fillRef idx="0">
-                <a:schemeClr val="accent1"/>
-              </a:fillRef>
-              <a:effectRef idx="0">
-                <a:schemeClr val="accent1"/>
-              </a:effectRef>
-              <a:fontRef idx="minor">
+            <a:prstGeom prst="line">
+              <a:avLst/>
+            </a:prstGeom>
+            <a:ln w="12700">
+              <a:solidFill>
                 <a:schemeClr val="tx1"/>
-              </a:fontRef>
-            </p:style>
-          </p:cxnSp>
-          <p:cxnSp>
-            <p:nvCxnSpPr>
-              <p:cNvPr id="18" name="Connecteur droit 17"/>
-              <p:cNvCxnSpPr/>
-              <p:nvPr/>
-            </p:nvCxnSpPr>
-            <p:spPr>
-              <a:xfrm flipV="1">
-                <a:off x="2123728" y="1124744"/>
-                <a:ext cx="0" cy="108012"/>
-              </a:xfrm>
-              <a:prstGeom prst="line">
-                <a:avLst/>
-              </a:prstGeom>
-              <a:ln w="12700">
-                <a:solidFill>
-                  <a:schemeClr val="tx1"/>
-                </a:solidFill>
-              </a:ln>
-            </p:spPr>
-            <p:style>
-              <a:lnRef idx="1">
-                <a:schemeClr val="accent1"/>
-              </a:lnRef>
-              <a:fillRef idx="0">
-                <a:schemeClr val="accent1"/>
-              </a:fillRef>
-              <a:effectRef idx="0">
-                <a:schemeClr val="accent1"/>
-              </a:effectRef>
-              <a:fontRef idx="minor">
+              </a:solidFill>
+            </a:ln>
+          </p:spPr>
+          <p:style>
+            <a:lnRef idx="1">
+              <a:schemeClr val="accent1"/>
+            </a:lnRef>
+            <a:fillRef idx="0">
+              <a:schemeClr val="accent1"/>
+            </a:fillRef>
+            <a:effectRef idx="0">
+              <a:schemeClr val="accent1"/>
+            </a:effectRef>
+            <a:fontRef idx="minor">
+              <a:schemeClr val="tx1"/>
+            </a:fontRef>
+          </p:style>
+        </p:cxnSp>
+      </p:grpSp>
+      <p:grpSp>
+        <p:nvGrpSpPr>
+          <p:cNvPr id="22" name="Groupe 21"/>
+          <p:cNvGrpSpPr/>
+          <p:nvPr/>
+        </p:nvGrpSpPr>
+        <p:grpSpPr>
+          <a:xfrm>
+            <a:off x="4427984" y="3649439"/>
+            <a:ext cx="864096" cy="278004"/>
+            <a:chOff x="1259632" y="1124744"/>
+            <a:chExt cx="864096" cy="252028"/>
+          </a:xfrm>
+        </p:grpSpPr>
+        <p:cxnSp>
+          <p:nvCxnSpPr>
+            <p:cNvPr id="23" name="Connecteur droit 22"/>
+            <p:cNvCxnSpPr/>
+            <p:nvPr/>
+          </p:nvCxnSpPr>
+          <p:spPr>
+            <a:xfrm flipV="1">
+              <a:off x="1259632" y="1124744"/>
+              <a:ext cx="0" cy="108012"/>
+            </a:xfrm>
+            <a:prstGeom prst="line">
+              <a:avLst/>
+            </a:prstGeom>
+            <a:ln w="12700">
+              <a:solidFill>
                 <a:schemeClr val="tx1"/>
-              </a:fontRef>
-            </p:style>
-          </p:cxnSp>
-          <p:cxnSp>
-            <p:nvCxnSpPr>
-              <p:cNvPr id="19" name="Connecteur droit 18"/>
-              <p:cNvCxnSpPr/>
-              <p:nvPr/>
-            </p:nvCxnSpPr>
-            <p:spPr>
-              <a:xfrm>
-                <a:off x="1259632" y="1124744"/>
-                <a:ext cx="864096" cy="0"/>
-              </a:xfrm>
-              <a:prstGeom prst="line">
-                <a:avLst/>
-              </a:prstGeom>
-              <a:ln w="12700">
-                <a:solidFill>
-                  <a:schemeClr val="tx1"/>
-                </a:solidFill>
-              </a:ln>
-            </p:spPr>
-            <p:style>
-              <a:lnRef idx="1">
-                <a:schemeClr val="accent1"/>
-              </a:lnRef>
-              <a:fillRef idx="0">
-                <a:schemeClr val="accent1"/>
-              </a:fillRef>
-              <a:effectRef idx="0">
-                <a:schemeClr val="accent1"/>
-              </a:effectRef>
-              <a:fontRef idx="minor">
+              </a:solidFill>
+            </a:ln>
+          </p:spPr>
+          <p:style>
+            <a:lnRef idx="1">
+              <a:schemeClr val="accent1"/>
+            </a:lnRef>
+            <a:fillRef idx="0">
+              <a:schemeClr val="accent1"/>
+            </a:fillRef>
+            <a:effectRef idx="0">
+              <a:schemeClr val="accent1"/>
+            </a:effectRef>
+            <a:fontRef idx="minor">
+              <a:schemeClr val="tx1"/>
+            </a:fontRef>
+          </p:style>
+        </p:cxnSp>
+        <p:cxnSp>
+          <p:nvCxnSpPr>
+            <p:cNvPr id="24" name="Connecteur droit 23"/>
+            <p:cNvCxnSpPr/>
+            <p:nvPr/>
+          </p:nvCxnSpPr>
+          <p:spPr>
+            <a:xfrm flipV="1">
+              <a:off x="2123728" y="1124744"/>
+              <a:ext cx="0" cy="252028"/>
+            </a:xfrm>
+            <a:prstGeom prst="line">
+              <a:avLst/>
+            </a:prstGeom>
+            <a:ln w="12700">
+              <a:solidFill>
                 <a:schemeClr val="tx1"/>
-              </a:fontRef>
-            </p:style>
-          </p:cxnSp>
-        </p:grpSp>
-        <p:grpSp>
-          <p:nvGrpSpPr>
-            <p:cNvPr id="22" name="Groupe 21"/>
-            <p:cNvGrpSpPr/>
+              </a:solidFill>
+            </a:ln>
+          </p:spPr>
+          <p:style>
+            <a:lnRef idx="1">
+              <a:schemeClr val="accent1"/>
+            </a:lnRef>
+            <a:fillRef idx="0">
+              <a:schemeClr val="accent1"/>
+            </a:fillRef>
+            <a:effectRef idx="0">
+              <a:schemeClr val="accent1"/>
+            </a:effectRef>
+            <a:fontRef idx="minor">
+              <a:schemeClr val="tx1"/>
+            </a:fontRef>
+          </p:style>
+        </p:cxnSp>
+        <p:cxnSp>
+          <p:nvCxnSpPr>
+            <p:cNvPr id="25" name="Connecteur droit 24"/>
+            <p:cNvCxnSpPr/>
             <p:nvPr/>
-          </p:nvGrpSpPr>
-          <p:grpSpPr>
+          </p:nvCxnSpPr>
+          <p:spPr>
             <a:xfrm>
-              <a:off x="4427984" y="3501008"/>
-              <a:ext cx="864096" cy="252028"/>
-              <a:chOff x="1259632" y="1124744"/>
-              <a:chExt cx="864096" cy="252028"/>
+              <a:off x="1259632" y="1124744"/>
+              <a:ext cx="864096" cy="0"/>
             </a:xfrm>
-          </p:grpSpPr>
-          <p:cxnSp>
-            <p:nvCxnSpPr>
-              <p:cNvPr id="23" name="Connecteur droit 22"/>
-              <p:cNvCxnSpPr/>
-              <p:nvPr/>
-            </p:nvCxnSpPr>
-            <p:spPr>
-              <a:xfrm flipV="1">
-                <a:off x="1259632" y="1124744"/>
-                <a:ext cx="0" cy="108012"/>
-              </a:xfrm>
-              <a:prstGeom prst="line">
-                <a:avLst/>
-              </a:prstGeom>
-              <a:ln w="12700">
-                <a:solidFill>
-                  <a:schemeClr val="tx1"/>
-                </a:solidFill>
-              </a:ln>
-            </p:spPr>
-            <p:style>
-              <a:lnRef idx="1">
-                <a:schemeClr val="accent1"/>
-              </a:lnRef>
-              <a:fillRef idx="0">
-                <a:schemeClr val="accent1"/>
-              </a:fillRef>
-              <a:effectRef idx="0">
-                <a:schemeClr val="accent1"/>
-              </a:effectRef>
-              <a:fontRef idx="minor">
+            <a:prstGeom prst="line">
+              <a:avLst/>
+            </a:prstGeom>
+            <a:ln w="12700">
+              <a:solidFill>
                 <a:schemeClr val="tx1"/>
-              </a:fontRef>
-            </p:style>
-          </p:cxnSp>
-          <p:cxnSp>
-            <p:nvCxnSpPr>
-              <p:cNvPr id="24" name="Connecteur droit 23"/>
-              <p:cNvCxnSpPr/>
-              <p:nvPr/>
-            </p:nvCxnSpPr>
-            <p:spPr>
-              <a:xfrm flipV="1">
-                <a:off x="2123728" y="1124744"/>
-                <a:ext cx="0" cy="252028"/>
-              </a:xfrm>
-              <a:prstGeom prst="line">
-                <a:avLst/>
-              </a:prstGeom>
-              <a:ln w="12700">
-                <a:solidFill>
-                  <a:schemeClr val="tx1"/>
-                </a:solidFill>
-              </a:ln>
-            </p:spPr>
-            <p:style>
-              <a:lnRef idx="1">
-                <a:schemeClr val="accent1"/>
-              </a:lnRef>
-              <a:fillRef idx="0">
-                <a:schemeClr val="accent1"/>
-              </a:fillRef>
-              <a:effectRef idx="0">
-                <a:schemeClr val="accent1"/>
-              </a:effectRef>
-              <a:fontRef idx="minor">
+              </a:solidFill>
+            </a:ln>
+          </p:spPr>
+          <p:style>
+            <a:lnRef idx="1">
+              <a:schemeClr val="accent1"/>
+            </a:lnRef>
+            <a:fillRef idx="0">
+              <a:schemeClr val="accent1"/>
+            </a:fillRef>
+            <a:effectRef idx="0">
+              <a:schemeClr val="accent1"/>
+            </a:effectRef>
+            <a:fontRef idx="minor">
+              <a:schemeClr val="tx1"/>
+            </a:fontRef>
+          </p:style>
+        </p:cxnSp>
+      </p:grpSp>
+      <p:grpSp>
+        <p:nvGrpSpPr>
+          <p:cNvPr id="37" name="Groupe 36"/>
+          <p:cNvGrpSpPr/>
+          <p:nvPr/>
+        </p:nvGrpSpPr>
+        <p:grpSpPr>
+          <a:xfrm>
+            <a:off x="3599892" y="3252280"/>
+            <a:ext cx="1656184" cy="119144"/>
+            <a:chOff x="1259632" y="1124744"/>
+            <a:chExt cx="1656184" cy="108012"/>
+          </a:xfrm>
+        </p:grpSpPr>
+        <p:cxnSp>
+          <p:nvCxnSpPr>
+            <p:cNvPr id="38" name="Connecteur droit 37"/>
+            <p:cNvCxnSpPr/>
+            <p:nvPr/>
+          </p:nvCxnSpPr>
+          <p:spPr>
+            <a:xfrm flipV="1">
+              <a:off x="1259632" y="1124744"/>
+              <a:ext cx="0" cy="108012"/>
+            </a:xfrm>
+            <a:prstGeom prst="line">
+              <a:avLst/>
+            </a:prstGeom>
+            <a:ln w="12700">
+              <a:solidFill>
                 <a:schemeClr val="tx1"/>
-              </a:fontRef>
-            </p:style>
-          </p:cxnSp>
-          <p:cxnSp>
-            <p:nvCxnSpPr>
-              <p:cNvPr id="25" name="Connecteur droit 24"/>
-              <p:cNvCxnSpPr/>
-              <p:nvPr/>
-            </p:nvCxnSpPr>
-            <p:spPr>
-              <a:xfrm>
-                <a:off x="1259632" y="1124744"/>
-                <a:ext cx="864096" cy="0"/>
-              </a:xfrm>
-              <a:prstGeom prst="line">
-                <a:avLst/>
-              </a:prstGeom>
-              <a:ln w="12700">
-                <a:solidFill>
-                  <a:schemeClr val="tx1"/>
-                </a:solidFill>
-              </a:ln>
-            </p:spPr>
-            <p:style>
-              <a:lnRef idx="1">
-                <a:schemeClr val="accent1"/>
-              </a:lnRef>
-              <a:fillRef idx="0">
-                <a:schemeClr val="accent1"/>
-              </a:fillRef>
-              <a:effectRef idx="0">
-                <a:schemeClr val="accent1"/>
-              </a:effectRef>
-              <a:fontRef idx="minor">
+              </a:solidFill>
+            </a:ln>
+          </p:spPr>
+          <p:style>
+            <a:lnRef idx="1">
+              <a:schemeClr val="accent1"/>
+            </a:lnRef>
+            <a:fillRef idx="0">
+              <a:schemeClr val="accent1"/>
+            </a:fillRef>
+            <a:effectRef idx="0">
+              <a:schemeClr val="accent1"/>
+            </a:effectRef>
+            <a:fontRef idx="minor">
+              <a:schemeClr val="tx1"/>
+            </a:fontRef>
+          </p:style>
+        </p:cxnSp>
+        <p:cxnSp>
+          <p:nvCxnSpPr>
+            <p:cNvPr id="39" name="Connecteur droit 38"/>
+            <p:cNvCxnSpPr/>
+            <p:nvPr/>
+          </p:nvCxnSpPr>
+          <p:spPr>
+            <a:xfrm flipV="1">
+              <a:off x="2915816" y="1124744"/>
+              <a:ext cx="0" cy="108012"/>
+            </a:xfrm>
+            <a:prstGeom prst="line">
+              <a:avLst/>
+            </a:prstGeom>
+            <a:ln w="12700">
+              <a:solidFill>
                 <a:schemeClr val="tx1"/>
-              </a:fontRef>
-            </p:style>
-          </p:cxnSp>
-        </p:grpSp>
-        <p:grpSp>
-          <p:nvGrpSpPr>
-            <p:cNvPr id="37" name="Groupe 36"/>
-            <p:cNvGrpSpPr/>
+              </a:solidFill>
+            </a:ln>
+          </p:spPr>
+          <p:style>
+            <a:lnRef idx="1">
+              <a:schemeClr val="accent1"/>
+            </a:lnRef>
+            <a:fillRef idx="0">
+              <a:schemeClr val="accent1"/>
+            </a:fillRef>
+            <a:effectRef idx="0">
+              <a:schemeClr val="accent1"/>
+            </a:effectRef>
+            <a:fontRef idx="minor">
+              <a:schemeClr val="tx1"/>
+            </a:fontRef>
+          </p:style>
+        </p:cxnSp>
+        <p:cxnSp>
+          <p:nvCxnSpPr>
+            <p:cNvPr id="40" name="Connecteur droit 39"/>
+            <p:cNvCxnSpPr/>
             <p:nvPr/>
-          </p:nvGrpSpPr>
-          <p:grpSpPr>
+          </p:nvCxnSpPr>
+          <p:spPr>
             <a:xfrm>
-              <a:off x="3599892" y="3140968"/>
-              <a:ext cx="1656184" cy="108012"/>
-              <a:chOff x="1259632" y="1124744"/>
-              <a:chExt cx="1656184" cy="108012"/>
+              <a:off x="1259632" y="1124744"/>
+              <a:ext cx="1656184" cy="0"/>
             </a:xfrm>
-          </p:grpSpPr>
-          <p:cxnSp>
-            <p:nvCxnSpPr>
-              <p:cNvPr id="38" name="Connecteur droit 37"/>
-              <p:cNvCxnSpPr/>
-              <p:nvPr/>
-            </p:nvCxnSpPr>
-            <p:spPr>
-              <a:xfrm flipV="1">
-                <a:off x="1259632" y="1124744"/>
-                <a:ext cx="0" cy="108012"/>
-              </a:xfrm>
-              <a:prstGeom prst="line">
-                <a:avLst/>
-              </a:prstGeom>
-              <a:ln w="12700">
-                <a:solidFill>
-                  <a:schemeClr val="tx1"/>
-                </a:solidFill>
-              </a:ln>
-            </p:spPr>
-            <p:style>
-              <a:lnRef idx="1">
-                <a:schemeClr val="accent1"/>
-              </a:lnRef>
-              <a:fillRef idx="0">
-                <a:schemeClr val="accent1"/>
-              </a:fillRef>
-              <a:effectRef idx="0">
-                <a:schemeClr val="accent1"/>
-              </a:effectRef>
-              <a:fontRef idx="minor">
+            <a:prstGeom prst="line">
+              <a:avLst/>
+            </a:prstGeom>
+            <a:ln w="12700">
+              <a:solidFill>
                 <a:schemeClr val="tx1"/>
-              </a:fontRef>
-            </p:style>
-          </p:cxnSp>
-          <p:cxnSp>
-            <p:nvCxnSpPr>
-              <p:cNvPr id="39" name="Connecteur droit 38"/>
-              <p:cNvCxnSpPr/>
-              <p:nvPr/>
-            </p:nvCxnSpPr>
-            <p:spPr>
-              <a:xfrm flipV="1">
-                <a:off x="2915816" y="1124744"/>
-                <a:ext cx="0" cy="108012"/>
-              </a:xfrm>
-              <a:prstGeom prst="line">
-                <a:avLst/>
-              </a:prstGeom>
-              <a:ln w="12700">
-                <a:solidFill>
-                  <a:schemeClr val="tx1"/>
-                </a:solidFill>
-              </a:ln>
-            </p:spPr>
-            <p:style>
-              <a:lnRef idx="1">
-                <a:schemeClr val="accent1"/>
-              </a:lnRef>
-              <a:fillRef idx="0">
-                <a:schemeClr val="accent1"/>
-              </a:fillRef>
-              <a:effectRef idx="0">
-                <a:schemeClr val="accent1"/>
-              </a:effectRef>
-              <a:fontRef idx="minor">
-                <a:schemeClr val="tx1"/>
-              </a:fontRef>
-            </p:style>
-          </p:cxnSp>
-          <p:cxnSp>
-            <p:nvCxnSpPr>
-              <p:cNvPr id="40" name="Connecteur droit 39"/>
-              <p:cNvCxnSpPr/>
-              <p:nvPr/>
-            </p:nvCxnSpPr>
-            <p:spPr>
-              <a:xfrm>
-                <a:off x="1259632" y="1124744"/>
-                <a:ext cx="1656184" cy="0"/>
-              </a:xfrm>
-              <a:prstGeom prst="line">
-                <a:avLst/>
-              </a:prstGeom>
-              <a:ln w="12700">
-                <a:solidFill>
-                  <a:schemeClr val="tx1"/>
-                </a:solidFill>
-              </a:ln>
-            </p:spPr>
-            <p:style>
-              <a:lnRef idx="1">
-                <a:schemeClr val="accent1"/>
-              </a:lnRef>
-              <a:fillRef idx="0">
-                <a:schemeClr val="accent1"/>
-              </a:fillRef>
-              <a:effectRef idx="0">
-                <a:schemeClr val="accent1"/>
-              </a:effectRef>
-              <a:fontRef idx="minor">
-                <a:schemeClr val="tx1"/>
-              </a:fontRef>
-            </p:style>
-          </p:cxnSp>
-        </p:grpSp>
+              </a:solidFill>
+            </a:ln>
+          </p:spPr>
+          <p:style>
+            <a:lnRef idx="1">
+              <a:schemeClr val="accent1"/>
+            </a:lnRef>
+            <a:fillRef idx="0">
+              <a:schemeClr val="accent1"/>
+            </a:fillRef>
+            <a:effectRef idx="0">
+              <a:schemeClr val="accent1"/>
+            </a:effectRef>
+            <a:fontRef idx="minor">
+              <a:schemeClr val="tx1"/>
+            </a:fontRef>
+          </p:style>
+        </p:cxnSp>
       </p:grpSp>
     </p:spTree>
     <p:extLst>
@@ -5481,44 +5485,74 @@
           <a:chExt cx="0" cy="0"/>
         </a:xfrm>
       </p:grpSpPr>
+    </p:spTree>
+    <p:extLst>
+      <p:ext uri="{BB962C8B-B14F-4D97-AF65-F5344CB8AC3E}">
+        <p14:creationId xmlns:p14="http://schemas.microsoft.com/office/powerpoint/2010/main" val="946769504"/>
+      </p:ext>
+    </p:extLst>
+  </p:cSld>
+  <p:clrMapOvr>
+    <a:masterClrMapping/>
+  </p:clrMapOvr>
+</p:sld>
+</file>
+
+<file path=ppt/slides/slide3.xml><?xml version="1.0" encoding="utf-8"?>
+<p:sld xmlns:a="http://schemas.openxmlformats.org/drawingml/2006/main" xmlns:r="http://schemas.openxmlformats.org/officeDocument/2006/relationships" xmlns:p="http://schemas.openxmlformats.org/presentationml/2006/main">
+  <p:cSld>
+    <p:spTree>
+      <p:nvGrpSpPr>
+        <p:cNvPr id="1" name=""/>
+        <p:cNvGrpSpPr/>
+        <p:nvPr/>
+      </p:nvGrpSpPr>
+      <p:grpSpPr>
+        <a:xfrm>
+          <a:off x="0" y="0"/>
+          <a:ext cx="0" cy="0"/>
+          <a:chOff x="0" y="0"/>
+          <a:chExt cx="0" cy="0"/>
+        </a:xfrm>
+      </p:grpSpPr>
+      <p:graphicFrame>
+        <p:nvGraphicFramePr>
+          <p:cNvPr id="4" name="Graphique 3"/>
+          <p:cNvGraphicFramePr>
+            <a:graphicFrameLocks/>
+          </p:cNvGraphicFramePr>
+          <p:nvPr>
+            <p:extLst>
+              <p:ext uri="{D42A27DB-BD31-4B8C-83A1-F6EECF244321}">
+                <p14:modId xmlns:p14="http://schemas.microsoft.com/office/powerpoint/2010/main" val="2676830154"/>
+              </p:ext>
+            </p:extLst>
+          </p:nvPr>
+        </p:nvGraphicFramePr>
+        <p:xfrm>
+          <a:off x="2286000" y="1772816"/>
+          <a:ext cx="4230216" cy="3960440"/>
+        </p:xfrm>
+        <a:graphic>
+          <a:graphicData uri="http://schemas.openxmlformats.org/drawingml/2006/chart">
+            <c:chart xmlns:c="http://schemas.openxmlformats.org/drawingml/2006/chart" xmlns:r="http://schemas.openxmlformats.org/officeDocument/2006/relationships" r:id="rId2"/>
+          </a:graphicData>
+        </a:graphic>
+      </p:graphicFrame>
       <p:grpSp>
         <p:nvGrpSpPr>
-          <p:cNvPr id="2" name="Groupe 1"/>
+          <p:cNvPr id="3" name="Groupe 2"/>
           <p:cNvGrpSpPr/>
           <p:nvPr/>
         </p:nvGrpSpPr>
         <p:grpSpPr>
           <a:xfrm>
-            <a:off x="2286000" y="1772816"/>
-            <a:ext cx="4230216" cy="3960440"/>
-            <a:chOff x="2286000" y="2057400"/>
-            <a:chExt cx="4230216" cy="3675856"/>
+            <a:off x="3275856" y="2412439"/>
+            <a:ext cx="1800200" cy="1458829"/>
+            <a:chOff x="3275856" y="2412439"/>
+            <a:chExt cx="1800200" cy="1458829"/>
           </a:xfrm>
         </p:grpSpPr>
-        <p:graphicFrame>
-          <p:nvGraphicFramePr>
-            <p:cNvPr id="4" name="Graphique 3"/>
-            <p:cNvGraphicFramePr>
-              <a:graphicFrameLocks/>
-            </p:cNvGraphicFramePr>
-            <p:nvPr>
-              <p:extLst>
-                <p:ext uri="{D42A27DB-BD31-4B8C-83A1-F6EECF244321}">
-                  <p14:modId xmlns:p14="http://schemas.microsoft.com/office/powerpoint/2010/main" val="3553200002"/>
-                </p:ext>
-              </p:extLst>
-            </p:nvPr>
-          </p:nvGraphicFramePr>
-          <p:xfrm>
-            <a:off x="2286000" y="2057400"/>
-            <a:ext cx="4230216" cy="3675856"/>
-          </p:xfrm>
-          <a:graphic>
-            <a:graphicData uri="http://schemas.openxmlformats.org/drawingml/2006/chart">
-              <c:chart xmlns:c="http://schemas.openxmlformats.org/drawingml/2006/chart" xmlns:r="http://schemas.openxmlformats.org/officeDocument/2006/relationships" r:id="rId2"/>
-            </a:graphicData>
-          </a:graphic>
-        </p:graphicFrame>
         <p:grpSp>
           <p:nvGrpSpPr>
             <p:cNvPr id="37" name="Groupe 36"/>
@@ -5527,8 +5561,8 @@
           </p:nvGrpSpPr>
           <p:grpSpPr>
             <a:xfrm>
-              <a:off x="3275856" y="2888939"/>
-              <a:ext cx="1800200" cy="1116125"/>
+              <a:off x="3275856" y="2668733"/>
+              <a:ext cx="1800200" cy="1202535"/>
               <a:chOff x="3275856" y="2816931"/>
               <a:chExt cx="1800200" cy="1116125"/>
             </a:xfrm>
@@ -5983,8 +6017,8 @@
           </p:nvSpPr>
           <p:spPr>
             <a:xfrm>
-              <a:off x="3899576" y="2651062"/>
-              <a:ext cx="729687" cy="276999"/>
+              <a:off x="3899576" y="2412439"/>
+              <a:ext cx="729687" cy="298444"/>
             </a:xfrm>
             <a:prstGeom prst="rect">
               <a:avLst/>
@@ -6022,540 +6056,6 @@
 </p:sld>
 </file>
 
-<file path=ppt/slides/slide3.xml><?xml version="1.0" encoding="utf-8"?>
-<p:sld xmlns:a="http://schemas.openxmlformats.org/drawingml/2006/main" xmlns:r="http://schemas.openxmlformats.org/officeDocument/2006/relationships" xmlns:p="http://schemas.openxmlformats.org/presentationml/2006/main">
-  <p:cSld>
-    <p:spTree>
-      <p:nvGrpSpPr>
-        <p:cNvPr id="1" name=""/>
-        <p:cNvGrpSpPr/>
-        <p:nvPr/>
-      </p:nvGrpSpPr>
-      <p:grpSpPr>
-        <a:xfrm>
-          <a:off x="0" y="0"/>
-          <a:ext cx="0" cy="0"/>
-          <a:chOff x="0" y="0"/>
-          <a:chExt cx="0" cy="0"/>
-        </a:xfrm>
-      </p:grpSpPr>
-      <p:grpSp>
-        <p:nvGrpSpPr>
-          <p:cNvPr id="27" name="Groupe 26"/>
-          <p:cNvGrpSpPr/>
-          <p:nvPr/>
-        </p:nvGrpSpPr>
-        <p:grpSpPr>
-          <a:xfrm>
-            <a:off x="2267744" y="2060848"/>
-            <a:ext cx="4392488" cy="3456384"/>
-            <a:chOff x="2267744" y="2060848"/>
-            <a:chExt cx="4392488" cy="3456384"/>
-          </a:xfrm>
-        </p:grpSpPr>
-        <p:graphicFrame>
-          <p:nvGraphicFramePr>
-            <p:cNvPr id="4" name="Graphique 3"/>
-            <p:cNvGraphicFramePr>
-              <a:graphicFrameLocks/>
-            </p:cNvGraphicFramePr>
-            <p:nvPr>
-              <p:extLst>
-                <p:ext uri="{D42A27DB-BD31-4B8C-83A1-F6EECF244321}">
-                  <p14:modId xmlns:p14="http://schemas.microsoft.com/office/powerpoint/2010/main" val="1563795826"/>
-                </p:ext>
-              </p:extLst>
-            </p:nvPr>
-          </p:nvGraphicFramePr>
-          <p:xfrm>
-            <a:off x="2267744" y="2060848"/>
-            <a:ext cx="4392488" cy="3456384"/>
-          </p:xfrm>
-          <a:graphic>
-            <a:graphicData uri="http://schemas.openxmlformats.org/drawingml/2006/chart">
-              <c:chart xmlns:c="http://schemas.openxmlformats.org/drawingml/2006/chart" xmlns:r="http://schemas.openxmlformats.org/officeDocument/2006/relationships" r:id="rId2"/>
-            </a:graphicData>
-          </a:graphic>
-        </p:graphicFrame>
-        <p:grpSp>
-          <p:nvGrpSpPr>
-            <p:cNvPr id="5" name="Groupe 4"/>
-            <p:cNvGrpSpPr/>
-            <p:nvPr/>
-          </p:nvGrpSpPr>
-          <p:grpSpPr>
-            <a:xfrm>
-              <a:off x="3347864" y="2769895"/>
-              <a:ext cx="1800200" cy="612068"/>
-              <a:chOff x="3491880" y="3140968"/>
-              <a:chExt cx="1800200" cy="612068"/>
-            </a:xfrm>
-          </p:grpSpPr>
-          <p:grpSp>
-            <p:nvGrpSpPr>
-              <p:cNvPr id="6" name="Groupe 5"/>
-              <p:cNvGrpSpPr/>
-              <p:nvPr/>
-            </p:nvGrpSpPr>
-            <p:grpSpPr>
-              <a:xfrm>
-                <a:off x="3491880" y="3501008"/>
-                <a:ext cx="864096" cy="252028"/>
-                <a:chOff x="1259632" y="1124744"/>
-                <a:chExt cx="864096" cy="252028"/>
-              </a:xfrm>
-            </p:grpSpPr>
-            <p:cxnSp>
-              <p:nvCxnSpPr>
-                <p:cNvPr id="15" name="Connecteur droit 14"/>
-                <p:cNvCxnSpPr/>
-                <p:nvPr/>
-              </p:nvCxnSpPr>
-              <p:spPr>
-                <a:xfrm flipV="1">
-                  <a:off x="1259632" y="1124744"/>
-                  <a:ext cx="0" cy="126014"/>
-                </a:xfrm>
-                <a:prstGeom prst="line">
-                  <a:avLst/>
-                </a:prstGeom>
-                <a:ln w="12700">
-                  <a:solidFill>
-                    <a:schemeClr val="tx1"/>
-                  </a:solidFill>
-                </a:ln>
-              </p:spPr>
-              <p:style>
-                <a:lnRef idx="1">
-                  <a:schemeClr val="accent1"/>
-                </a:lnRef>
-                <a:fillRef idx="0">
-                  <a:schemeClr val="accent1"/>
-                </a:fillRef>
-                <a:effectRef idx="0">
-                  <a:schemeClr val="accent1"/>
-                </a:effectRef>
-                <a:fontRef idx="minor">
-                  <a:schemeClr val="tx1"/>
-                </a:fontRef>
-              </p:style>
-            </p:cxnSp>
-            <p:cxnSp>
-              <p:nvCxnSpPr>
-                <p:cNvPr id="16" name="Connecteur droit 15"/>
-                <p:cNvCxnSpPr/>
-                <p:nvPr/>
-              </p:nvCxnSpPr>
-              <p:spPr>
-                <a:xfrm flipV="1">
-                  <a:off x="2123728" y="1124744"/>
-                  <a:ext cx="0" cy="252028"/>
-                </a:xfrm>
-                <a:prstGeom prst="line">
-                  <a:avLst/>
-                </a:prstGeom>
-                <a:ln w="12700">
-                  <a:solidFill>
-                    <a:schemeClr val="tx1"/>
-                  </a:solidFill>
-                </a:ln>
-              </p:spPr>
-              <p:style>
-                <a:lnRef idx="1">
-                  <a:schemeClr val="accent1"/>
-                </a:lnRef>
-                <a:fillRef idx="0">
-                  <a:schemeClr val="accent1"/>
-                </a:fillRef>
-                <a:effectRef idx="0">
-                  <a:schemeClr val="accent1"/>
-                </a:effectRef>
-                <a:fontRef idx="minor">
-                  <a:schemeClr val="tx1"/>
-                </a:fontRef>
-              </p:style>
-            </p:cxnSp>
-            <p:cxnSp>
-              <p:nvCxnSpPr>
-                <p:cNvPr id="17" name="Connecteur droit 16"/>
-                <p:cNvCxnSpPr/>
-                <p:nvPr/>
-              </p:nvCxnSpPr>
-              <p:spPr>
-                <a:xfrm>
-                  <a:off x="1259632" y="1124744"/>
-                  <a:ext cx="864096" cy="0"/>
-                </a:xfrm>
-                <a:prstGeom prst="line">
-                  <a:avLst/>
-                </a:prstGeom>
-                <a:ln w="12700">
-                  <a:solidFill>
-                    <a:schemeClr val="tx1"/>
-                  </a:solidFill>
-                </a:ln>
-              </p:spPr>
-              <p:style>
-                <a:lnRef idx="1">
-                  <a:schemeClr val="accent1"/>
-                </a:lnRef>
-                <a:fillRef idx="0">
-                  <a:schemeClr val="accent1"/>
-                </a:fillRef>
-                <a:effectRef idx="0">
-                  <a:schemeClr val="accent1"/>
-                </a:effectRef>
-                <a:fontRef idx="minor">
-                  <a:schemeClr val="tx1"/>
-                </a:fontRef>
-              </p:style>
-            </p:cxnSp>
-          </p:grpSp>
-          <p:grpSp>
-            <p:nvGrpSpPr>
-              <p:cNvPr id="7" name="Groupe 6"/>
-              <p:cNvGrpSpPr/>
-              <p:nvPr/>
-            </p:nvGrpSpPr>
-            <p:grpSpPr>
-              <a:xfrm>
-                <a:off x="4427984" y="3501008"/>
-                <a:ext cx="864096" cy="252028"/>
-                <a:chOff x="1259632" y="1124744"/>
-                <a:chExt cx="864096" cy="252028"/>
-              </a:xfrm>
-            </p:grpSpPr>
-            <p:cxnSp>
-              <p:nvCxnSpPr>
-                <p:cNvPr id="12" name="Connecteur droit 11"/>
-                <p:cNvCxnSpPr/>
-                <p:nvPr/>
-              </p:nvCxnSpPr>
-              <p:spPr>
-                <a:xfrm flipV="1">
-                  <a:off x="1259632" y="1124744"/>
-                  <a:ext cx="0" cy="252028"/>
-                </a:xfrm>
-                <a:prstGeom prst="line">
-                  <a:avLst/>
-                </a:prstGeom>
-                <a:ln w="12700">
-                  <a:solidFill>
-                    <a:schemeClr val="tx1"/>
-                  </a:solidFill>
-                </a:ln>
-              </p:spPr>
-              <p:style>
-                <a:lnRef idx="1">
-                  <a:schemeClr val="accent1"/>
-                </a:lnRef>
-                <a:fillRef idx="0">
-                  <a:schemeClr val="accent1"/>
-                </a:fillRef>
-                <a:effectRef idx="0">
-                  <a:schemeClr val="accent1"/>
-                </a:effectRef>
-                <a:fontRef idx="minor">
-                  <a:schemeClr val="tx1"/>
-                </a:fontRef>
-              </p:style>
-            </p:cxnSp>
-            <p:cxnSp>
-              <p:nvCxnSpPr>
-                <p:cNvPr id="13" name="Connecteur droit 12"/>
-                <p:cNvCxnSpPr/>
-                <p:nvPr/>
-              </p:nvCxnSpPr>
-              <p:spPr>
-                <a:xfrm flipV="1">
-                  <a:off x="2123728" y="1124744"/>
-                  <a:ext cx="0" cy="252028"/>
-                </a:xfrm>
-                <a:prstGeom prst="line">
-                  <a:avLst/>
-                </a:prstGeom>
-                <a:ln w="12700">
-                  <a:solidFill>
-                    <a:schemeClr val="tx1"/>
-                  </a:solidFill>
-                </a:ln>
-              </p:spPr>
-              <p:style>
-                <a:lnRef idx="1">
-                  <a:schemeClr val="accent1"/>
-                </a:lnRef>
-                <a:fillRef idx="0">
-                  <a:schemeClr val="accent1"/>
-                </a:fillRef>
-                <a:effectRef idx="0">
-                  <a:schemeClr val="accent1"/>
-                </a:effectRef>
-                <a:fontRef idx="minor">
-                  <a:schemeClr val="tx1"/>
-                </a:fontRef>
-              </p:style>
-            </p:cxnSp>
-            <p:cxnSp>
-              <p:nvCxnSpPr>
-                <p:cNvPr id="14" name="Connecteur droit 13"/>
-                <p:cNvCxnSpPr/>
-                <p:nvPr/>
-              </p:nvCxnSpPr>
-              <p:spPr>
-                <a:xfrm>
-                  <a:off x="1259632" y="1124744"/>
-                  <a:ext cx="864096" cy="0"/>
-                </a:xfrm>
-                <a:prstGeom prst="line">
-                  <a:avLst/>
-                </a:prstGeom>
-                <a:ln w="12700">
-                  <a:solidFill>
-                    <a:schemeClr val="tx1"/>
-                  </a:solidFill>
-                </a:ln>
-              </p:spPr>
-              <p:style>
-                <a:lnRef idx="1">
-                  <a:schemeClr val="accent1"/>
-                </a:lnRef>
-                <a:fillRef idx="0">
-                  <a:schemeClr val="accent1"/>
-                </a:fillRef>
-                <a:effectRef idx="0">
-                  <a:schemeClr val="accent1"/>
-                </a:effectRef>
-                <a:fontRef idx="minor">
-                  <a:schemeClr val="tx1"/>
-                </a:fontRef>
-              </p:style>
-            </p:cxnSp>
-          </p:grpSp>
-          <p:grpSp>
-            <p:nvGrpSpPr>
-              <p:cNvPr id="8" name="Groupe 7"/>
-              <p:cNvGrpSpPr/>
-              <p:nvPr/>
-            </p:nvGrpSpPr>
-            <p:grpSpPr>
-              <a:xfrm>
-                <a:off x="3599892" y="3140968"/>
-                <a:ext cx="1656184" cy="108012"/>
-                <a:chOff x="1259632" y="1124744"/>
-                <a:chExt cx="1656184" cy="108012"/>
-              </a:xfrm>
-            </p:grpSpPr>
-            <p:cxnSp>
-              <p:nvCxnSpPr>
-                <p:cNvPr id="9" name="Connecteur droit 8"/>
-                <p:cNvCxnSpPr/>
-                <p:nvPr/>
-              </p:nvCxnSpPr>
-              <p:spPr>
-                <a:xfrm flipV="1">
-                  <a:off x="1259632" y="1124744"/>
-                  <a:ext cx="0" cy="108012"/>
-                </a:xfrm>
-                <a:prstGeom prst="line">
-                  <a:avLst/>
-                </a:prstGeom>
-                <a:ln w="12700">
-                  <a:solidFill>
-                    <a:schemeClr val="tx1"/>
-                  </a:solidFill>
-                </a:ln>
-              </p:spPr>
-              <p:style>
-                <a:lnRef idx="1">
-                  <a:schemeClr val="accent1"/>
-                </a:lnRef>
-                <a:fillRef idx="0">
-                  <a:schemeClr val="accent1"/>
-                </a:fillRef>
-                <a:effectRef idx="0">
-                  <a:schemeClr val="accent1"/>
-                </a:effectRef>
-                <a:fontRef idx="minor">
-                  <a:schemeClr val="tx1"/>
-                </a:fontRef>
-              </p:style>
-            </p:cxnSp>
-            <p:cxnSp>
-              <p:nvCxnSpPr>
-                <p:cNvPr id="10" name="Connecteur droit 9"/>
-                <p:cNvCxnSpPr/>
-                <p:nvPr/>
-              </p:nvCxnSpPr>
-              <p:spPr>
-                <a:xfrm flipV="1">
-                  <a:off x="2915816" y="1124744"/>
-                  <a:ext cx="0" cy="108012"/>
-                </a:xfrm>
-                <a:prstGeom prst="line">
-                  <a:avLst/>
-                </a:prstGeom>
-                <a:ln w="12700">
-                  <a:solidFill>
-                    <a:schemeClr val="tx1"/>
-                  </a:solidFill>
-                </a:ln>
-              </p:spPr>
-              <p:style>
-                <a:lnRef idx="1">
-                  <a:schemeClr val="accent1"/>
-                </a:lnRef>
-                <a:fillRef idx="0">
-                  <a:schemeClr val="accent1"/>
-                </a:fillRef>
-                <a:effectRef idx="0">
-                  <a:schemeClr val="accent1"/>
-                </a:effectRef>
-                <a:fontRef idx="minor">
-                  <a:schemeClr val="tx1"/>
-                </a:fontRef>
-              </p:style>
-            </p:cxnSp>
-            <p:cxnSp>
-              <p:nvCxnSpPr>
-                <p:cNvPr id="11" name="Connecteur droit 10"/>
-                <p:cNvCxnSpPr/>
-                <p:nvPr/>
-              </p:nvCxnSpPr>
-              <p:spPr>
-                <a:xfrm>
-                  <a:off x="1259632" y="1124744"/>
-                  <a:ext cx="1656184" cy="0"/>
-                </a:xfrm>
-                <a:prstGeom prst="line">
-                  <a:avLst/>
-                </a:prstGeom>
-                <a:ln w="12700">
-                  <a:solidFill>
-                    <a:schemeClr val="tx1"/>
-                  </a:solidFill>
-                </a:ln>
-              </p:spPr>
-              <p:style>
-                <a:lnRef idx="1">
-                  <a:schemeClr val="accent1"/>
-                </a:lnRef>
-                <a:fillRef idx="0">
-                  <a:schemeClr val="accent1"/>
-                </a:fillRef>
-                <a:effectRef idx="0">
-                  <a:schemeClr val="accent1"/>
-                </a:effectRef>
-                <a:fontRef idx="minor">
-                  <a:schemeClr val="tx1"/>
-                </a:fontRef>
-              </p:style>
-            </p:cxnSp>
-          </p:grpSp>
-        </p:grpSp>
-        <p:sp>
-          <p:nvSpPr>
-            <p:cNvPr id="24" name="ZoneTexte 23"/>
-            <p:cNvSpPr txBox="1"/>
-            <p:nvPr/>
-          </p:nvSpPr>
-          <p:spPr>
-            <a:xfrm>
-              <a:off x="4375081" y="2924944"/>
-              <a:ext cx="615874" cy="276999"/>
-            </a:xfrm>
-            <a:prstGeom prst="rect">
-              <a:avLst/>
-            </a:prstGeom>
-            <a:noFill/>
-          </p:spPr>
-          <p:txBody>
-            <a:bodyPr wrap="none" rtlCol="0">
-              <a:spAutoFit/>
-            </a:bodyPr>
-            <a:lstStyle/>
-            <a:p>
-              <a:r>
-                <a:rPr lang="fr-FR" sz="1200" dirty="0" smtClean="0"/>
-                <a:t>P&gt;0,05</a:t>
-              </a:r>
-              <a:endParaRPr lang="fr-FR" sz="1600" dirty="0"/>
-            </a:p>
-          </p:txBody>
-        </p:sp>
-        <p:sp>
-          <p:nvSpPr>
-            <p:cNvPr id="25" name="ZoneTexte 24"/>
-            <p:cNvSpPr txBox="1"/>
-            <p:nvPr/>
-          </p:nvSpPr>
-          <p:spPr>
-            <a:xfrm>
-              <a:off x="3471975" y="2924943"/>
-              <a:ext cx="615874" cy="276999"/>
-            </a:xfrm>
-            <a:prstGeom prst="rect">
-              <a:avLst/>
-            </a:prstGeom>
-            <a:noFill/>
-          </p:spPr>
-          <p:txBody>
-            <a:bodyPr wrap="none" rtlCol="0">
-              <a:spAutoFit/>
-            </a:bodyPr>
-            <a:lstStyle/>
-            <a:p>
-              <a:r>
-                <a:rPr lang="fr-FR" sz="1200" dirty="0" smtClean="0"/>
-                <a:t>P&gt;0,05</a:t>
-              </a:r>
-              <a:endParaRPr lang="fr-FR" sz="1600" dirty="0"/>
-            </a:p>
-          </p:txBody>
-        </p:sp>
-        <p:sp>
-          <p:nvSpPr>
-            <p:cNvPr id="26" name="ZoneTexte 25"/>
-            <p:cNvSpPr txBox="1"/>
-            <p:nvPr/>
-          </p:nvSpPr>
-          <p:spPr>
-            <a:xfrm>
-              <a:off x="3986329" y="2564904"/>
-              <a:ext cx="615874" cy="276999"/>
-            </a:xfrm>
-            <a:prstGeom prst="rect">
-              <a:avLst/>
-            </a:prstGeom>
-            <a:noFill/>
-          </p:spPr>
-          <p:txBody>
-            <a:bodyPr wrap="none" rtlCol="0">
-              <a:spAutoFit/>
-            </a:bodyPr>
-            <a:lstStyle/>
-            <a:p>
-              <a:r>
-                <a:rPr lang="fr-FR" sz="1200" dirty="0" smtClean="0"/>
-                <a:t>P&gt;0,05</a:t>
-              </a:r>
-              <a:endParaRPr lang="fr-FR" sz="1600" dirty="0"/>
-            </a:p>
-          </p:txBody>
-        </p:sp>
-      </p:grpSp>
-    </p:spTree>
-    <p:extLst>
-      <p:ext uri="{BB962C8B-B14F-4D97-AF65-F5344CB8AC3E}">
-        <p14:creationId xmlns:p14="http://schemas.microsoft.com/office/powerpoint/2010/main" val="2213432507"/>
-      </p:ext>
-    </p:extLst>
-  </p:cSld>
-  <p:clrMapOvr>
-    <a:masterClrMapping/>
-  </p:clrMapOvr>
-</p:sld>
-</file>
-
 <file path=ppt/slides/slide4.xml><?xml version="1.0" encoding="utf-8"?>
 <p:sld xmlns:a="http://schemas.openxmlformats.org/drawingml/2006/main" xmlns:r="http://schemas.openxmlformats.org/officeDocument/2006/relationships" xmlns:p="http://schemas.openxmlformats.org/presentationml/2006/main">
   <p:cSld>
@@ -6582,7 +6082,526 @@
           <p:nvPr>
             <p:extLst>
               <p:ext uri="{D42A27DB-BD31-4B8C-83A1-F6EECF244321}">
-                <p14:modId xmlns:p14="http://schemas.microsoft.com/office/powerpoint/2010/main" val="1589832846"/>
+                <p14:modId xmlns:p14="http://schemas.microsoft.com/office/powerpoint/2010/main" val="2443054544"/>
+              </p:ext>
+            </p:extLst>
+          </p:nvPr>
+        </p:nvGraphicFramePr>
+        <p:xfrm>
+          <a:off x="2267744" y="2060848"/>
+          <a:ext cx="4392488" cy="3456384"/>
+        </p:xfrm>
+        <a:graphic>
+          <a:graphicData uri="http://schemas.openxmlformats.org/drawingml/2006/chart">
+            <c:chart xmlns:c="http://schemas.openxmlformats.org/drawingml/2006/chart" xmlns:r="http://schemas.openxmlformats.org/officeDocument/2006/relationships" r:id="rId2"/>
+          </a:graphicData>
+        </a:graphic>
+      </p:graphicFrame>
+      <p:grpSp>
+        <p:nvGrpSpPr>
+          <p:cNvPr id="5" name="Groupe 4"/>
+          <p:cNvGrpSpPr/>
+          <p:nvPr/>
+        </p:nvGrpSpPr>
+        <p:grpSpPr>
+          <a:xfrm>
+            <a:off x="3347864" y="2769895"/>
+            <a:ext cx="1800200" cy="612068"/>
+            <a:chOff x="3491880" y="3140968"/>
+            <a:chExt cx="1800200" cy="612068"/>
+          </a:xfrm>
+        </p:grpSpPr>
+        <p:grpSp>
+          <p:nvGrpSpPr>
+            <p:cNvPr id="6" name="Groupe 5"/>
+            <p:cNvGrpSpPr/>
+            <p:nvPr/>
+          </p:nvGrpSpPr>
+          <p:grpSpPr>
+            <a:xfrm>
+              <a:off x="3491880" y="3501008"/>
+              <a:ext cx="864096" cy="252028"/>
+              <a:chOff x="1259632" y="1124744"/>
+              <a:chExt cx="864096" cy="252028"/>
+            </a:xfrm>
+          </p:grpSpPr>
+          <p:cxnSp>
+            <p:nvCxnSpPr>
+              <p:cNvPr id="15" name="Connecteur droit 14"/>
+              <p:cNvCxnSpPr/>
+              <p:nvPr/>
+            </p:nvCxnSpPr>
+            <p:spPr>
+              <a:xfrm flipV="1">
+                <a:off x="1259632" y="1124744"/>
+                <a:ext cx="0" cy="126014"/>
+              </a:xfrm>
+              <a:prstGeom prst="line">
+                <a:avLst/>
+              </a:prstGeom>
+              <a:ln w="12700">
+                <a:solidFill>
+                  <a:schemeClr val="tx1"/>
+                </a:solidFill>
+              </a:ln>
+            </p:spPr>
+            <p:style>
+              <a:lnRef idx="1">
+                <a:schemeClr val="accent1"/>
+              </a:lnRef>
+              <a:fillRef idx="0">
+                <a:schemeClr val="accent1"/>
+              </a:fillRef>
+              <a:effectRef idx="0">
+                <a:schemeClr val="accent1"/>
+              </a:effectRef>
+              <a:fontRef idx="minor">
+                <a:schemeClr val="tx1"/>
+              </a:fontRef>
+            </p:style>
+          </p:cxnSp>
+          <p:cxnSp>
+            <p:nvCxnSpPr>
+              <p:cNvPr id="16" name="Connecteur droit 15"/>
+              <p:cNvCxnSpPr/>
+              <p:nvPr/>
+            </p:nvCxnSpPr>
+            <p:spPr>
+              <a:xfrm flipV="1">
+                <a:off x="2123728" y="1124744"/>
+                <a:ext cx="0" cy="252028"/>
+              </a:xfrm>
+              <a:prstGeom prst="line">
+                <a:avLst/>
+              </a:prstGeom>
+              <a:ln w="12700">
+                <a:solidFill>
+                  <a:schemeClr val="tx1"/>
+                </a:solidFill>
+              </a:ln>
+            </p:spPr>
+            <p:style>
+              <a:lnRef idx="1">
+                <a:schemeClr val="accent1"/>
+              </a:lnRef>
+              <a:fillRef idx="0">
+                <a:schemeClr val="accent1"/>
+              </a:fillRef>
+              <a:effectRef idx="0">
+                <a:schemeClr val="accent1"/>
+              </a:effectRef>
+              <a:fontRef idx="minor">
+                <a:schemeClr val="tx1"/>
+              </a:fontRef>
+            </p:style>
+          </p:cxnSp>
+          <p:cxnSp>
+            <p:nvCxnSpPr>
+              <p:cNvPr id="17" name="Connecteur droit 16"/>
+              <p:cNvCxnSpPr/>
+              <p:nvPr/>
+            </p:nvCxnSpPr>
+            <p:spPr>
+              <a:xfrm>
+                <a:off x="1259632" y="1124744"/>
+                <a:ext cx="864096" cy="0"/>
+              </a:xfrm>
+              <a:prstGeom prst="line">
+                <a:avLst/>
+              </a:prstGeom>
+              <a:ln w="12700">
+                <a:solidFill>
+                  <a:schemeClr val="tx1"/>
+                </a:solidFill>
+              </a:ln>
+            </p:spPr>
+            <p:style>
+              <a:lnRef idx="1">
+                <a:schemeClr val="accent1"/>
+              </a:lnRef>
+              <a:fillRef idx="0">
+                <a:schemeClr val="accent1"/>
+              </a:fillRef>
+              <a:effectRef idx="0">
+                <a:schemeClr val="accent1"/>
+              </a:effectRef>
+              <a:fontRef idx="minor">
+                <a:schemeClr val="tx1"/>
+              </a:fontRef>
+            </p:style>
+          </p:cxnSp>
+        </p:grpSp>
+        <p:grpSp>
+          <p:nvGrpSpPr>
+            <p:cNvPr id="7" name="Groupe 6"/>
+            <p:cNvGrpSpPr/>
+            <p:nvPr/>
+          </p:nvGrpSpPr>
+          <p:grpSpPr>
+            <a:xfrm>
+              <a:off x="4427984" y="3501008"/>
+              <a:ext cx="864096" cy="252028"/>
+              <a:chOff x="1259632" y="1124744"/>
+              <a:chExt cx="864096" cy="252028"/>
+            </a:xfrm>
+          </p:grpSpPr>
+          <p:cxnSp>
+            <p:nvCxnSpPr>
+              <p:cNvPr id="12" name="Connecteur droit 11"/>
+              <p:cNvCxnSpPr/>
+              <p:nvPr/>
+            </p:nvCxnSpPr>
+            <p:spPr>
+              <a:xfrm flipV="1">
+                <a:off x="1259632" y="1124744"/>
+                <a:ext cx="0" cy="252028"/>
+              </a:xfrm>
+              <a:prstGeom prst="line">
+                <a:avLst/>
+              </a:prstGeom>
+              <a:ln w="12700">
+                <a:solidFill>
+                  <a:schemeClr val="tx1"/>
+                </a:solidFill>
+              </a:ln>
+            </p:spPr>
+            <p:style>
+              <a:lnRef idx="1">
+                <a:schemeClr val="accent1"/>
+              </a:lnRef>
+              <a:fillRef idx="0">
+                <a:schemeClr val="accent1"/>
+              </a:fillRef>
+              <a:effectRef idx="0">
+                <a:schemeClr val="accent1"/>
+              </a:effectRef>
+              <a:fontRef idx="minor">
+                <a:schemeClr val="tx1"/>
+              </a:fontRef>
+            </p:style>
+          </p:cxnSp>
+          <p:cxnSp>
+            <p:nvCxnSpPr>
+              <p:cNvPr id="13" name="Connecteur droit 12"/>
+              <p:cNvCxnSpPr/>
+              <p:nvPr/>
+            </p:nvCxnSpPr>
+            <p:spPr>
+              <a:xfrm flipV="1">
+                <a:off x="2123728" y="1124744"/>
+                <a:ext cx="0" cy="252028"/>
+              </a:xfrm>
+              <a:prstGeom prst="line">
+                <a:avLst/>
+              </a:prstGeom>
+              <a:ln w="12700">
+                <a:solidFill>
+                  <a:schemeClr val="tx1"/>
+                </a:solidFill>
+              </a:ln>
+            </p:spPr>
+            <p:style>
+              <a:lnRef idx="1">
+                <a:schemeClr val="accent1"/>
+              </a:lnRef>
+              <a:fillRef idx="0">
+                <a:schemeClr val="accent1"/>
+              </a:fillRef>
+              <a:effectRef idx="0">
+                <a:schemeClr val="accent1"/>
+              </a:effectRef>
+              <a:fontRef idx="minor">
+                <a:schemeClr val="tx1"/>
+              </a:fontRef>
+            </p:style>
+          </p:cxnSp>
+          <p:cxnSp>
+            <p:nvCxnSpPr>
+              <p:cNvPr id="14" name="Connecteur droit 13"/>
+              <p:cNvCxnSpPr/>
+              <p:nvPr/>
+            </p:nvCxnSpPr>
+            <p:spPr>
+              <a:xfrm>
+                <a:off x="1259632" y="1124744"/>
+                <a:ext cx="864096" cy="0"/>
+              </a:xfrm>
+              <a:prstGeom prst="line">
+                <a:avLst/>
+              </a:prstGeom>
+              <a:ln w="12700">
+                <a:solidFill>
+                  <a:schemeClr val="tx1"/>
+                </a:solidFill>
+              </a:ln>
+            </p:spPr>
+            <p:style>
+              <a:lnRef idx="1">
+                <a:schemeClr val="accent1"/>
+              </a:lnRef>
+              <a:fillRef idx="0">
+                <a:schemeClr val="accent1"/>
+              </a:fillRef>
+              <a:effectRef idx="0">
+                <a:schemeClr val="accent1"/>
+              </a:effectRef>
+              <a:fontRef idx="minor">
+                <a:schemeClr val="tx1"/>
+              </a:fontRef>
+            </p:style>
+          </p:cxnSp>
+        </p:grpSp>
+        <p:grpSp>
+          <p:nvGrpSpPr>
+            <p:cNvPr id="8" name="Groupe 7"/>
+            <p:cNvGrpSpPr/>
+            <p:nvPr/>
+          </p:nvGrpSpPr>
+          <p:grpSpPr>
+            <a:xfrm>
+              <a:off x="3599892" y="3140968"/>
+              <a:ext cx="1656184" cy="108012"/>
+              <a:chOff x="1259632" y="1124744"/>
+              <a:chExt cx="1656184" cy="108012"/>
+            </a:xfrm>
+          </p:grpSpPr>
+          <p:cxnSp>
+            <p:nvCxnSpPr>
+              <p:cNvPr id="9" name="Connecteur droit 8"/>
+              <p:cNvCxnSpPr/>
+              <p:nvPr/>
+            </p:nvCxnSpPr>
+            <p:spPr>
+              <a:xfrm flipV="1">
+                <a:off x="1259632" y="1124744"/>
+                <a:ext cx="0" cy="108012"/>
+              </a:xfrm>
+              <a:prstGeom prst="line">
+                <a:avLst/>
+              </a:prstGeom>
+              <a:ln w="12700">
+                <a:solidFill>
+                  <a:schemeClr val="tx1"/>
+                </a:solidFill>
+              </a:ln>
+            </p:spPr>
+            <p:style>
+              <a:lnRef idx="1">
+                <a:schemeClr val="accent1"/>
+              </a:lnRef>
+              <a:fillRef idx="0">
+                <a:schemeClr val="accent1"/>
+              </a:fillRef>
+              <a:effectRef idx="0">
+                <a:schemeClr val="accent1"/>
+              </a:effectRef>
+              <a:fontRef idx="minor">
+                <a:schemeClr val="tx1"/>
+              </a:fontRef>
+            </p:style>
+          </p:cxnSp>
+          <p:cxnSp>
+            <p:nvCxnSpPr>
+              <p:cNvPr id="10" name="Connecteur droit 9"/>
+              <p:cNvCxnSpPr/>
+              <p:nvPr/>
+            </p:nvCxnSpPr>
+            <p:spPr>
+              <a:xfrm flipV="1">
+                <a:off x="2915816" y="1124744"/>
+                <a:ext cx="0" cy="108012"/>
+              </a:xfrm>
+              <a:prstGeom prst="line">
+                <a:avLst/>
+              </a:prstGeom>
+              <a:ln w="12700">
+                <a:solidFill>
+                  <a:schemeClr val="tx1"/>
+                </a:solidFill>
+              </a:ln>
+            </p:spPr>
+            <p:style>
+              <a:lnRef idx="1">
+                <a:schemeClr val="accent1"/>
+              </a:lnRef>
+              <a:fillRef idx="0">
+                <a:schemeClr val="accent1"/>
+              </a:fillRef>
+              <a:effectRef idx="0">
+                <a:schemeClr val="accent1"/>
+              </a:effectRef>
+              <a:fontRef idx="minor">
+                <a:schemeClr val="tx1"/>
+              </a:fontRef>
+            </p:style>
+          </p:cxnSp>
+          <p:cxnSp>
+            <p:nvCxnSpPr>
+              <p:cNvPr id="11" name="Connecteur droit 10"/>
+              <p:cNvCxnSpPr/>
+              <p:nvPr/>
+            </p:nvCxnSpPr>
+            <p:spPr>
+              <a:xfrm>
+                <a:off x="1259632" y="1124744"/>
+                <a:ext cx="1656184" cy="0"/>
+              </a:xfrm>
+              <a:prstGeom prst="line">
+                <a:avLst/>
+              </a:prstGeom>
+              <a:ln w="12700">
+                <a:solidFill>
+                  <a:schemeClr val="tx1"/>
+                </a:solidFill>
+              </a:ln>
+            </p:spPr>
+            <p:style>
+              <a:lnRef idx="1">
+                <a:schemeClr val="accent1"/>
+              </a:lnRef>
+              <a:fillRef idx="0">
+                <a:schemeClr val="accent1"/>
+              </a:fillRef>
+              <a:effectRef idx="0">
+                <a:schemeClr val="accent1"/>
+              </a:effectRef>
+              <a:fontRef idx="minor">
+                <a:schemeClr val="tx1"/>
+              </a:fontRef>
+            </p:style>
+          </p:cxnSp>
+        </p:grpSp>
+      </p:grpSp>
+      <p:sp>
+        <p:nvSpPr>
+          <p:cNvPr id="24" name="ZoneTexte 23"/>
+          <p:cNvSpPr txBox="1"/>
+          <p:nvPr/>
+        </p:nvSpPr>
+        <p:spPr>
+          <a:xfrm>
+            <a:off x="4375081" y="2924944"/>
+            <a:ext cx="615874" cy="276999"/>
+          </a:xfrm>
+          <a:prstGeom prst="rect">
+            <a:avLst/>
+          </a:prstGeom>
+          <a:noFill/>
+        </p:spPr>
+        <p:txBody>
+          <a:bodyPr wrap="none" rtlCol="0">
+            <a:spAutoFit/>
+          </a:bodyPr>
+          <a:lstStyle/>
+          <a:p>
+            <a:r>
+              <a:rPr lang="fr-FR" sz="1200" dirty="0" smtClean="0"/>
+              <a:t>P&gt;0,05</a:t>
+            </a:r>
+            <a:endParaRPr lang="fr-FR" sz="1600" dirty="0"/>
+          </a:p>
+        </p:txBody>
+      </p:sp>
+      <p:sp>
+        <p:nvSpPr>
+          <p:cNvPr id="25" name="ZoneTexte 24"/>
+          <p:cNvSpPr txBox="1"/>
+          <p:nvPr/>
+        </p:nvSpPr>
+        <p:spPr>
+          <a:xfrm>
+            <a:off x="3471975" y="2924943"/>
+            <a:ext cx="615874" cy="276999"/>
+          </a:xfrm>
+          <a:prstGeom prst="rect">
+            <a:avLst/>
+          </a:prstGeom>
+          <a:noFill/>
+        </p:spPr>
+        <p:txBody>
+          <a:bodyPr wrap="none" rtlCol="0">
+            <a:spAutoFit/>
+          </a:bodyPr>
+          <a:lstStyle/>
+          <a:p>
+            <a:r>
+              <a:rPr lang="fr-FR" sz="1200" dirty="0" smtClean="0"/>
+              <a:t>P&gt;0,05</a:t>
+            </a:r>
+            <a:endParaRPr lang="fr-FR" sz="1600" dirty="0"/>
+          </a:p>
+        </p:txBody>
+      </p:sp>
+      <p:sp>
+        <p:nvSpPr>
+          <p:cNvPr id="26" name="ZoneTexte 25"/>
+          <p:cNvSpPr txBox="1"/>
+          <p:nvPr/>
+        </p:nvSpPr>
+        <p:spPr>
+          <a:xfrm>
+            <a:off x="3986329" y="2564904"/>
+            <a:ext cx="615874" cy="276999"/>
+          </a:xfrm>
+          <a:prstGeom prst="rect">
+            <a:avLst/>
+          </a:prstGeom>
+          <a:noFill/>
+        </p:spPr>
+        <p:txBody>
+          <a:bodyPr wrap="none" rtlCol="0">
+            <a:spAutoFit/>
+          </a:bodyPr>
+          <a:lstStyle/>
+          <a:p>
+            <a:r>
+              <a:rPr lang="fr-FR" sz="1200" dirty="0" smtClean="0"/>
+              <a:t>P&gt;0,05</a:t>
+            </a:r>
+            <a:endParaRPr lang="fr-FR" sz="1600" dirty="0"/>
+          </a:p>
+        </p:txBody>
+      </p:sp>
+    </p:spTree>
+    <p:extLst>
+      <p:ext uri="{BB962C8B-B14F-4D97-AF65-F5344CB8AC3E}">
+        <p14:creationId xmlns:p14="http://schemas.microsoft.com/office/powerpoint/2010/main" val="2213432507"/>
+      </p:ext>
+    </p:extLst>
+  </p:cSld>
+  <p:clrMapOvr>
+    <a:masterClrMapping/>
+  </p:clrMapOvr>
+</p:sld>
+</file>
+
+<file path=ppt/slides/slide5.xml><?xml version="1.0" encoding="utf-8"?>
+<p:sld xmlns:a="http://schemas.openxmlformats.org/drawingml/2006/main" xmlns:r="http://schemas.openxmlformats.org/officeDocument/2006/relationships" xmlns:p="http://schemas.openxmlformats.org/presentationml/2006/main">
+  <p:cSld>
+    <p:spTree>
+      <p:nvGrpSpPr>
+        <p:cNvPr id="1" name=""/>
+        <p:cNvGrpSpPr/>
+        <p:nvPr/>
+      </p:nvGrpSpPr>
+      <p:grpSpPr>
+        <a:xfrm>
+          <a:off x="0" y="0"/>
+          <a:ext cx="0" cy="0"/>
+          <a:chOff x="0" y="0"/>
+          <a:chExt cx="0" cy="0"/>
+        </a:xfrm>
+      </p:grpSpPr>
+      <p:graphicFrame>
+        <p:nvGraphicFramePr>
+          <p:cNvPr id="4" name="Graphique 3"/>
+          <p:cNvGraphicFramePr>
+            <a:graphicFrameLocks/>
+          </p:cNvGraphicFramePr>
+          <p:nvPr>
+            <p:extLst>
+              <p:ext uri="{D42A27DB-BD31-4B8C-83A1-F6EECF244321}">
+                <p14:modId xmlns:p14="http://schemas.microsoft.com/office/powerpoint/2010/main" val="2257724270"/>
               </p:ext>
             </p:extLst>
           </p:nvPr>
@@ -7075,7 +7094,7 @@
 </p:sld>
 </file>
 
-<file path=ppt/slides/slide5.xml><?xml version="1.0" encoding="utf-8"?>
+<file path=ppt/slides/slide6.xml><?xml version="1.0" encoding="utf-8"?>
 <p:sld xmlns:a="http://schemas.openxmlformats.org/drawingml/2006/main" xmlns:r="http://schemas.openxmlformats.org/officeDocument/2006/relationships" xmlns:p="http://schemas.openxmlformats.org/presentationml/2006/main">
   <p:cSld>
     <p:spTree>
@@ -7594,7 +7613,7 @@
 </p:sld>
 </file>
 
-<file path=ppt/slides/slide6.xml><?xml version="1.0" encoding="utf-8"?>
+<file path=ppt/slides/slide7.xml><?xml version="1.0" encoding="utf-8"?>
 <p:sld xmlns:a="http://schemas.openxmlformats.org/drawingml/2006/main" xmlns:r="http://schemas.openxmlformats.org/officeDocument/2006/relationships" xmlns:p="http://schemas.openxmlformats.org/presentationml/2006/main">
   <p:cSld>
     <p:spTree>
@@ -8113,7 +8132,7 @@
 </p:sld>
 </file>
 
-<file path=ppt/slides/slide7.xml><?xml version="1.0" encoding="utf-8"?>
+<file path=ppt/slides/slide8.xml><?xml version="1.0" encoding="utf-8"?>
 <p:sld xmlns:a="http://schemas.openxmlformats.org/drawingml/2006/main" xmlns:r="http://schemas.openxmlformats.org/officeDocument/2006/relationships" xmlns:p="http://schemas.openxmlformats.org/presentationml/2006/main">
   <p:cSld>
     <p:spTree>
